--- a/img/pinout.pptx
+++ b/img/pinout.pptx
@@ -210,7 +210,7 @@
           <a:p>
             <a:fld id="{4EB02BDD-3154-492D-BE59-59C507D5296B}" type="datetimeFigureOut">
               <a:rPr lang="zh-CN" altLang="en-US" smtClean="0"/>
-              <a:t>2019/2/28</a:t>
+              <a:t>2019/3/1</a:t>
             </a:fld>
             <a:endParaRPr lang="zh-CN" altLang="en-US"/>
           </a:p>
@@ -794,7 +794,7 @@
           <a:p>
             <a:fld id="{6BAEC7DB-416E-4648-AE31-15D6F0A9A9FB}" type="datetimeFigureOut">
               <a:rPr lang="en-US" smtClean="0"/>
-              <a:t>2/28/2019</a:t>
+              <a:t>3/1/2019</a:t>
             </a:fld>
             <a:endParaRPr lang="en-US"/>
           </a:p>
@@ -994,7 +994,7 @@
           <a:p>
             <a:fld id="{6BAEC7DB-416E-4648-AE31-15D6F0A9A9FB}" type="datetimeFigureOut">
               <a:rPr lang="en-US" smtClean="0"/>
-              <a:t>2/28/2019</a:t>
+              <a:t>3/1/2019</a:t>
             </a:fld>
             <a:endParaRPr lang="en-US"/>
           </a:p>
@@ -1204,7 +1204,7 @@
           <a:p>
             <a:fld id="{6BAEC7DB-416E-4648-AE31-15D6F0A9A9FB}" type="datetimeFigureOut">
               <a:rPr lang="en-US" smtClean="0"/>
-              <a:t>2/28/2019</a:t>
+              <a:t>3/1/2019</a:t>
             </a:fld>
             <a:endParaRPr lang="en-US"/>
           </a:p>
@@ -1404,7 +1404,7 @@
           <a:p>
             <a:fld id="{6BAEC7DB-416E-4648-AE31-15D6F0A9A9FB}" type="datetimeFigureOut">
               <a:rPr lang="en-US" smtClean="0"/>
-              <a:t>2/28/2019</a:t>
+              <a:t>3/1/2019</a:t>
             </a:fld>
             <a:endParaRPr lang="en-US"/>
           </a:p>
@@ -1680,7 +1680,7 @@
           <a:p>
             <a:fld id="{6BAEC7DB-416E-4648-AE31-15D6F0A9A9FB}" type="datetimeFigureOut">
               <a:rPr lang="en-US" smtClean="0"/>
-              <a:t>2/28/2019</a:t>
+              <a:t>3/1/2019</a:t>
             </a:fld>
             <a:endParaRPr lang="en-US"/>
           </a:p>
@@ -1948,7 +1948,7 @@
           <a:p>
             <a:fld id="{6BAEC7DB-416E-4648-AE31-15D6F0A9A9FB}" type="datetimeFigureOut">
               <a:rPr lang="en-US" smtClean="0"/>
-              <a:t>2/28/2019</a:t>
+              <a:t>3/1/2019</a:t>
             </a:fld>
             <a:endParaRPr lang="en-US"/>
           </a:p>
@@ -2363,7 +2363,7 @@
           <a:p>
             <a:fld id="{6BAEC7DB-416E-4648-AE31-15D6F0A9A9FB}" type="datetimeFigureOut">
               <a:rPr lang="en-US" smtClean="0"/>
-              <a:t>2/28/2019</a:t>
+              <a:t>3/1/2019</a:t>
             </a:fld>
             <a:endParaRPr lang="en-US"/>
           </a:p>
@@ -2505,7 +2505,7 @@
           <a:p>
             <a:fld id="{6BAEC7DB-416E-4648-AE31-15D6F0A9A9FB}" type="datetimeFigureOut">
               <a:rPr lang="en-US" smtClean="0"/>
-              <a:t>2/28/2019</a:t>
+              <a:t>3/1/2019</a:t>
             </a:fld>
             <a:endParaRPr lang="en-US"/>
           </a:p>
@@ -2618,7 +2618,7 @@
           <a:p>
             <a:fld id="{6BAEC7DB-416E-4648-AE31-15D6F0A9A9FB}" type="datetimeFigureOut">
               <a:rPr lang="en-US" smtClean="0"/>
-              <a:t>2/28/2019</a:t>
+              <a:t>3/1/2019</a:t>
             </a:fld>
             <a:endParaRPr lang="en-US"/>
           </a:p>
@@ -2931,7 +2931,7 @@
           <a:p>
             <a:fld id="{6BAEC7DB-416E-4648-AE31-15D6F0A9A9FB}" type="datetimeFigureOut">
               <a:rPr lang="en-US" smtClean="0"/>
-              <a:t>2/28/2019</a:t>
+              <a:t>3/1/2019</a:t>
             </a:fld>
             <a:endParaRPr lang="en-US"/>
           </a:p>
@@ -3220,7 +3220,7 @@
           <a:p>
             <a:fld id="{6BAEC7DB-416E-4648-AE31-15D6F0A9A9FB}" type="datetimeFigureOut">
               <a:rPr lang="en-US" smtClean="0"/>
-              <a:t>2/28/2019</a:t>
+              <a:t>3/1/2019</a:t>
             </a:fld>
             <a:endParaRPr lang="en-US"/>
           </a:p>
@@ -3463,7 +3463,7 @@
           <a:p>
             <a:fld id="{6BAEC7DB-416E-4648-AE31-15D6F0A9A9FB}" type="datetimeFigureOut">
               <a:rPr lang="en-US" smtClean="0"/>
-              <a:t>2/28/2019</a:t>
+              <a:t>3/1/2019</a:t>
             </a:fld>
             <a:endParaRPr lang="en-US"/>
           </a:p>
@@ -5721,7 +5721,7 @@
         <p:spPr>
           <a:xfrm>
             <a:off x="1674648" y="4462658"/>
-            <a:ext cx="3160224" cy="1754326"/>
+            <a:ext cx="3392660" cy="1754326"/>
           </a:xfrm>
           <a:prstGeom prst="rect">
             <a:avLst/>
@@ -5768,6 +5768,22 @@
               <a:rPr lang="en-US"/>
               <a:t>- J1, USB Host</a:t>
             </a:r>
+            <a:r>
+              <a:rPr lang="en-US">
+                <a:solidFill>
+                  <a:srgbClr val="FF0000"/>
+                </a:solidFill>
+              </a:rPr>
+              <a:t>*</a:t>
+            </a:r>
+            <a:r>
+              <a:rPr lang="en-US" b="1" baseline="30000">
+                <a:solidFill>
+                  <a:srgbClr val="FF0000"/>
+                </a:solidFill>
+              </a:rPr>
+              <a:t>0</a:t>
+            </a:r>
           </a:p>
           <a:p>
             <a:r>
@@ -5782,6 +5798,22 @@
               <a:rPr lang="en-US"/>
               <a:t>- J2, USB OTG and DC Power In</a:t>
             </a:r>
+            <a:r>
+              <a:rPr lang="en-US">
+                <a:solidFill>
+                  <a:srgbClr val="FF0000"/>
+                </a:solidFill>
+              </a:rPr>
+              <a:t>*</a:t>
+            </a:r>
+            <a:r>
+              <a:rPr lang="en-US" b="1" baseline="30000">
+                <a:solidFill>
+                  <a:srgbClr val="FF0000"/>
+                </a:solidFill>
+              </a:rPr>
+              <a:t>0</a:t>
+            </a:r>
           </a:p>
           <a:p>
             <a:r>
@@ -5811,10 +5843,26 @@
               <a:t>- U7, 64MB HyperFlash</a:t>
             </a:r>
             <a:r>
-              <a:rPr lang="zh-CN" altLang="en-US"/>
+              <a:rPr lang="zh-CN" altLang="en-US">
+                <a:solidFill>
+                  <a:srgbClr val="FF0000"/>
+                </a:solidFill>
+              </a:rPr>
               <a:t>*</a:t>
             </a:r>
-            <a:endParaRPr lang="en-US"/>
+            <a:r>
+              <a:rPr lang="en-US" altLang="zh-CN" b="1" baseline="30000">
+                <a:solidFill>
+                  <a:srgbClr val="FF0000"/>
+                </a:solidFill>
+              </a:rPr>
+              <a:t>1</a:t>
+            </a:r>
+            <a:endParaRPr lang="en-US" b="1" baseline="30000">
+              <a:solidFill>
+                <a:srgbClr val="FF0000"/>
+              </a:solidFill>
+            </a:endParaRPr>
           </a:p>
           <a:p>
             <a:r>
@@ -5939,13 +5987,41 @@
             </a:r>
             <a:r>
               <a:rPr lang="en-US"/>
-              <a:t>- SW4, ON/OFF B</a:t>
+              <a:t>- SW4, P</a:t>
+            </a:r>
+            <a:r>
+              <a:rPr lang="en-US" altLang="zh-CN"/>
+              <a:t>ower </a:t>
+            </a:r>
+            <a:r>
+              <a:rPr lang="en-US"/>
+              <a:t>ON/OFF B</a:t>
             </a:r>
             <a:r>
               <a:rPr lang="en-US" altLang="zh-CN"/>
               <a:t>utton</a:t>
             </a:r>
-            <a:endParaRPr lang="en-US"/>
+            <a:r>
+              <a:rPr lang="en-US" altLang="zh-CN">
+                <a:solidFill>
+                  <a:srgbClr val="FF0000"/>
+                </a:solidFill>
+              </a:rPr>
+              <a:t>*</a:t>
+            </a:r>
+            <a:r>
+              <a:rPr lang="en-US" altLang="zh-CN" b="1" baseline="30000">
+                <a:solidFill>
+                  <a:srgbClr val="FF0000"/>
+                </a:solidFill>
+              </a:rPr>
+              <a:t>2</a:t>
+            </a:r>
+            <a:endParaRPr lang="en-US" b="1" baseline="30000">
+              <a:solidFill>
+                <a:srgbClr val="FF0000"/>
+              </a:solidFill>
+            </a:endParaRPr>
           </a:p>
           <a:p>
             <a:r>
@@ -6835,7 +6911,23 @@
             </a:r>
             <a:r>
               <a:rPr lang="en-US"/>
-              <a:t>- J6, VBAT Connector</a:t>
+              <a:t>- J6, RTC CR2032 BAT Connector</a:t>
+            </a:r>
+            <a:r>
+              <a:rPr lang="en-US">
+                <a:solidFill>
+                  <a:srgbClr val="FF0000"/>
+                </a:solidFill>
+              </a:rPr>
+              <a:t>*</a:t>
+            </a:r>
+            <a:r>
+              <a:rPr lang="en-US" b="1" baseline="30000">
+                <a:solidFill>
+                  <a:srgbClr val="FF0000"/>
+                </a:solidFill>
+              </a:rPr>
+              <a:t>3</a:t>
             </a:r>
           </a:p>
           <a:p>
@@ -6873,9 +6965,29 @@
             </a:r>
             <a:r>
               <a:rPr lang="en-US" altLang="zh-CN"/>
-              <a:t>Flash*</a:t>
-            </a:r>
-            <a:endParaRPr lang="en-US"/>
+              <a:t>Flash</a:t>
+            </a:r>
+            <a:r>
+              <a:rPr lang="en-US" altLang="zh-CN">
+                <a:solidFill>
+                  <a:srgbClr val="FF0000"/>
+                </a:solidFill>
+              </a:rPr>
+              <a:t>*</a:t>
+            </a:r>
+            <a:r>
+              <a:rPr lang="en-US" altLang="zh-CN" b="1" baseline="30000">
+                <a:solidFill>
+                  <a:srgbClr val="FF0000"/>
+                </a:solidFill>
+              </a:rPr>
+              <a:t>1</a:t>
+            </a:r>
+            <a:endParaRPr lang="en-US" b="1" baseline="30000">
+              <a:solidFill>
+                <a:srgbClr val="FF0000"/>
+              </a:solidFill>
+            </a:endParaRPr>
           </a:p>
         </p:txBody>
       </p:sp>

--- a/img/pinout.pptx
+++ b/img/pinout.pptx
@@ -210,7 +210,7 @@
           <a:p>
             <a:fld id="{4EB02BDD-3154-492D-BE59-59C507D5296B}" type="datetimeFigureOut">
               <a:rPr lang="zh-CN" altLang="en-US" smtClean="0"/>
-              <a:t>2019/3/1</a:t>
+              <a:t>2019/3/4</a:t>
             </a:fld>
             <a:endParaRPr lang="zh-CN" altLang="en-US"/>
           </a:p>
@@ -794,7 +794,7 @@
           <a:p>
             <a:fld id="{6BAEC7DB-416E-4648-AE31-15D6F0A9A9FB}" type="datetimeFigureOut">
               <a:rPr lang="en-US" smtClean="0"/>
-              <a:t>3/1/2019</a:t>
+              <a:t>3/4/2019</a:t>
             </a:fld>
             <a:endParaRPr lang="en-US"/>
           </a:p>
@@ -994,7 +994,7 @@
           <a:p>
             <a:fld id="{6BAEC7DB-416E-4648-AE31-15D6F0A9A9FB}" type="datetimeFigureOut">
               <a:rPr lang="en-US" smtClean="0"/>
-              <a:t>3/1/2019</a:t>
+              <a:t>3/4/2019</a:t>
             </a:fld>
             <a:endParaRPr lang="en-US"/>
           </a:p>
@@ -1204,7 +1204,7 @@
           <a:p>
             <a:fld id="{6BAEC7DB-416E-4648-AE31-15D6F0A9A9FB}" type="datetimeFigureOut">
               <a:rPr lang="en-US" smtClean="0"/>
-              <a:t>3/1/2019</a:t>
+              <a:t>3/4/2019</a:t>
             </a:fld>
             <a:endParaRPr lang="en-US"/>
           </a:p>
@@ -1404,7 +1404,7 @@
           <a:p>
             <a:fld id="{6BAEC7DB-416E-4648-AE31-15D6F0A9A9FB}" type="datetimeFigureOut">
               <a:rPr lang="en-US" smtClean="0"/>
-              <a:t>3/1/2019</a:t>
+              <a:t>3/4/2019</a:t>
             </a:fld>
             <a:endParaRPr lang="en-US"/>
           </a:p>
@@ -1680,7 +1680,7 @@
           <a:p>
             <a:fld id="{6BAEC7DB-416E-4648-AE31-15D6F0A9A9FB}" type="datetimeFigureOut">
               <a:rPr lang="en-US" smtClean="0"/>
-              <a:t>3/1/2019</a:t>
+              <a:t>3/4/2019</a:t>
             </a:fld>
             <a:endParaRPr lang="en-US"/>
           </a:p>
@@ -1948,7 +1948,7 @@
           <a:p>
             <a:fld id="{6BAEC7DB-416E-4648-AE31-15D6F0A9A9FB}" type="datetimeFigureOut">
               <a:rPr lang="en-US" smtClean="0"/>
-              <a:t>3/1/2019</a:t>
+              <a:t>3/4/2019</a:t>
             </a:fld>
             <a:endParaRPr lang="en-US"/>
           </a:p>
@@ -2363,7 +2363,7 @@
           <a:p>
             <a:fld id="{6BAEC7DB-416E-4648-AE31-15D6F0A9A9FB}" type="datetimeFigureOut">
               <a:rPr lang="en-US" smtClean="0"/>
-              <a:t>3/1/2019</a:t>
+              <a:t>3/4/2019</a:t>
             </a:fld>
             <a:endParaRPr lang="en-US"/>
           </a:p>
@@ -2505,7 +2505,7 @@
           <a:p>
             <a:fld id="{6BAEC7DB-416E-4648-AE31-15D6F0A9A9FB}" type="datetimeFigureOut">
               <a:rPr lang="en-US" smtClean="0"/>
-              <a:t>3/1/2019</a:t>
+              <a:t>3/4/2019</a:t>
             </a:fld>
             <a:endParaRPr lang="en-US"/>
           </a:p>
@@ -2618,7 +2618,7 @@
           <a:p>
             <a:fld id="{6BAEC7DB-416E-4648-AE31-15D6F0A9A9FB}" type="datetimeFigureOut">
               <a:rPr lang="en-US" smtClean="0"/>
-              <a:t>3/1/2019</a:t>
+              <a:t>3/4/2019</a:t>
             </a:fld>
             <a:endParaRPr lang="en-US"/>
           </a:p>
@@ -2931,7 +2931,7 @@
           <a:p>
             <a:fld id="{6BAEC7DB-416E-4648-AE31-15D6F0A9A9FB}" type="datetimeFigureOut">
               <a:rPr lang="en-US" smtClean="0"/>
-              <a:t>3/1/2019</a:t>
+              <a:t>3/4/2019</a:t>
             </a:fld>
             <a:endParaRPr lang="en-US"/>
           </a:p>
@@ -3220,7 +3220,7 @@
           <a:p>
             <a:fld id="{6BAEC7DB-416E-4648-AE31-15D6F0A9A9FB}" type="datetimeFigureOut">
               <a:rPr lang="en-US" smtClean="0"/>
-              <a:t>3/1/2019</a:t>
+              <a:t>3/4/2019</a:t>
             </a:fld>
             <a:endParaRPr lang="en-US"/>
           </a:p>
@@ -3463,7 +3463,7 @@
           <a:p>
             <a:fld id="{6BAEC7DB-416E-4648-AE31-15D6F0A9A9FB}" type="datetimeFigureOut">
               <a:rPr lang="en-US" smtClean="0"/>
-              <a:t>3/1/2019</a:t>
+              <a:t>3/4/2019</a:t>
             </a:fld>
             <a:endParaRPr lang="en-US"/>
           </a:p>
@@ -5895,7 +5895,7 @@
         <p:spPr>
           <a:xfrm>
             <a:off x="6506766" y="4462658"/>
-            <a:ext cx="3683444" cy="1754326"/>
+            <a:ext cx="3778407" cy="1754326"/>
           </a:xfrm>
           <a:prstGeom prst="rect">
             <a:avLst/>
@@ -5918,7 +5918,15 @@
             </a:r>
             <a:r>
               <a:rPr lang="en-US"/>
-              <a:t>- SW1, Boot Configuration DIP Swith</a:t>
+              <a:t>- SW1, Boot Configuration DIP Swit</a:t>
+            </a:r>
+            <a:r>
+              <a:rPr lang="en-US" altLang="zh-CN"/>
+              <a:t>c</a:t>
+            </a:r>
+            <a:r>
+              <a:rPr lang="en-US"/>
+              <a:t>h</a:t>
             </a:r>
             <a:endParaRPr lang="en-US" b="1">
               <a:solidFill>

--- a/img/pinout.pptx
+++ b/img/pinout.pptx
@@ -3880,1832 +3880,1855 @@
           <a:chExt cx="0" cy="0"/>
         </a:xfrm>
       </p:grpSpPr>
-      <p:pic>
-        <p:nvPicPr>
-          <p:cNvPr id="7" name="图片 6">
+      <p:grpSp>
+        <p:nvGrpSpPr>
+          <p:cNvPr id="2" name="组合 1">
             <a:extLst>
               <a:ext uri="{FF2B5EF4-FFF2-40B4-BE49-F238E27FC236}">
-                <a16:creationId xmlns:a16="http://schemas.microsoft.com/office/drawing/2014/main" id="{4170C95C-44CC-4A84-9D10-1073EDFF719A}"/>
+                <a16:creationId xmlns:a16="http://schemas.microsoft.com/office/drawing/2014/main" id="{3ED729E0-307B-4F59-8193-51BBF47B3EA0}"/>
               </a:ext>
             </a:extLst>
           </p:cNvPr>
-          <p:cNvPicPr>
-            <a:picLocks noChangeAspect="1"/>
-          </p:cNvPicPr>
+          <p:cNvGrpSpPr>
+            <a:grpSpLocks noChangeAspect="1"/>
+          </p:cNvGrpSpPr>
           <p:nvPr/>
-        </p:nvPicPr>
-        <p:blipFill>
-          <a:blip r:embed="rId3">
-            <a:extLst>
-              <a:ext uri="{28A0092B-C50C-407E-A947-70E740481C1C}">
-                <a14:useLocalDpi xmlns:a14="http://schemas.microsoft.com/office/drawing/2010/main" val="0"/>
-              </a:ext>
-            </a:extLst>
-          </a:blip>
-          <a:stretch>
-            <a:fillRect/>
-          </a:stretch>
-        </p:blipFill>
-        <p:spPr>
+        </p:nvGrpSpPr>
+        <p:grpSpPr>
           <a:xfrm>
-            <a:off x="2591481" y="-41261"/>
-            <a:ext cx="5927961" cy="4445971"/>
+            <a:off x="1958862" y="10300"/>
+            <a:ext cx="7456288" cy="5112867"/>
+            <a:chOff x="2351113" y="-41261"/>
+            <a:chExt cx="6483729" cy="4445971"/>
           </a:xfrm>
-          <a:prstGeom prst="rect">
-            <a:avLst/>
-          </a:prstGeom>
-        </p:spPr>
-      </p:pic>
-      <p:cxnSp>
-        <p:nvCxnSpPr>
-          <p:cNvPr id="34" name="直接连接符 33">
-            <a:extLst>
-              <a:ext uri="{FF2B5EF4-FFF2-40B4-BE49-F238E27FC236}">
-                <a16:creationId xmlns:a16="http://schemas.microsoft.com/office/drawing/2014/main" id="{4733E079-7F67-4278-BE58-2EE7CB2F22D4}"/>
-              </a:ext>
-            </a:extLst>
-          </p:cNvPr>
-          <p:cNvCxnSpPr>
-            <a:cxnSpLocks/>
-          </p:cNvCxnSpPr>
-          <p:nvPr/>
-        </p:nvCxnSpPr>
-        <p:spPr>
-          <a:xfrm>
-            <a:off x="6999610" y="2305500"/>
-            <a:ext cx="1415057" cy="12693"/>
-          </a:xfrm>
-          <a:prstGeom prst="line">
-            <a:avLst/>
-          </a:prstGeom>
-          <a:ln w="19050" cap="flat" cmpd="sng" algn="ctr">
+        </p:grpSpPr>
+        <p:pic>
+          <p:nvPicPr>
+            <p:cNvPr id="7" name="图片 6">
+              <a:extLst>
+                <a:ext uri="{FF2B5EF4-FFF2-40B4-BE49-F238E27FC236}">
+                  <a16:creationId xmlns:a16="http://schemas.microsoft.com/office/drawing/2014/main" id="{4170C95C-44CC-4A84-9D10-1073EDFF719A}"/>
+                </a:ext>
+              </a:extLst>
+            </p:cNvPr>
+            <p:cNvPicPr>
+              <a:picLocks noChangeAspect="1"/>
+            </p:cNvPicPr>
+            <p:nvPr/>
+          </p:nvPicPr>
+          <p:blipFill>
+            <a:blip r:embed="rId3">
+              <a:extLst>
+                <a:ext uri="{28A0092B-C50C-407E-A947-70E740481C1C}">
+                  <a14:useLocalDpi xmlns:a14="http://schemas.microsoft.com/office/drawing/2010/main" val="0"/>
+                </a:ext>
+              </a:extLst>
+            </a:blip>
+            <a:stretch>
+              <a:fillRect/>
+            </a:stretch>
+          </p:blipFill>
+          <p:spPr>
+            <a:xfrm>
+              <a:off x="2591481" y="-41261"/>
+              <a:ext cx="5927961" cy="4445971"/>
+            </a:xfrm>
+            <a:prstGeom prst="rect">
+              <a:avLst/>
+            </a:prstGeom>
+          </p:spPr>
+        </p:pic>
+        <p:cxnSp>
+          <p:nvCxnSpPr>
+            <p:cNvPr id="34" name="直接连接符 33">
+              <a:extLst>
+                <a:ext uri="{FF2B5EF4-FFF2-40B4-BE49-F238E27FC236}">
+                  <a16:creationId xmlns:a16="http://schemas.microsoft.com/office/drawing/2014/main" id="{4733E079-7F67-4278-BE58-2EE7CB2F22D4}"/>
+                </a:ext>
+              </a:extLst>
+            </p:cNvPr>
+            <p:cNvCxnSpPr>
+              <a:cxnSpLocks/>
+            </p:cNvCxnSpPr>
+            <p:nvPr/>
+          </p:nvCxnSpPr>
+          <p:spPr>
+            <a:xfrm>
+              <a:off x="6999610" y="2305500"/>
+              <a:ext cx="1415057" cy="12693"/>
+            </a:xfrm>
+            <a:prstGeom prst="line">
+              <a:avLst/>
+            </a:prstGeom>
+            <a:ln w="19050" cap="flat" cmpd="sng" algn="ctr">
+              <a:solidFill>
+                <a:schemeClr val="accent1"/>
+              </a:solidFill>
+              <a:prstDash val="dash"/>
+              <a:round/>
+              <a:headEnd type="none" w="med" len="med"/>
+              <a:tailEnd type="none" w="med" len="med"/>
+            </a:ln>
+          </p:spPr>
+          <p:style>
+            <a:lnRef idx="0">
+              <a:scrgbClr r="0" g="0" b="0"/>
+            </a:lnRef>
+            <a:fillRef idx="0">
+              <a:scrgbClr r="0" g="0" b="0"/>
+            </a:fillRef>
+            <a:effectRef idx="0">
+              <a:scrgbClr r="0" g="0" b="0"/>
+            </a:effectRef>
+            <a:fontRef idx="minor">
+              <a:schemeClr val="tx1"/>
+            </a:fontRef>
+          </p:style>
+        </p:cxnSp>
+        <p:cxnSp>
+          <p:nvCxnSpPr>
+            <p:cNvPr id="35" name="直接连接符 34">
+              <a:extLst>
+                <a:ext uri="{FF2B5EF4-FFF2-40B4-BE49-F238E27FC236}">
+                  <a16:creationId xmlns:a16="http://schemas.microsoft.com/office/drawing/2014/main" id="{8B0A8158-2D8B-4562-A288-C8018E2471FB}"/>
+                </a:ext>
+              </a:extLst>
+            </p:cNvPr>
+            <p:cNvCxnSpPr>
+              <a:cxnSpLocks/>
+              <a:endCxn id="54" idx="2"/>
+            </p:cNvCxnSpPr>
+            <p:nvPr/>
+          </p:nvCxnSpPr>
+          <p:spPr>
+            <a:xfrm flipV="1">
+              <a:off x="2749754" y="2522650"/>
+              <a:ext cx="494598" cy="5093"/>
+            </a:xfrm>
+            <a:prstGeom prst="line">
+              <a:avLst/>
+            </a:prstGeom>
+            <a:ln w="19050" cap="flat" cmpd="sng" algn="ctr">
+              <a:solidFill>
+                <a:schemeClr val="accent1"/>
+              </a:solidFill>
+              <a:prstDash val="dash"/>
+              <a:round/>
+              <a:headEnd type="none" w="med" len="med"/>
+              <a:tailEnd type="none" w="med" len="med"/>
+            </a:ln>
+          </p:spPr>
+          <p:style>
+            <a:lnRef idx="0">
+              <a:scrgbClr r="0" g="0" b="0"/>
+            </a:lnRef>
+            <a:fillRef idx="0">
+              <a:scrgbClr r="0" g="0" b="0"/>
+            </a:fillRef>
+            <a:effectRef idx="0">
+              <a:scrgbClr r="0" g="0" b="0"/>
+            </a:effectRef>
+            <a:fontRef idx="minor">
+              <a:schemeClr val="tx1"/>
+            </a:fontRef>
+          </p:style>
+        </p:cxnSp>
+        <p:cxnSp>
+          <p:nvCxnSpPr>
+            <p:cNvPr id="74" name="直接连接符 73">
+              <a:extLst>
+                <a:ext uri="{FF2B5EF4-FFF2-40B4-BE49-F238E27FC236}">
+                  <a16:creationId xmlns:a16="http://schemas.microsoft.com/office/drawing/2014/main" id="{DF493CA5-D42C-44C9-B08E-675AB419F2DC}"/>
+                </a:ext>
+              </a:extLst>
+            </p:cNvPr>
+            <p:cNvCxnSpPr>
+              <a:cxnSpLocks/>
+            </p:cNvCxnSpPr>
+            <p:nvPr/>
+          </p:nvCxnSpPr>
+          <p:spPr>
+            <a:xfrm flipH="1" flipV="1">
+              <a:off x="6354731" y="2329972"/>
+              <a:ext cx="10081" cy="1430030"/>
+            </a:xfrm>
+            <a:prstGeom prst="line">
+              <a:avLst/>
+            </a:prstGeom>
+            <a:ln w="19050">
+              <a:solidFill>
+                <a:schemeClr val="accent1"/>
+              </a:solidFill>
+              <a:prstDash val="dash"/>
+            </a:ln>
+          </p:spPr>
+          <p:style>
+            <a:lnRef idx="1">
+              <a:schemeClr val="accent1"/>
+            </a:lnRef>
+            <a:fillRef idx="0">
+              <a:schemeClr val="accent1"/>
+            </a:fillRef>
+            <a:effectRef idx="0">
+              <a:schemeClr val="accent1"/>
+            </a:effectRef>
+            <a:fontRef idx="minor">
+              <a:schemeClr val="tx1"/>
+            </a:fontRef>
+          </p:style>
+        </p:cxnSp>
+        <p:cxnSp>
+          <p:nvCxnSpPr>
+            <p:cNvPr id="16" name="直接连接符 15">
+              <a:extLst>
+                <a:ext uri="{FF2B5EF4-FFF2-40B4-BE49-F238E27FC236}">
+                  <a16:creationId xmlns:a16="http://schemas.microsoft.com/office/drawing/2014/main" id="{17CC63B1-5726-45F1-9AB7-723CCAD72AB7}"/>
+                </a:ext>
+              </a:extLst>
+            </p:cNvPr>
+            <p:cNvCxnSpPr>
+              <a:cxnSpLocks/>
+            </p:cNvCxnSpPr>
+            <p:nvPr/>
+          </p:nvCxnSpPr>
+          <p:spPr>
+            <a:xfrm flipV="1">
+              <a:off x="5258989" y="3030651"/>
+              <a:ext cx="0" cy="729351"/>
+            </a:xfrm>
+            <a:prstGeom prst="line">
+              <a:avLst/>
+            </a:prstGeom>
+            <a:ln w="19050" cap="flat" cmpd="sng" algn="ctr">
+              <a:solidFill>
+                <a:schemeClr val="accent1"/>
+              </a:solidFill>
+              <a:prstDash val="dash"/>
+              <a:round/>
+              <a:headEnd type="none" w="med" len="med"/>
+              <a:tailEnd type="none" w="med" len="med"/>
+            </a:ln>
+          </p:spPr>
+          <p:style>
+            <a:lnRef idx="0">
+              <a:scrgbClr r="0" g="0" b="0"/>
+            </a:lnRef>
+            <a:fillRef idx="0">
+              <a:scrgbClr r="0" g="0" b="0"/>
+            </a:fillRef>
+            <a:effectRef idx="0">
+              <a:scrgbClr r="0" g="0" b="0"/>
+            </a:effectRef>
+            <a:fontRef idx="minor">
+              <a:schemeClr val="tx1"/>
+            </a:fontRef>
+          </p:style>
+        </p:cxnSp>
+        <p:sp>
+          <p:nvSpPr>
+            <p:cNvPr id="42" name="椭圆 41">
+              <a:extLst>
+                <a:ext uri="{FF2B5EF4-FFF2-40B4-BE49-F238E27FC236}">
+                  <a16:creationId xmlns:a16="http://schemas.microsoft.com/office/drawing/2014/main" id="{2E6FA61A-010C-4ACE-B0DF-A8658D11FAE6}"/>
+                </a:ext>
+              </a:extLst>
+            </p:cNvPr>
+            <p:cNvSpPr>
+              <a:spLocks noChangeAspect="1"/>
+            </p:cNvSpPr>
+            <p:nvPr/>
+          </p:nvSpPr>
+          <p:spPr>
+            <a:xfrm rot="5400000">
+              <a:off x="6968568" y="2609727"/>
+              <a:ext cx="88713" cy="88713"/>
+            </a:xfrm>
+            <a:prstGeom prst="ellipse">
+              <a:avLst/>
+            </a:prstGeom>
             <a:solidFill>
+              <a:srgbClr val="FFC000"/>
+            </a:solidFill>
+            <a:ln w="25400">
+              <a:solidFill>
+                <a:schemeClr val="bg1"/>
+              </a:solidFill>
+            </a:ln>
+          </p:spPr>
+          <p:style>
+            <a:lnRef idx="2">
+              <a:schemeClr val="accent1">
+                <a:shade val="50000"/>
+              </a:schemeClr>
+            </a:lnRef>
+            <a:fillRef idx="1">
               <a:schemeClr val="accent1"/>
+            </a:fillRef>
+            <a:effectRef idx="0">
+              <a:schemeClr val="accent1"/>
+            </a:effectRef>
+            <a:fontRef idx="minor">
+              <a:schemeClr val="lt1"/>
+            </a:fontRef>
+          </p:style>
+          <p:txBody>
+            <a:bodyPr rtlCol="0" anchor="ctr"/>
+            <a:lstStyle/>
+            <a:p>
+              <a:pPr algn="ctr"/>
+              <a:endParaRPr lang="en-US">
+                <a:cs typeface="+mn-ea"/>
+              </a:endParaRPr>
+            </a:p>
+          </p:txBody>
+        </p:sp>
+        <p:cxnSp>
+          <p:nvCxnSpPr>
+            <p:cNvPr id="69" name="直接连接符 68">
+              <a:extLst>
+                <a:ext uri="{FF2B5EF4-FFF2-40B4-BE49-F238E27FC236}">
+                  <a16:creationId xmlns:a16="http://schemas.microsoft.com/office/drawing/2014/main" id="{C23963EC-181B-4C8C-91B5-30994438B94F}"/>
+                </a:ext>
+              </a:extLst>
+            </p:cNvPr>
+            <p:cNvCxnSpPr>
+              <a:cxnSpLocks/>
+            </p:cNvCxnSpPr>
+            <p:nvPr/>
+          </p:nvCxnSpPr>
+          <p:spPr>
+            <a:xfrm>
+              <a:off x="7009991" y="3086300"/>
+              <a:ext cx="7636" cy="673702"/>
+            </a:xfrm>
+            <a:prstGeom prst="line">
+              <a:avLst/>
+            </a:prstGeom>
+            <a:ln w="19050" cap="flat" cmpd="sng" algn="ctr">
+              <a:solidFill>
+                <a:schemeClr val="accent1"/>
+              </a:solidFill>
+              <a:prstDash val="dash"/>
+              <a:round/>
+              <a:headEnd type="none" w="med" len="med"/>
+              <a:tailEnd type="none" w="med" len="med"/>
+            </a:ln>
+          </p:spPr>
+          <p:style>
+            <a:lnRef idx="0">
+              <a:scrgbClr r="0" g="0" b="0"/>
+            </a:lnRef>
+            <a:fillRef idx="0">
+              <a:scrgbClr r="0" g="0" b="0"/>
+            </a:fillRef>
+            <a:effectRef idx="0">
+              <a:scrgbClr r="0" g="0" b="0"/>
+            </a:effectRef>
+            <a:fontRef idx="minor">
+              <a:schemeClr val="tx1"/>
+            </a:fontRef>
+          </p:style>
+        </p:cxnSp>
+        <p:cxnSp>
+          <p:nvCxnSpPr>
+            <p:cNvPr id="31" name="直接连接符 30">
+              <a:extLst>
+                <a:ext uri="{FF2B5EF4-FFF2-40B4-BE49-F238E27FC236}">
+                  <a16:creationId xmlns:a16="http://schemas.microsoft.com/office/drawing/2014/main" id="{7DA2CF77-80F1-4B3B-8995-73B39D33A77F}"/>
+                </a:ext>
+              </a:extLst>
+            </p:cNvPr>
+            <p:cNvCxnSpPr>
+              <a:cxnSpLocks/>
+              <a:endCxn id="98" idx="1"/>
+            </p:cNvCxnSpPr>
+            <p:nvPr/>
+          </p:nvCxnSpPr>
+          <p:spPr>
+            <a:xfrm flipV="1">
+              <a:off x="4148439" y="483539"/>
+              <a:ext cx="0" cy="1308990"/>
+            </a:xfrm>
+            <a:prstGeom prst="line">
+              <a:avLst/>
+            </a:prstGeom>
+            <a:ln w="19050" cap="flat" cmpd="sng" algn="ctr">
+              <a:solidFill>
+                <a:schemeClr val="accent1"/>
+              </a:solidFill>
+              <a:prstDash val="dash"/>
+              <a:round/>
+              <a:headEnd type="none" w="med" len="med"/>
+              <a:tailEnd type="none" w="med" len="med"/>
+            </a:ln>
+          </p:spPr>
+          <p:style>
+            <a:lnRef idx="0">
+              <a:scrgbClr r="0" g="0" b="0"/>
+            </a:lnRef>
+            <a:fillRef idx="0">
+              <a:scrgbClr r="0" g="0" b="0"/>
+            </a:fillRef>
+            <a:effectRef idx="0">
+              <a:scrgbClr r="0" g="0" b="0"/>
+            </a:effectRef>
+            <a:fontRef idx="minor">
+              <a:schemeClr val="tx1"/>
+            </a:fontRef>
+          </p:style>
+        </p:cxnSp>
+        <p:sp>
+          <p:nvSpPr>
+            <p:cNvPr id="43" name="椭圆 42">
+              <a:extLst>
+                <a:ext uri="{FF2B5EF4-FFF2-40B4-BE49-F238E27FC236}">
+                  <a16:creationId xmlns:a16="http://schemas.microsoft.com/office/drawing/2014/main" id="{BE399315-0AF8-42EE-8539-09AC75079214}"/>
+                </a:ext>
+              </a:extLst>
+            </p:cNvPr>
+            <p:cNvSpPr>
+              <a:spLocks noChangeAspect="1"/>
+            </p:cNvSpPr>
+            <p:nvPr/>
+          </p:nvSpPr>
+          <p:spPr>
+            <a:xfrm rot="5400000">
+              <a:off x="6965634" y="2992517"/>
+              <a:ext cx="88713" cy="88713"/>
+            </a:xfrm>
+            <a:prstGeom prst="ellipse">
+              <a:avLst/>
+            </a:prstGeom>
+            <a:solidFill>
+              <a:srgbClr val="FFC000"/>
             </a:solidFill>
-            <a:prstDash val="dash"/>
-            <a:round/>
-            <a:headEnd type="none" w="med" len="med"/>
-            <a:tailEnd type="none" w="med" len="med"/>
-          </a:ln>
-        </p:spPr>
-        <p:style>
-          <a:lnRef idx="0">
-            <a:scrgbClr r="0" g="0" b="0"/>
-          </a:lnRef>
-          <a:fillRef idx="0">
-            <a:scrgbClr r="0" g="0" b="0"/>
-          </a:fillRef>
-          <a:effectRef idx="0">
-            <a:scrgbClr r="0" g="0" b="0"/>
-          </a:effectRef>
-          <a:fontRef idx="minor">
-            <a:schemeClr val="tx1"/>
-          </a:fontRef>
-        </p:style>
-      </p:cxnSp>
-      <p:cxnSp>
-        <p:nvCxnSpPr>
-          <p:cNvPr id="35" name="直接连接符 34">
-            <a:extLst>
-              <a:ext uri="{FF2B5EF4-FFF2-40B4-BE49-F238E27FC236}">
-                <a16:creationId xmlns:a16="http://schemas.microsoft.com/office/drawing/2014/main" id="{8B0A8158-2D8B-4562-A288-C8018E2471FB}"/>
-              </a:ext>
-            </a:extLst>
-          </p:cNvPr>
-          <p:cNvCxnSpPr>
-            <a:cxnSpLocks/>
-            <a:endCxn id="54" idx="2"/>
-          </p:cNvCxnSpPr>
-          <p:nvPr/>
-        </p:nvCxnSpPr>
-        <p:spPr>
-          <a:xfrm flipV="1">
-            <a:off x="2749754" y="2522650"/>
-            <a:ext cx="494598" cy="5093"/>
-          </a:xfrm>
-          <a:prstGeom prst="line">
-            <a:avLst/>
-          </a:prstGeom>
-          <a:ln w="19050" cap="flat" cmpd="sng" algn="ctr">
+            <a:ln w="25400">
+              <a:solidFill>
+                <a:schemeClr val="bg1"/>
+              </a:solidFill>
+            </a:ln>
+          </p:spPr>
+          <p:style>
+            <a:lnRef idx="2">
+              <a:schemeClr val="accent1">
+                <a:shade val="50000"/>
+              </a:schemeClr>
+            </a:lnRef>
+            <a:fillRef idx="1">
+              <a:schemeClr val="accent1"/>
+            </a:fillRef>
+            <a:effectRef idx="0">
+              <a:schemeClr val="accent1"/>
+            </a:effectRef>
+            <a:fontRef idx="minor">
+              <a:schemeClr val="lt1"/>
+            </a:fontRef>
+          </p:style>
+          <p:txBody>
+            <a:bodyPr rtlCol="0" anchor="ctr"/>
+            <a:lstStyle/>
+            <a:p>
+              <a:pPr algn="ctr"/>
+              <a:endParaRPr lang="en-US">
+                <a:cs typeface="+mn-ea"/>
+              </a:endParaRPr>
+            </a:p>
+          </p:txBody>
+        </p:sp>
+        <p:sp>
+          <p:nvSpPr>
+            <p:cNvPr id="45" name="椭圆 44">
+              <a:extLst>
+                <a:ext uri="{FF2B5EF4-FFF2-40B4-BE49-F238E27FC236}">
+                  <a16:creationId xmlns:a16="http://schemas.microsoft.com/office/drawing/2014/main" id="{8F22C2A8-F0B7-4586-AF69-405D81577DF3}"/>
+                </a:ext>
+              </a:extLst>
+            </p:cNvPr>
+            <p:cNvSpPr>
+              <a:spLocks noChangeAspect="1"/>
+            </p:cNvSpPr>
+            <p:nvPr/>
+          </p:nvSpPr>
+          <p:spPr>
+            <a:xfrm rot="5400000">
+              <a:off x="4104083" y="1762684"/>
+              <a:ext cx="88713" cy="88713"/>
+            </a:xfrm>
+            <a:prstGeom prst="ellipse">
+              <a:avLst/>
+            </a:prstGeom>
             <a:solidFill>
+              <a:srgbClr val="FFC000"/>
+            </a:solidFill>
+            <a:ln w="25400">
+              <a:solidFill>
+                <a:schemeClr val="bg1"/>
+              </a:solidFill>
+            </a:ln>
+          </p:spPr>
+          <p:style>
+            <a:lnRef idx="2">
+              <a:schemeClr val="accent1">
+                <a:shade val="50000"/>
+              </a:schemeClr>
+            </a:lnRef>
+            <a:fillRef idx="1">
               <a:schemeClr val="accent1"/>
+            </a:fillRef>
+            <a:effectRef idx="0">
+              <a:schemeClr val="accent1"/>
+            </a:effectRef>
+            <a:fontRef idx="minor">
+              <a:schemeClr val="lt1"/>
+            </a:fontRef>
+          </p:style>
+          <p:txBody>
+            <a:bodyPr rtlCol="0" anchor="ctr"/>
+            <a:lstStyle/>
+            <a:p>
+              <a:pPr algn="ctr"/>
+              <a:endParaRPr lang="en-US">
+                <a:cs typeface="+mn-ea"/>
+              </a:endParaRPr>
+            </a:p>
+          </p:txBody>
+        </p:sp>
+        <p:cxnSp>
+          <p:nvCxnSpPr>
+            <p:cNvPr id="44" name="直接连接符 43">
+              <a:extLst>
+                <a:ext uri="{FF2B5EF4-FFF2-40B4-BE49-F238E27FC236}">
+                  <a16:creationId xmlns:a16="http://schemas.microsoft.com/office/drawing/2014/main" id="{580F4B0D-5BB4-45C6-AB64-D08BE9F6014B}"/>
+                </a:ext>
+              </a:extLst>
+            </p:cNvPr>
+            <p:cNvCxnSpPr>
+              <a:cxnSpLocks/>
+            </p:cNvCxnSpPr>
+            <p:nvPr/>
+          </p:nvCxnSpPr>
+          <p:spPr>
+            <a:xfrm flipH="1">
+              <a:off x="2688191" y="1362598"/>
+              <a:ext cx="626739" cy="0"/>
+            </a:xfrm>
+            <a:prstGeom prst="line">
+              <a:avLst/>
+            </a:prstGeom>
+            <a:ln w="19050" cap="flat" cmpd="sng" algn="ctr">
+              <a:solidFill>
+                <a:schemeClr val="accent1"/>
+              </a:solidFill>
+              <a:prstDash val="dash"/>
+              <a:round/>
+              <a:headEnd type="none" w="med" len="med"/>
+              <a:tailEnd type="none" w="med" len="med"/>
+            </a:ln>
+          </p:spPr>
+          <p:style>
+            <a:lnRef idx="0">
+              <a:scrgbClr r="0" g="0" b="0"/>
+            </a:lnRef>
+            <a:fillRef idx="0">
+              <a:scrgbClr r="0" g="0" b="0"/>
+            </a:fillRef>
+            <a:effectRef idx="0">
+              <a:scrgbClr r="0" g="0" b="0"/>
+            </a:effectRef>
+            <a:fontRef idx="minor">
+              <a:schemeClr val="tx1"/>
+            </a:fontRef>
+          </p:style>
+        </p:cxnSp>
+        <p:sp>
+          <p:nvSpPr>
+            <p:cNvPr id="46" name="椭圆 45">
+              <a:extLst>
+                <a:ext uri="{FF2B5EF4-FFF2-40B4-BE49-F238E27FC236}">
+                  <a16:creationId xmlns:a16="http://schemas.microsoft.com/office/drawing/2014/main" id="{DCABCD7B-4EDD-4475-AFA7-40FA01F45B70}"/>
+                </a:ext>
+              </a:extLst>
+            </p:cNvPr>
+            <p:cNvSpPr>
+              <a:spLocks noChangeAspect="1"/>
+            </p:cNvSpPr>
+            <p:nvPr/>
+          </p:nvSpPr>
+          <p:spPr>
+            <a:xfrm rot="5400000">
+              <a:off x="3309991" y="1311381"/>
+              <a:ext cx="88713" cy="88713"/>
+            </a:xfrm>
+            <a:prstGeom prst="ellipse">
+              <a:avLst/>
+            </a:prstGeom>
+            <a:solidFill>
+              <a:srgbClr val="FFC000"/>
             </a:solidFill>
-            <a:prstDash val="dash"/>
-            <a:round/>
-            <a:headEnd type="none" w="med" len="med"/>
-            <a:tailEnd type="none" w="med" len="med"/>
-          </a:ln>
-        </p:spPr>
-        <p:style>
-          <a:lnRef idx="0">
-            <a:scrgbClr r="0" g="0" b="0"/>
-          </a:lnRef>
-          <a:fillRef idx="0">
-            <a:scrgbClr r="0" g="0" b="0"/>
-          </a:fillRef>
-          <a:effectRef idx="0">
-            <a:scrgbClr r="0" g="0" b="0"/>
-          </a:effectRef>
-          <a:fontRef idx="minor">
-            <a:schemeClr val="tx1"/>
-          </a:fontRef>
-        </p:style>
-      </p:cxnSp>
-      <p:cxnSp>
-        <p:nvCxnSpPr>
-          <p:cNvPr id="74" name="直接连接符 73">
-            <a:extLst>
-              <a:ext uri="{FF2B5EF4-FFF2-40B4-BE49-F238E27FC236}">
-                <a16:creationId xmlns:a16="http://schemas.microsoft.com/office/drawing/2014/main" id="{DF493CA5-D42C-44C9-B08E-675AB419F2DC}"/>
-              </a:ext>
-            </a:extLst>
-          </p:cNvPr>
-          <p:cNvCxnSpPr>
-            <a:cxnSpLocks/>
-          </p:cNvCxnSpPr>
-          <p:nvPr/>
-        </p:nvCxnSpPr>
-        <p:spPr>
-          <a:xfrm flipH="1" flipV="1">
-            <a:off x="6354731" y="2329972"/>
-            <a:ext cx="10081" cy="1430030"/>
-          </a:xfrm>
-          <a:prstGeom prst="line">
-            <a:avLst/>
-          </a:prstGeom>
-          <a:ln w="19050">
+            <a:ln w="25400">
+              <a:solidFill>
+                <a:schemeClr val="bg1"/>
+              </a:solidFill>
+            </a:ln>
+          </p:spPr>
+          <p:style>
+            <a:lnRef idx="2">
+              <a:schemeClr val="accent1">
+                <a:shade val="50000"/>
+              </a:schemeClr>
+            </a:lnRef>
+            <a:fillRef idx="1">
+              <a:schemeClr val="accent1"/>
+            </a:fillRef>
+            <a:effectRef idx="0">
+              <a:schemeClr val="accent1"/>
+            </a:effectRef>
+            <a:fontRef idx="minor">
+              <a:schemeClr val="lt1"/>
+            </a:fontRef>
+          </p:style>
+          <p:txBody>
+            <a:bodyPr rtlCol="0" anchor="ctr"/>
+            <a:lstStyle/>
+            <a:p>
+              <a:pPr algn="ctr"/>
+              <a:endParaRPr lang="en-US">
+                <a:cs typeface="+mn-ea"/>
+              </a:endParaRPr>
+            </a:p>
+          </p:txBody>
+        </p:sp>
+        <p:cxnSp>
+          <p:nvCxnSpPr>
+            <p:cNvPr id="84" name="直接连接符 83">
+              <a:extLst>
+                <a:ext uri="{FF2B5EF4-FFF2-40B4-BE49-F238E27FC236}">
+                  <a16:creationId xmlns:a16="http://schemas.microsoft.com/office/drawing/2014/main" id="{FF9BF7C0-5F91-4419-9578-99F1C6C6F177}"/>
+                </a:ext>
+              </a:extLst>
+            </p:cNvPr>
+            <p:cNvCxnSpPr>
+              <a:cxnSpLocks/>
+            </p:cNvCxnSpPr>
+            <p:nvPr/>
+          </p:nvCxnSpPr>
+          <p:spPr>
+            <a:xfrm flipV="1">
+              <a:off x="6406279" y="476072"/>
+              <a:ext cx="8371" cy="820569"/>
+            </a:xfrm>
+            <a:prstGeom prst="line">
+              <a:avLst/>
+            </a:prstGeom>
+            <a:ln w="19050">
+              <a:solidFill>
+                <a:schemeClr val="accent1"/>
+              </a:solidFill>
+              <a:prstDash val="dash"/>
+            </a:ln>
+          </p:spPr>
+          <p:style>
+            <a:lnRef idx="1">
+              <a:schemeClr val="accent1"/>
+            </a:lnRef>
+            <a:fillRef idx="0">
+              <a:schemeClr val="accent1"/>
+            </a:fillRef>
+            <a:effectRef idx="0">
+              <a:schemeClr val="accent1"/>
+            </a:effectRef>
+            <a:fontRef idx="minor">
+              <a:schemeClr val="tx1"/>
+            </a:fontRef>
+          </p:style>
+        </p:cxnSp>
+        <p:cxnSp>
+          <p:nvCxnSpPr>
+            <p:cNvPr id="91" name="直接连接符 90">
+              <a:extLst>
+                <a:ext uri="{FF2B5EF4-FFF2-40B4-BE49-F238E27FC236}">
+                  <a16:creationId xmlns:a16="http://schemas.microsoft.com/office/drawing/2014/main" id="{00F11234-345F-47BA-B692-575BBB3B0DB8}"/>
+                </a:ext>
+              </a:extLst>
+            </p:cNvPr>
+            <p:cNvCxnSpPr>
+              <a:cxnSpLocks/>
+            </p:cNvCxnSpPr>
+            <p:nvPr/>
+          </p:nvCxnSpPr>
+          <p:spPr>
+            <a:xfrm>
+              <a:off x="7025655" y="1959221"/>
+              <a:ext cx="1389012" cy="10388"/>
+            </a:xfrm>
+            <a:prstGeom prst="line">
+              <a:avLst/>
+            </a:prstGeom>
+            <a:ln w="19050" cap="flat" cmpd="sng" algn="ctr">
+              <a:solidFill>
+                <a:schemeClr val="accent1"/>
+              </a:solidFill>
+              <a:prstDash val="dash"/>
+              <a:round/>
+              <a:headEnd type="none" w="med" len="med"/>
+              <a:tailEnd type="none" w="med" len="med"/>
+            </a:ln>
+          </p:spPr>
+          <p:style>
+            <a:lnRef idx="0">
+              <a:scrgbClr r="0" g="0" b="0"/>
+            </a:lnRef>
+            <a:fillRef idx="0">
+              <a:scrgbClr r="0" g="0" b="0"/>
+            </a:fillRef>
+            <a:effectRef idx="0">
+              <a:scrgbClr r="0" g="0" b="0"/>
+            </a:effectRef>
+            <a:fontRef idx="minor">
+              <a:schemeClr val="tx1"/>
+            </a:fontRef>
+          </p:style>
+        </p:cxnSp>
+        <p:sp>
+          <p:nvSpPr>
+            <p:cNvPr id="47" name="椭圆 46">
+              <a:extLst>
+                <a:ext uri="{FF2B5EF4-FFF2-40B4-BE49-F238E27FC236}">
+                  <a16:creationId xmlns:a16="http://schemas.microsoft.com/office/drawing/2014/main" id="{785C7E14-931A-4FF6-B45F-95B858E02D66}"/>
+                </a:ext>
+              </a:extLst>
+            </p:cNvPr>
+            <p:cNvSpPr>
+              <a:spLocks noChangeAspect="1"/>
+            </p:cNvSpPr>
+            <p:nvPr/>
+          </p:nvSpPr>
+          <p:spPr>
+            <a:xfrm>
+              <a:off x="6965635" y="1903591"/>
+              <a:ext cx="99675" cy="99675"/>
+            </a:xfrm>
+            <a:prstGeom prst="ellipse">
+              <a:avLst/>
+            </a:prstGeom>
             <a:solidFill>
+              <a:srgbClr val="FFC000"/>
+            </a:solidFill>
+            <a:ln w="25400">
+              <a:solidFill>
+                <a:schemeClr val="bg1"/>
+              </a:solidFill>
+            </a:ln>
+          </p:spPr>
+          <p:style>
+            <a:lnRef idx="2">
+              <a:schemeClr val="accent1">
+                <a:shade val="50000"/>
+              </a:schemeClr>
+            </a:lnRef>
+            <a:fillRef idx="1">
               <a:schemeClr val="accent1"/>
+            </a:fillRef>
+            <a:effectRef idx="0">
+              <a:schemeClr val="accent1"/>
+            </a:effectRef>
+            <a:fontRef idx="minor">
+              <a:schemeClr val="lt1"/>
+            </a:fontRef>
+          </p:style>
+          <p:txBody>
+            <a:bodyPr rtlCol="0" anchor="ctr"/>
+            <a:lstStyle/>
+            <a:p>
+              <a:pPr algn="ctr"/>
+              <a:endParaRPr lang="en-US">
+                <a:cs typeface="+mn-ea"/>
+              </a:endParaRPr>
+            </a:p>
+          </p:txBody>
+        </p:sp>
+        <p:sp>
+          <p:nvSpPr>
+            <p:cNvPr id="49" name="椭圆 48">
+              <a:extLst>
+                <a:ext uri="{FF2B5EF4-FFF2-40B4-BE49-F238E27FC236}">
+                  <a16:creationId xmlns:a16="http://schemas.microsoft.com/office/drawing/2014/main" id="{C873AD68-F5C1-4143-958D-A2CDA2F2D695}"/>
+                </a:ext>
+              </a:extLst>
+            </p:cNvPr>
+            <p:cNvSpPr>
+              <a:spLocks noChangeAspect="1"/>
+            </p:cNvSpPr>
+            <p:nvPr/>
+          </p:nvSpPr>
+          <p:spPr>
+            <a:xfrm>
+              <a:off x="6354731" y="1296640"/>
+              <a:ext cx="99675" cy="99675"/>
+            </a:xfrm>
+            <a:prstGeom prst="ellipse">
+              <a:avLst/>
+            </a:prstGeom>
+            <a:solidFill>
+              <a:srgbClr val="FFC000"/>
             </a:solidFill>
-            <a:prstDash val="dash"/>
-          </a:ln>
-        </p:spPr>
-        <p:style>
-          <a:lnRef idx="1">
-            <a:schemeClr val="accent1"/>
-          </a:lnRef>
-          <a:fillRef idx="0">
-            <a:schemeClr val="accent1"/>
-          </a:fillRef>
-          <a:effectRef idx="0">
-            <a:schemeClr val="accent1"/>
-          </a:effectRef>
-          <a:fontRef idx="minor">
-            <a:schemeClr val="tx1"/>
-          </a:fontRef>
-        </p:style>
-      </p:cxnSp>
-      <p:cxnSp>
-        <p:nvCxnSpPr>
-          <p:cNvPr id="16" name="直接连接符 15">
-            <a:extLst>
-              <a:ext uri="{FF2B5EF4-FFF2-40B4-BE49-F238E27FC236}">
-                <a16:creationId xmlns:a16="http://schemas.microsoft.com/office/drawing/2014/main" id="{17CC63B1-5726-45F1-9AB7-723CCAD72AB7}"/>
-              </a:ext>
-            </a:extLst>
-          </p:cNvPr>
-          <p:cNvCxnSpPr>
-            <a:cxnSpLocks/>
-          </p:cNvCxnSpPr>
-          <p:nvPr/>
-        </p:nvCxnSpPr>
-        <p:spPr>
-          <a:xfrm flipV="1">
-            <a:off x="5258989" y="3030651"/>
-            <a:ext cx="0" cy="729351"/>
-          </a:xfrm>
-          <a:prstGeom prst="line">
-            <a:avLst/>
-          </a:prstGeom>
-          <a:ln w="19050" cap="flat" cmpd="sng" algn="ctr">
+            <a:ln w="25400">
+              <a:solidFill>
+                <a:schemeClr val="bg1"/>
+              </a:solidFill>
+            </a:ln>
+          </p:spPr>
+          <p:style>
+            <a:lnRef idx="2">
+              <a:schemeClr val="accent1">
+                <a:shade val="50000"/>
+              </a:schemeClr>
+            </a:lnRef>
+            <a:fillRef idx="1">
+              <a:schemeClr val="accent1"/>
+            </a:fillRef>
+            <a:effectRef idx="0">
+              <a:schemeClr val="accent1"/>
+            </a:effectRef>
+            <a:fontRef idx="minor">
+              <a:schemeClr val="lt1"/>
+            </a:fontRef>
+          </p:style>
+          <p:txBody>
+            <a:bodyPr rtlCol="0" anchor="ctr"/>
+            <a:lstStyle/>
+            <a:p>
+              <a:pPr algn="ctr"/>
+              <a:endParaRPr lang="en-US">
+                <a:cs typeface="+mn-ea"/>
+              </a:endParaRPr>
+            </a:p>
+          </p:txBody>
+        </p:sp>
+        <p:sp>
+          <p:nvSpPr>
+            <p:cNvPr id="52" name="椭圆 51">
+              <a:extLst>
+                <a:ext uri="{FF2B5EF4-FFF2-40B4-BE49-F238E27FC236}">
+                  <a16:creationId xmlns:a16="http://schemas.microsoft.com/office/drawing/2014/main" id="{54BA1351-1F08-4518-8FEF-DB30F47360DD}"/>
+                </a:ext>
+              </a:extLst>
+            </p:cNvPr>
+            <p:cNvSpPr>
+              <a:spLocks noChangeAspect="1"/>
+            </p:cNvSpPr>
+            <p:nvPr/>
+          </p:nvSpPr>
+          <p:spPr>
+            <a:xfrm>
+              <a:off x="5209862" y="2937713"/>
+              <a:ext cx="99675" cy="99675"/>
+            </a:xfrm>
+            <a:prstGeom prst="ellipse">
+              <a:avLst/>
+            </a:prstGeom>
             <a:solidFill>
+              <a:srgbClr val="FFC000"/>
+            </a:solidFill>
+            <a:ln w="25400">
+              <a:solidFill>
+                <a:schemeClr val="bg1"/>
+              </a:solidFill>
+            </a:ln>
+          </p:spPr>
+          <p:style>
+            <a:lnRef idx="2">
+              <a:schemeClr val="accent1">
+                <a:shade val="50000"/>
+              </a:schemeClr>
+            </a:lnRef>
+            <a:fillRef idx="1">
               <a:schemeClr val="accent1"/>
+            </a:fillRef>
+            <a:effectRef idx="0">
+              <a:schemeClr val="accent1"/>
+            </a:effectRef>
+            <a:fontRef idx="minor">
+              <a:schemeClr val="lt1"/>
+            </a:fontRef>
+          </p:style>
+          <p:txBody>
+            <a:bodyPr rtlCol="0" anchor="ctr"/>
+            <a:lstStyle/>
+            <a:p>
+              <a:pPr algn="ctr"/>
+              <a:endParaRPr lang="en-US">
+                <a:cs typeface="+mn-ea"/>
+              </a:endParaRPr>
+            </a:p>
+          </p:txBody>
+        </p:sp>
+        <p:sp>
+          <p:nvSpPr>
+            <p:cNvPr id="54" name="椭圆 53">
+              <a:extLst>
+                <a:ext uri="{FF2B5EF4-FFF2-40B4-BE49-F238E27FC236}">
+                  <a16:creationId xmlns:a16="http://schemas.microsoft.com/office/drawing/2014/main" id="{A6650E4C-3573-46B8-A815-AE2E2CB8DBF5}"/>
+                </a:ext>
+              </a:extLst>
+            </p:cNvPr>
+            <p:cNvSpPr>
+              <a:spLocks noChangeAspect="1"/>
+            </p:cNvSpPr>
+            <p:nvPr/>
+          </p:nvSpPr>
+          <p:spPr>
+            <a:xfrm>
+              <a:off x="3244352" y="2472812"/>
+              <a:ext cx="99675" cy="99675"/>
+            </a:xfrm>
+            <a:prstGeom prst="ellipse">
+              <a:avLst/>
+            </a:prstGeom>
+            <a:solidFill>
+              <a:srgbClr val="FFC000"/>
             </a:solidFill>
-            <a:prstDash val="dash"/>
-            <a:round/>
-            <a:headEnd type="none" w="med" len="med"/>
-            <a:tailEnd type="none" w="med" len="med"/>
-          </a:ln>
-        </p:spPr>
-        <p:style>
-          <a:lnRef idx="0">
-            <a:scrgbClr r="0" g="0" b="0"/>
-          </a:lnRef>
-          <a:fillRef idx="0">
-            <a:scrgbClr r="0" g="0" b="0"/>
-          </a:fillRef>
-          <a:effectRef idx="0">
-            <a:scrgbClr r="0" g="0" b="0"/>
-          </a:effectRef>
-          <a:fontRef idx="minor">
-            <a:schemeClr val="tx1"/>
-          </a:fontRef>
-        </p:style>
-      </p:cxnSp>
-      <p:sp>
-        <p:nvSpPr>
-          <p:cNvPr id="42" name="椭圆 41">
-            <a:extLst>
-              <a:ext uri="{FF2B5EF4-FFF2-40B4-BE49-F238E27FC236}">
-                <a16:creationId xmlns:a16="http://schemas.microsoft.com/office/drawing/2014/main" id="{2E6FA61A-010C-4ACE-B0DF-A8658D11FAE6}"/>
-              </a:ext>
-            </a:extLst>
-          </p:cNvPr>
-          <p:cNvSpPr>
-            <a:spLocks noChangeAspect="1"/>
-          </p:cNvSpPr>
-          <p:nvPr/>
-        </p:nvSpPr>
-        <p:spPr>
-          <a:xfrm rot="5400000">
-            <a:off x="6968568" y="2609727"/>
-            <a:ext cx="88713" cy="88713"/>
-          </a:xfrm>
-          <a:prstGeom prst="ellipse">
-            <a:avLst/>
-          </a:prstGeom>
-          <a:solidFill>
-            <a:srgbClr val="FFC000"/>
-          </a:solidFill>
-          <a:ln w="25400">
+            <a:ln w="25400">
+              <a:solidFill>
+                <a:schemeClr val="bg1"/>
+              </a:solidFill>
+            </a:ln>
+          </p:spPr>
+          <p:style>
+            <a:lnRef idx="2">
+              <a:schemeClr val="accent1">
+                <a:shade val="50000"/>
+              </a:schemeClr>
+            </a:lnRef>
+            <a:fillRef idx="1">
+              <a:schemeClr val="accent1"/>
+            </a:fillRef>
+            <a:effectRef idx="0">
+              <a:schemeClr val="accent1"/>
+            </a:effectRef>
+            <a:fontRef idx="minor">
+              <a:schemeClr val="lt1"/>
+            </a:fontRef>
+          </p:style>
+          <p:txBody>
+            <a:bodyPr rtlCol="0" anchor="ctr"/>
+            <a:lstStyle/>
+            <a:p>
+              <a:pPr algn="ctr"/>
+              <a:endParaRPr lang="en-US">
+                <a:cs typeface="+mn-ea"/>
+              </a:endParaRPr>
+            </a:p>
+          </p:txBody>
+        </p:sp>
+        <p:sp>
+          <p:nvSpPr>
+            <p:cNvPr id="56" name="椭圆 55">
+              <a:extLst>
+                <a:ext uri="{FF2B5EF4-FFF2-40B4-BE49-F238E27FC236}">
+                  <a16:creationId xmlns:a16="http://schemas.microsoft.com/office/drawing/2014/main" id="{8ACCA669-17FB-47B4-B942-046F12810037}"/>
+                </a:ext>
+              </a:extLst>
+            </p:cNvPr>
+            <p:cNvSpPr>
+              <a:spLocks noChangeAspect="1"/>
+            </p:cNvSpPr>
+            <p:nvPr/>
+          </p:nvSpPr>
+          <p:spPr>
+            <a:xfrm>
+              <a:off x="6314975" y="2250273"/>
+              <a:ext cx="99675" cy="99675"/>
+            </a:xfrm>
+            <a:prstGeom prst="ellipse">
+              <a:avLst/>
+            </a:prstGeom>
             <a:solidFill>
-              <a:schemeClr val="bg1"/>
+              <a:srgbClr val="FFC000"/>
             </a:solidFill>
-          </a:ln>
-        </p:spPr>
-        <p:style>
-          <a:lnRef idx="2">
-            <a:schemeClr val="accent1">
-              <a:shade val="50000"/>
-            </a:schemeClr>
-          </a:lnRef>
-          <a:fillRef idx="1">
-            <a:schemeClr val="accent1"/>
-          </a:fillRef>
-          <a:effectRef idx="0">
-            <a:schemeClr val="accent1"/>
-          </a:effectRef>
-          <a:fontRef idx="minor">
-            <a:schemeClr val="lt1"/>
-          </a:fontRef>
-        </p:style>
-        <p:txBody>
-          <a:bodyPr rtlCol="0" anchor="ctr"/>
-          <a:lstStyle/>
-          <a:p>
-            <a:pPr algn="ctr"/>
-            <a:endParaRPr lang="en-US">
-              <a:cs typeface="+mn-ea"/>
-            </a:endParaRPr>
-          </a:p>
-        </p:txBody>
-      </p:sp>
-      <p:cxnSp>
-        <p:nvCxnSpPr>
-          <p:cNvPr id="69" name="直接连接符 68">
-            <a:extLst>
-              <a:ext uri="{FF2B5EF4-FFF2-40B4-BE49-F238E27FC236}">
-                <a16:creationId xmlns:a16="http://schemas.microsoft.com/office/drawing/2014/main" id="{C23963EC-181B-4C8C-91B5-30994438B94F}"/>
-              </a:ext>
-            </a:extLst>
-          </p:cNvPr>
-          <p:cNvCxnSpPr>
-            <a:cxnSpLocks/>
-          </p:cNvCxnSpPr>
-          <p:nvPr/>
-        </p:nvCxnSpPr>
-        <p:spPr>
-          <a:xfrm>
-            <a:off x="7009991" y="3086300"/>
-            <a:ext cx="7636" cy="673702"/>
-          </a:xfrm>
-          <a:prstGeom prst="line">
-            <a:avLst/>
-          </a:prstGeom>
-          <a:ln w="19050" cap="flat" cmpd="sng" algn="ctr">
+            <a:ln w="25400">
+              <a:solidFill>
+                <a:schemeClr val="bg1"/>
+              </a:solidFill>
+            </a:ln>
+          </p:spPr>
+          <p:style>
+            <a:lnRef idx="2">
+              <a:schemeClr val="accent1">
+                <a:shade val="50000"/>
+              </a:schemeClr>
+            </a:lnRef>
+            <a:fillRef idx="1">
+              <a:schemeClr val="accent1"/>
+            </a:fillRef>
+            <a:effectRef idx="0">
+              <a:schemeClr val="accent1"/>
+            </a:effectRef>
+            <a:fontRef idx="minor">
+              <a:schemeClr val="lt1"/>
+            </a:fontRef>
+          </p:style>
+          <p:txBody>
+            <a:bodyPr rtlCol="0" anchor="ctr"/>
+            <a:lstStyle/>
+            <a:p>
+              <a:pPr algn="ctr"/>
+              <a:endParaRPr lang="en-US">
+                <a:cs typeface="+mn-ea"/>
+              </a:endParaRPr>
+            </a:p>
+          </p:txBody>
+        </p:sp>
+        <p:sp>
+          <p:nvSpPr>
+            <p:cNvPr id="50" name="椭圆 49">
+              <a:extLst>
+                <a:ext uri="{FF2B5EF4-FFF2-40B4-BE49-F238E27FC236}">
+                  <a16:creationId xmlns:a16="http://schemas.microsoft.com/office/drawing/2014/main" id="{C0C554EF-6E27-4B5F-A654-2D2CE4610067}"/>
+                </a:ext>
+              </a:extLst>
+            </p:cNvPr>
+            <p:cNvSpPr>
+              <a:spLocks noChangeAspect="1"/>
+            </p:cNvSpPr>
+            <p:nvPr/>
+          </p:nvSpPr>
+          <p:spPr>
+            <a:xfrm>
+              <a:off x="6965635" y="2248870"/>
+              <a:ext cx="99675" cy="99675"/>
+            </a:xfrm>
+            <a:prstGeom prst="ellipse">
+              <a:avLst/>
+            </a:prstGeom>
             <a:solidFill>
+              <a:srgbClr val="FFC000"/>
+            </a:solidFill>
+            <a:ln w="25400">
+              <a:solidFill>
+                <a:schemeClr val="bg1"/>
+              </a:solidFill>
+            </a:ln>
+          </p:spPr>
+          <p:style>
+            <a:lnRef idx="2">
+              <a:schemeClr val="accent1">
+                <a:shade val="50000"/>
+              </a:schemeClr>
+            </a:lnRef>
+            <a:fillRef idx="1">
               <a:schemeClr val="accent1"/>
+            </a:fillRef>
+            <a:effectRef idx="0">
+              <a:schemeClr val="accent1"/>
+            </a:effectRef>
+            <a:fontRef idx="minor">
+              <a:schemeClr val="lt1"/>
+            </a:fontRef>
+          </p:style>
+          <p:txBody>
+            <a:bodyPr rtlCol="0" anchor="ctr"/>
+            <a:lstStyle/>
+            <a:p>
+              <a:pPr algn="ctr"/>
+              <a:endParaRPr lang="en-US">
+                <a:cs typeface="+mn-ea"/>
+              </a:endParaRPr>
+            </a:p>
+          </p:txBody>
+        </p:sp>
+        <p:cxnSp>
+          <p:nvCxnSpPr>
+            <p:cNvPr id="68" name="直接连接符 67">
+              <a:extLst>
+                <a:ext uri="{FF2B5EF4-FFF2-40B4-BE49-F238E27FC236}">
+                  <a16:creationId xmlns:a16="http://schemas.microsoft.com/office/drawing/2014/main" id="{44D8FCD0-3454-4236-9E83-718AF4733F1F}"/>
+                </a:ext>
+              </a:extLst>
+            </p:cNvPr>
+            <p:cNvCxnSpPr>
+              <a:cxnSpLocks/>
+            </p:cNvCxnSpPr>
+            <p:nvPr/>
+          </p:nvCxnSpPr>
+          <p:spPr>
+            <a:xfrm flipH="1">
+              <a:off x="2707725" y="3047313"/>
+              <a:ext cx="585392" cy="0"/>
+            </a:xfrm>
+            <a:prstGeom prst="line">
+              <a:avLst/>
+            </a:prstGeom>
+            <a:ln w="19050" cap="flat" cmpd="sng" algn="ctr">
+              <a:solidFill>
+                <a:schemeClr val="accent1"/>
+              </a:solidFill>
+              <a:prstDash val="dash"/>
+              <a:round/>
+              <a:headEnd type="none" w="med" len="med"/>
+              <a:tailEnd type="none" w="med" len="med"/>
+            </a:ln>
+          </p:spPr>
+          <p:style>
+            <a:lnRef idx="0">
+              <a:scrgbClr r="0" g="0" b="0"/>
+            </a:lnRef>
+            <a:fillRef idx="0">
+              <a:scrgbClr r="0" g="0" b="0"/>
+            </a:fillRef>
+            <a:effectRef idx="0">
+              <a:scrgbClr r="0" g="0" b="0"/>
+            </a:effectRef>
+            <a:fontRef idx="minor">
+              <a:schemeClr val="tx1"/>
+            </a:fontRef>
+          </p:style>
+        </p:cxnSp>
+        <p:sp>
+          <p:nvSpPr>
+            <p:cNvPr id="70" name="椭圆 69">
+              <a:extLst>
+                <a:ext uri="{FF2B5EF4-FFF2-40B4-BE49-F238E27FC236}">
+                  <a16:creationId xmlns:a16="http://schemas.microsoft.com/office/drawing/2014/main" id="{5EB0CA96-94FA-4867-B2DA-EB045F80AEAD}"/>
+                </a:ext>
+              </a:extLst>
+            </p:cNvPr>
+            <p:cNvSpPr>
+              <a:spLocks noChangeAspect="1"/>
+            </p:cNvSpPr>
+            <p:nvPr/>
+          </p:nvSpPr>
+          <p:spPr>
+            <a:xfrm rot="5400000">
+              <a:off x="3305052" y="2997587"/>
+              <a:ext cx="88713" cy="88713"/>
+            </a:xfrm>
+            <a:prstGeom prst="ellipse">
+              <a:avLst/>
+            </a:prstGeom>
+            <a:solidFill>
+              <a:srgbClr val="FFC000"/>
             </a:solidFill>
-            <a:prstDash val="dash"/>
-            <a:round/>
-            <a:headEnd type="none" w="med" len="med"/>
-            <a:tailEnd type="none" w="med" len="med"/>
-          </a:ln>
-        </p:spPr>
-        <p:style>
-          <a:lnRef idx="0">
-            <a:scrgbClr r="0" g="0" b="0"/>
-          </a:lnRef>
-          <a:fillRef idx="0">
-            <a:scrgbClr r="0" g="0" b="0"/>
-          </a:fillRef>
-          <a:effectRef idx="0">
-            <a:scrgbClr r="0" g="0" b="0"/>
-          </a:effectRef>
-          <a:fontRef idx="minor">
-            <a:schemeClr val="tx1"/>
-          </a:fontRef>
-        </p:style>
-      </p:cxnSp>
-      <p:cxnSp>
-        <p:nvCxnSpPr>
-          <p:cNvPr id="31" name="直接连接符 30">
-            <a:extLst>
-              <a:ext uri="{FF2B5EF4-FFF2-40B4-BE49-F238E27FC236}">
-                <a16:creationId xmlns:a16="http://schemas.microsoft.com/office/drawing/2014/main" id="{7DA2CF77-80F1-4B3B-8995-73B39D33A77F}"/>
-              </a:ext>
-            </a:extLst>
-          </p:cNvPr>
-          <p:cNvCxnSpPr>
-            <a:cxnSpLocks/>
-            <a:endCxn id="98" idx="1"/>
-          </p:cNvCxnSpPr>
-          <p:nvPr/>
-        </p:nvCxnSpPr>
-        <p:spPr>
-          <a:xfrm flipV="1">
-            <a:off x="4148439" y="483539"/>
-            <a:ext cx="0" cy="1308990"/>
-          </a:xfrm>
-          <a:prstGeom prst="line">
-            <a:avLst/>
-          </a:prstGeom>
-          <a:ln w="19050" cap="flat" cmpd="sng" algn="ctr">
+            <a:ln w="25400">
+              <a:solidFill>
+                <a:schemeClr val="bg1"/>
+              </a:solidFill>
+            </a:ln>
+          </p:spPr>
+          <p:style>
+            <a:lnRef idx="2">
+              <a:schemeClr val="accent1">
+                <a:shade val="50000"/>
+              </a:schemeClr>
+            </a:lnRef>
+            <a:fillRef idx="1">
+              <a:schemeClr val="accent1"/>
+            </a:fillRef>
+            <a:effectRef idx="0">
+              <a:schemeClr val="accent1"/>
+            </a:effectRef>
+            <a:fontRef idx="minor">
+              <a:schemeClr val="lt1"/>
+            </a:fontRef>
+          </p:style>
+          <p:txBody>
+            <a:bodyPr rtlCol="0" anchor="ctr"/>
+            <a:lstStyle/>
+            <a:p>
+              <a:pPr algn="ctr"/>
+              <a:endParaRPr lang="en-US">
+                <a:cs typeface="+mn-ea"/>
+              </a:endParaRPr>
+            </a:p>
+          </p:txBody>
+        </p:sp>
+        <p:sp>
+          <p:nvSpPr>
+            <p:cNvPr id="30" name="文本框 29">
+              <a:extLst>
+                <a:ext uri="{FF2B5EF4-FFF2-40B4-BE49-F238E27FC236}">
+                  <a16:creationId xmlns:a16="http://schemas.microsoft.com/office/drawing/2014/main" id="{6F53EAE7-BBE2-440F-96AC-DC2DA9FA7431}"/>
+                </a:ext>
+              </a:extLst>
+            </p:cNvPr>
+            <p:cNvSpPr txBox="1"/>
+            <p:nvPr/>
+          </p:nvSpPr>
+          <p:spPr>
+            <a:xfrm>
+              <a:off x="2351113" y="1073347"/>
+              <a:ext cx="458780" cy="584775"/>
+            </a:xfrm>
+            <a:prstGeom prst="rect">
+              <a:avLst/>
+            </a:prstGeom>
+            <a:noFill/>
+          </p:spPr>
+          <p:txBody>
+            <a:bodyPr wrap="none" rtlCol="0">
+              <a:spAutoFit/>
+            </a:bodyPr>
+            <a:lstStyle/>
+            <a:p>
+              <a:r>
+                <a:rPr lang="en-US" sz="3200" b="1">
+                  <a:solidFill>
+                    <a:schemeClr val="accent1"/>
+                  </a:solidFill>
+                  <a:latin typeface="Arial Black" panose="020B0A04020102020204" pitchFamily="34" charset="0"/>
+                  <a:cs typeface="Aharoni" panose="02010803020104030203" pitchFamily="2" charset="-79"/>
+                </a:rPr>
+                <a:t>1</a:t>
+              </a:r>
+            </a:p>
+          </p:txBody>
+        </p:sp>
+        <p:sp>
+          <p:nvSpPr>
+            <p:cNvPr id="85" name="文本框 84">
+              <a:extLst>
+                <a:ext uri="{FF2B5EF4-FFF2-40B4-BE49-F238E27FC236}">
+                  <a16:creationId xmlns:a16="http://schemas.microsoft.com/office/drawing/2014/main" id="{290BC499-11AA-4F48-9EE7-4249CEB4FF94}"/>
+                </a:ext>
+              </a:extLst>
+            </p:cNvPr>
+            <p:cNvSpPr txBox="1"/>
+            <p:nvPr/>
+          </p:nvSpPr>
+          <p:spPr>
+            <a:xfrm>
+              <a:off x="2368880" y="2744485"/>
+              <a:ext cx="458780" cy="584775"/>
+            </a:xfrm>
+            <a:prstGeom prst="rect">
+              <a:avLst/>
+            </a:prstGeom>
+            <a:noFill/>
+          </p:spPr>
+          <p:txBody>
+            <a:bodyPr wrap="none" rtlCol="0">
+              <a:spAutoFit/>
+            </a:bodyPr>
+            <a:lstStyle/>
+            <a:p>
+              <a:r>
+                <a:rPr lang="en-US" sz="3200" b="1">
+                  <a:solidFill>
+                    <a:schemeClr val="accent1"/>
+                  </a:solidFill>
+                  <a:latin typeface="Arial Black" panose="020B0A04020102020204" pitchFamily="34" charset="0"/>
+                  <a:cs typeface="Aharoni" panose="02010803020104030203" pitchFamily="2" charset="-79"/>
+                </a:rPr>
+                <a:t>2</a:t>
+              </a:r>
+            </a:p>
+          </p:txBody>
+        </p:sp>
+        <p:sp>
+          <p:nvSpPr>
+            <p:cNvPr id="86" name="文本框 85">
+              <a:extLst>
+                <a:ext uri="{FF2B5EF4-FFF2-40B4-BE49-F238E27FC236}">
+                  <a16:creationId xmlns:a16="http://schemas.microsoft.com/office/drawing/2014/main" id="{8EA621C5-2544-4EA6-AB3A-C9E8F27521FB}"/>
+                </a:ext>
+              </a:extLst>
+            </p:cNvPr>
+            <p:cNvSpPr txBox="1"/>
+            <p:nvPr/>
+          </p:nvSpPr>
+          <p:spPr>
+            <a:xfrm>
+              <a:off x="2365531" y="2211628"/>
+              <a:ext cx="458780" cy="584775"/>
+            </a:xfrm>
+            <a:prstGeom prst="rect">
+              <a:avLst/>
+            </a:prstGeom>
+            <a:noFill/>
+          </p:spPr>
+          <p:txBody>
+            <a:bodyPr wrap="none" rtlCol="0">
+              <a:spAutoFit/>
+            </a:bodyPr>
+            <a:lstStyle/>
+            <a:p>
+              <a:r>
+                <a:rPr lang="en-US" sz="3200" b="1">
+                  <a:solidFill>
+                    <a:schemeClr val="accent1"/>
+                  </a:solidFill>
+                  <a:latin typeface="Arial Black" panose="020B0A04020102020204" pitchFamily="34" charset="0"/>
+                  <a:cs typeface="Aharoni" panose="02010803020104030203" pitchFamily="2" charset="-79"/>
+                </a:rPr>
+                <a:t>0</a:t>
+              </a:r>
+            </a:p>
+          </p:txBody>
+        </p:sp>
+        <p:sp>
+          <p:nvSpPr>
+            <p:cNvPr id="87" name="文本框 86">
+              <a:extLst>
+                <a:ext uri="{FF2B5EF4-FFF2-40B4-BE49-F238E27FC236}">
+                  <a16:creationId xmlns:a16="http://schemas.microsoft.com/office/drawing/2014/main" id="{841A8BDA-BFC0-4AA3-8B4F-F4A253EC1FC9}"/>
+                </a:ext>
+              </a:extLst>
+            </p:cNvPr>
+            <p:cNvSpPr txBox="1"/>
+            <p:nvPr/>
+          </p:nvSpPr>
+          <p:spPr>
+            <a:xfrm>
+              <a:off x="5995626" y="240322"/>
+              <a:ext cx="458780" cy="584775"/>
+            </a:xfrm>
+            <a:prstGeom prst="rect">
+              <a:avLst/>
+            </a:prstGeom>
+            <a:noFill/>
+          </p:spPr>
+          <p:txBody>
+            <a:bodyPr wrap="none" rtlCol="0">
+              <a:spAutoFit/>
+            </a:bodyPr>
+            <a:lstStyle/>
+            <a:p>
+              <a:r>
+                <a:rPr lang="en-US" sz="3200" b="1">
+                  <a:solidFill>
+                    <a:schemeClr val="accent1"/>
+                  </a:solidFill>
+                  <a:latin typeface="Arial Black" panose="020B0A04020102020204" pitchFamily="34" charset="0"/>
+                  <a:cs typeface="Aharoni" panose="02010803020104030203" pitchFamily="2" charset="-79"/>
+                </a:rPr>
+                <a:t>6</a:t>
+              </a:r>
+            </a:p>
+          </p:txBody>
+        </p:sp>
+        <p:sp>
+          <p:nvSpPr>
+            <p:cNvPr id="89" name="文本框 88">
+              <a:extLst>
+                <a:ext uri="{FF2B5EF4-FFF2-40B4-BE49-F238E27FC236}">
+                  <a16:creationId xmlns:a16="http://schemas.microsoft.com/office/drawing/2014/main" id="{08A95771-BC7F-43EF-A05D-4270CE0BACDC}"/>
+                </a:ext>
+              </a:extLst>
+            </p:cNvPr>
+            <p:cNvSpPr txBox="1"/>
+            <p:nvPr/>
+          </p:nvSpPr>
+          <p:spPr>
+            <a:xfrm>
+              <a:off x="5011026" y="3679653"/>
+              <a:ext cx="458780" cy="584775"/>
+            </a:xfrm>
+            <a:prstGeom prst="rect">
+              <a:avLst/>
+            </a:prstGeom>
+            <a:noFill/>
+          </p:spPr>
+          <p:txBody>
+            <a:bodyPr wrap="none" rtlCol="0">
+              <a:spAutoFit/>
+            </a:bodyPr>
+            <a:lstStyle/>
+            <a:p>
+              <a:r>
+                <a:rPr lang="en-US" sz="3200" b="1">
+                  <a:solidFill>
+                    <a:schemeClr val="accent1"/>
+                  </a:solidFill>
+                  <a:latin typeface="Arial Black" panose="020B0A04020102020204" pitchFamily="34" charset="0"/>
+                  <a:cs typeface="Aharoni" panose="02010803020104030203" pitchFamily="2" charset="-79"/>
+                </a:rPr>
+                <a:t>4</a:t>
+              </a:r>
+            </a:p>
+          </p:txBody>
+        </p:sp>
+        <p:sp>
+          <p:nvSpPr>
+            <p:cNvPr id="90" name="文本框 89">
+              <a:extLst>
+                <a:ext uri="{FF2B5EF4-FFF2-40B4-BE49-F238E27FC236}">
+                  <a16:creationId xmlns:a16="http://schemas.microsoft.com/office/drawing/2014/main" id="{D0A1FD78-D530-4599-B7C6-284D6A402CF3}"/>
+                </a:ext>
+              </a:extLst>
+            </p:cNvPr>
+            <p:cNvSpPr txBox="1"/>
+            <p:nvPr/>
+          </p:nvSpPr>
+          <p:spPr>
+            <a:xfrm>
+              <a:off x="8361073" y="2075746"/>
+              <a:ext cx="458780" cy="584775"/>
+            </a:xfrm>
+            <a:prstGeom prst="rect">
+              <a:avLst/>
+            </a:prstGeom>
+            <a:noFill/>
+          </p:spPr>
+          <p:txBody>
+            <a:bodyPr wrap="none" rtlCol="0">
+              <a:spAutoFit/>
+            </a:bodyPr>
+            <a:lstStyle/>
+            <a:p>
+              <a:r>
+                <a:rPr lang="en-US" sz="3200" b="1">
+                  <a:solidFill>
+                    <a:schemeClr val="accent1"/>
+                  </a:solidFill>
+                  <a:latin typeface="Arial Black" panose="020B0A04020102020204" pitchFamily="34" charset="0"/>
+                  <a:cs typeface="Aharoni" panose="02010803020104030203" pitchFamily="2" charset="-79"/>
+                </a:rPr>
+                <a:t>8</a:t>
+              </a:r>
+            </a:p>
+          </p:txBody>
+        </p:sp>
+        <p:sp>
+          <p:nvSpPr>
+            <p:cNvPr id="92" name="文本框 91">
+              <a:extLst>
+                <a:ext uri="{FF2B5EF4-FFF2-40B4-BE49-F238E27FC236}">
+                  <a16:creationId xmlns:a16="http://schemas.microsoft.com/office/drawing/2014/main" id="{952847E9-C8D8-4D00-A835-1530D6BF7A3C}"/>
+                </a:ext>
+              </a:extLst>
+            </p:cNvPr>
+            <p:cNvSpPr txBox="1"/>
+            <p:nvPr/>
+          </p:nvSpPr>
+          <p:spPr>
+            <a:xfrm>
+              <a:off x="8376062" y="1711841"/>
+              <a:ext cx="458780" cy="584775"/>
+            </a:xfrm>
+            <a:prstGeom prst="rect">
+              <a:avLst/>
+            </a:prstGeom>
+            <a:noFill/>
+          </p:spPr>
+          <p:txBody>
+            <a:bodyPr wrap="none" rtlCol="0">
+              <a:spAutoFit/>
+            </a:bodyPr>
+            <a:lstStyle/>
+            <a:p>
+              <a:r>
+                <a:rPr lang="en-US" sz="3200" b="1">
+                  <a:solidFill>
+                    <a:schemeClr val="accent1"/>
+                  </a:solidFill>
+                  <a:latin typeface="Arial Black" panose="020B0A04020102020204" pitchFamily="34" charset="0"/>
+                  <a:cs typeface="Aharoni" panose="02010803020104030203" pitchFamily="2" charset="-79"/>
+                </a:rPr>
+                <a:t>7</a:t>
+              </a:r>
+            </a:p>
+          </p:txBody>
+        </p:sp>
+        <p:sp>
+          <p:nvSpPr>
+            <p:cNvPr id="93" name="文本框 92">
+              <a:extLst>
+                <a:ext uri="{FF2B5EF4-FFF2-40B4-BE49-F238E27FC236}">
+                  <a16:creationId xmlns:a16="http://schemas.microsoft.com/office/drawing/2014/main" id="{745F3EB5-AB27-4D4B-9F5D-A8F2C0829977}"/>
+                </a:ext>
+              </a:extLst>
+            </p:cNvPr>
+            <p:cNvSpPr txBox="1"/>
+            <p:nvPr/>
+          </p:nvSpPr>
+          <p:spPr>
+            <a:xfrm>
+              <a:off x="6135422" y="3685093"/>
+              <a:ext cx="458780" cy="584775"/>
+            </a:xfrm>
+            <a:prstGeom prst="rect">
+              <a:avLst/>
+            </a:prstGeom>
+            <a:noFill/>
+          </p:spPr>
+          <p:txBody>
+            <a:bodyPr wrap="none" rtlCol="0">
+              <a:spAutoFit/>
+            </a:bodyPr>
+            <a:lstStyle/>
+            <a:p>
+              <a:r>
+                <a:rPr lang="en-US" sz="3200" b="1">
+                  <a:solidFill>
+                    <a:schemeClr val="accent1"/>
+                  </a:solidFill>
+                  <a:latin typeface="Arial Black" panose="020B0A04020102020204" pitchFamily="34" charset="0"/>
+                  <a:cs typeface="Aharoni" panose="02010803020104030203" pitchFamily="2" charset="-79"/>
+                </a:rPr>
+                <a:t>5</a:t>
+              </a:r>
+            </a:p>
+          </p:txBody>
+        </p:sp>
+        <p:sp>
+          <p:nvSpPr>
+            <p:cNvPr id="94" name="文本框 93">
+              <a:extLst>
+                <a:ext uri="{FF2B5EF4-FFF2-40B4-BE49-F238E27FC236}">
+                  <a16:creationId xmlns:a16="http://schemas.microsoft.com/office/drawing/2014/main" id="{D96BE42C-97A5-4770-9D39-E945CB5DAB09}"/>
+                </a:ext>
+              </a:extLst>
+            </p:cNvPr>
+            <p:cNvSpPr txBox="1"/>
+            <p:nvPr/>
+          </p:nvSpPr>
+          <p:spPr>
+            <a:xfrm>
+              <a:off x="6644640" y="3679653"/>
+              <a:ext cx="732893" cy="584775"/>
+            </a:xfrm>
+            <a:prstGeom prst="rect">
+              <a:avLst/>
+            </a:prstGeom>
+            <a:noFill/>
+          </p:spPr>
+          <p:txBody>
+            <a:bodyPr wrap="none" rtlCol="0">
+              <a:spAutoFit/>
+            </a:bodyPr>
+            <a:lstStyle/>
+            <a:p>
+              <a:r>
+                <a:rPr lang="en-US" sz="3200" b="1">
+                  <a:solidFill>
+                    <a:schemeClr val="accent1"/>
+                  </a:solidFill>
+                  <a:latin typeface="Arial Black" panose="020B0A04020102020204" pitchFamily="34" charset="0"/>
+                  <a:cs typeface="Aharoni" panose="02010803020104030203" pitchFamily="2" charset="-79"/>
+                </a:rPr>
+                <a:t>10</a:t>
+              </a:r>
+            </a:p>
+          </p:txBody>
+        </p:sp>
+        <p:sp>
+          <p:nvSpPr>
+            <p:cNvPr id="95" name="文本框 94">
+              <a:extLst>
+                <a:ext uri="{FF2B5EF4-FFF2-40B4-BE49-F238E27FC236}">
+                  <a16:creationId xmlns:a16="http://schemas.microsoft.com/office/drawing/2014/main" id="{FF20B6F7-0D8C-4F0C-ACD8-23D30672F12A}"/>
+                </a:ext>
+              </a:extLst>
+            </p:cNvPr>
+            <p:cNvSpPr txBox="1"/>
+            <p:nvPr/>
+          </p:nvSpPr>
+          <p:spPr>
+            <a:xfrm>
+              <a:off x="8358139" y="2445876"/>
+              <a:ext cx="458780" cy="584775"/>
+            </a:xfrm>
+            <a:prstGeom prst="rect">
+              <a:avLst/>
+            </a:prstGeom>
+            <a:noFill/>
+          </p:spPr>
+          <p:txBody>
+            <a:bodyPr wrap="none" rtlCol="0">
+              <a:spAutoFit/>
+            </a:bodyPr>
+            <a:lstStyle/>
+            <a:p>
+              <a:r>
+                <a:rPr lang="en-US" sz="3200" b="1">
+                  <a:solidFill>
+                    <a:schemeClr val="accent1"/>
+                  </a:solidFill>
+                  <a:latin typeface="Arial Black" panose="020B0A04020102020204" pitchFamily="34" charset="0"/>
+                  <a:cs typeface="Aharoni" panose="02010803020104030203" pitchFamily="2" charset="-79"/>
+                </a:rPr>
+                <a:t>9</a:t>
+              </a:r>
+            </a:p>
+          </p:txBody>
+        </p:sp>
+        <p:sp>
+          <p:nvSpPr>
+            <p:cNvPr id="98" name="文本框 97">
+              <a:extLst>
+                <a:ext uri="{FF2B5EF4-FFF2-40B4-BE49-F238E27FC236}">
+                  <a16:creationId xmlns:a16="http://schemas.microsoft.com/office/drawing/2014/main" id="{C0B049EE-25E9-4521-B76F-E5C57E4EA4D8}"/>
+                </a:ext>
+              </a:extLst>
+            </p:cNvPr>
+            <p:cNvSpPr txBox="1"/>
+            <p:nvPr/>
+          </p:nvSpPr>
+          <p:spPr>
+            <a:xfrm>
+              <a:off x="4148439" y="191151"/>
+              <a:ext cx="458780" cy="584775"/>
+            </a:xfrm>
+            <a:prstGeom prst="rect">
+              <a:avLst/>
+            </a:prstGeom>
+            <a:noFill/>
+          </p:spPr>
+          <p:txBody>
+            <a:bodyPr wrap="none" rtlCol="0">
+              <a:spAutoFit/>
+            </a:bodyPr>
+            <a:lstStyle/>
+            <a:p>
+              <a:r>
+                <a:rPr lang="en-US" sz="3200" b="1">
+                  <a:solidFill>
+                    <a:schemeClr val="accent1"/>
+                  </a:solidFill>
+                  <a:latin typeface="Arial Black" panose="020B0A04020102020204" pitchFamily="34" charset="0"/>
+                  <a:cs typeface="Aharoni" panose="02010803020104030203" pitchFamily="2" charset="-79"/>
+                </a:rPr>
+                <a:t>3</a:t>
+              </a:r>
+            </a:p>
+          </p:txBody>
+        </p:sp>
+        <p:cxnSp>
+          <p:nvCxnSpPr>
+            <p:cNvPr id="75" name="直接连接符 74">
+              <a:extLst>
+                <a:ext uri="{FF2B5EF4-FFF2-40B4-BE49-F238E27FC236}">
+                  <a16:creationId xmlns:a16="http://schemas.microsoft.com/office/drawing/2014/main" id="{36E4C7AA-5858-4489-8914-2288FC4FD413}"/>
+                </a:ext>
+              </a:extLst>
+            </p:cNvPr>
+            <p:cNvCxnSpPr>
+              <a:stCxn id="42" idx="0"/>
+            </p:cNvCxnSpPr>
+            <p:nvPr/>
+          </p:nvCxnSpPr>
+          <p:spPr>
+            <a:xfrm>
+              <a:off x="7057281" y="2654084"/>
+              <a:ext cx="1357386" cy="6437"/>
+            </a:xfrm>
+            <a:prstGeom prst="line">
+              <a:avLst/>
+            </a:prstGeom>
+            <a:ln w="19050">
+              <a:prstDash val="dash"/>
+            </a:ln>
+          </p:spPr>
+          <p:style>
+            <a:lnRef idx="1">
+              <a:schemeClr val="accent1"/>
+            </a:lnRef>
+            <a:fillRef idx="0">
+              <a:schemeClr val="accent1"/>
+            </a:fillRef>
+            <a:effectRef idx="0">
+              <a:schemeClr val="accent1"/>
+            </a:effectRef>
+            <a:fontRef idx="minor">
+              <a:schemeClr val="tx1"/>
+            </a:fontRef>
+          </p:style>
+        </p:cxnSp>
+        <p:sp>
+          <p:nvSpPr>
+            <p:cNvPr id="106" name="文本框 105">
+              <a:extLst>
+                <a:ext uri="{FF2B5EF4-FFF2-40B4-BE49-F238E27FC236}">
+                  <a16:creationId xmlns:a16="http://schemas.microsoft.com/office/drawing/2014/main" id="{F1A25725-A776-42F9-B497-4DCB7F1181D9}"/>
+                </a:ext>
+              </a:extLst>
+            </p:cNvPr>
+            <p:cNvSpPr txBox="1"/>
+            <p:nvPr/>
+          </p:nvSpPr>
+          <p:spPr>
+            <a:xfrm>
+              <a:off x="8009615" y="183685"/>
+              <a:ext cx="732893" cy="584775"/>
+            </a:xfrm>
+            <a:prstGeom prst="rect">
+              <a:avLst/>
+            </a:prstGeom>
+            <a:noFill/>
+          </p:spPr>
+          <p:txBody>
+            <a:bodyPr wrap="none" rtlCol="0">
+              <a:spAutoFit/>
+            </a:bodyPr>
+            <a:lstStyle/>
+            <a:p>
+              <a:r>
+                <a:rPr lang="en-US" sz="3200" b="1">
+                  <a:solidFill>
+                    <a:schemeClr val="accent1"/>
+                  </a:solidFill>
+                  <a:latin typeface="Arial Black" panose="020B0A04020102020204" pitchFamily="34" charset="0"/>
+                  <a:cs typeface="Aharoni" panose="02010803020104030203" pitchFamily="2" charset="-79"/>
+                </a:rPr>
+                <a:t>11</a:t>
+              </a:r>
+            </a:p>
+          </p:txBody>
+        </p:sp>
+        <p:sp>
+          <p:nvSpPr>
+            <p:cNvPr id="108" name="椭圆 107">
+              <a:extLst>
+                <a:ext uri="{FF2B5EF4-FFF2-40B4-BE49-F238E27FC236}">
+                  <a16:creationId xmlns:a16="http://schemas.microsoft.com/office/drawing/2014/main" id="{A00B7527-A960-4094-B4CB-D2B145EBC116}"/>
+                </a:ext>
+              </a:extLst>
+            </p:cNvPr>
+            <p:cNvSpPr>
+              <a:spLocks noChangeAspect="1"/>
+            </p:cNvSpPr>
+            <p:nvPr/>
+          </p:nvSpPr>
+          <p:spPr>
+            <a:xfrm>
+              <a:off x="7686136" y="1355737"/>
+              <a:ext cx="99675" cy="99675"/>
+            </a:xfrm>
+            <a:prstGeom prst="ellipse">
+              <a:avLst/>
+            </a:prstGeom>
             <a:solidFill>
+              <a:srgbClr val="FFC000"/>
+            </a:solidFill>
+            <a:ln w="25400">
+              <a:solidFill>
+                <a:schemeClr val="bg1"/>
+              </a:solidFill>
+            </a:ln>
+          </p:spPr>
+          <p:style>
+            <a:lnRef idx="2">
+              <a:schemeClr val="accent1">
+                <a:shade val="50000"/>
+              </a:schemeClr>
+            </a:lnRef>
+            <a:fillRef idx="1">
               <a:schemeClr val="accent1"/>
-            </a:solidFill>
-            <a:prstDash val="dash"/>
-            <a:round/>
-            <a:headEnd type="none" w="med" len="med"/>
-            <a:tailEnd type="none" w="med" len="med"/>
-          </a:ln>
-        </p:spPr>
-        <p:style>
-          <a:lnRef idx="0">
-            <a:scrgbClr r="0" g="0" b="0"/>
-          </a:lnRef>
-          <a:fillRef idx="0">
-            <a:scrgbClr r="0" g="0" b="0"/>
-          </a:fillRef>
-          <a:effectRef idx="0">
-            <a:scrgbClr r="0" g="0" b="0"/>
-          </a:effectRef>
-          <a:fontRef idx="minor">
-            <a:schemeClr val="tx1"/>
-          </a:fontRef>
-        </p:style>
-      </p:cxnSp>
-      <p:sp>
-        <p:nvSpPr>
-          <p:cNvPr id="43" name="椭圆 42">
-            <a:extLst>
-              <a:ext uri="{FF2B5EF4-FFF2-40B4-BE49-F238E27FC236}">
-                <a16:creationId xmlns:a16="http://schemas.microsoft.com/office/drawing/2014/main" id="{BE399315-0AF8-42EE-8539-09AC75079214}"/>
-              </a:ext>
-            </a:extLst>
-          </p:cNvPr>
-          <p:cNvSpPr>
-            <a:spLocks noChangeAspect="1"/>
-          </p:cNvSpPr>
-          <p:nvPr/>
-        </p:nvSpPr>
-        <p:spPr>
-          <a:xfrm rot="5400000">
-            <a:off x="6965634" y="2992517"/>
-            <a:ext cx="88713" cy="88713"/>
-          </a:xfrm>
-          <a:prstGeom prst="ellipse">
-            <a:avLst/>
-          </a:prstGeom>
-          <a:solidFill>
-            <a:srgbClr val="FFC000"/>
-          </a:solidFill>
-          <a:ln w="25400">
-            <a:solidFill>
-              <a:schemeClr val="bg1"/>
-            </a:solidFill>
-          </a:ln>
-        </p:spPr>
-        <p:style>
-          <a:lnRef idx="2">
-            <a:schemeClr val="accent1">
-              <a:shade val="50000"/>
-            </a:schemeClr>
-          </a:lnRef>
-          <a:fillRef idx="1">
-            <a:schemeClr val="accent1"/>
-          </a:fillRef>
-          <a:effectRef idx="0">
-            <a:schemeClr val="accent1"/>
-          </a:effectRef>
-          <a:fontRef idx="minor">
-            <a:schemeClr val="lt1"/>
-          </a:fontRef>
-        </p:style>
-        <p:txBody>
-          <a:bodyPr rtlCol="0" anchor="ctr"/>
-          <a:lstStyle/>
-          <a:p>
-            <a:pPr algn="ctr"/>
-            <a:endParaRPr lang="en-US">
-              <a:cs typeface="+mn-ea"/>
-            </a:endParaRPr>
-          </a:p>
-        </p:txBody>
-      </p:sp>
-      <p:sp>
-        <p:nvSpPr>
-          <p:cNvPr id="45" name="椭圆 44">
-            <a:extLst>
-              <a:ext uri="{FF2B5EF4-FFF2-40B4-BE49-F238E27FC236}">
-                <a16:creationId xmlns:a16="http://schemas.microsoft.com/office/drawing/2014/main" id="{8F22C2A8-F0B7-4586-AF69-405D81577DF3}"/>
-              </a:ext>
-            </a:extLst>
-          </p:cNvPr>
-          <p:cNvSpPr>
-            <a:spLocks noChangeAspect="1"/>
-          </p:cNvSpPr>
-          <p:nvPr/>
-        </p:nvSpPr>
-        <p:spPr>
-          <a:xfrm rot="5400000">
-            <a:off x="4104083" y="1762684"/>
-            <a:ext cx="88713" cy="88713"/>
-          </a:xfrm>
-          <a:prstGeom prst="ellipse">
-            <a:avLst/>
-          </a:prstGeom>
-          <a:solidFill>
-            <a:srgbClr val="FFC000"/>
-          </a:solidFill>
-          <a:ln w="25400">
-            <a:solidFill>
-              <a:schemeClr val="bg1"/>
-            </a:solidFill>
-          </a:ln>
-        </p:spPr>
-        <p:style>
-          <a:lnRef idx="2">
-            <a:schemeClr val="accent1">
-              <a:shade val="50000"/>
-            </a:schemeClr>
-          </a:lnRef>
-          <a:fillRef idx="1">
-            <a:schemeClr val="accent1"/>
-          </a:fillRef>
-          <a:effectRef idx="0">
-            <a:schemeClr val="accent1"/>
-          </a:effectRef>
-          <a:fontRef idx="minor">
-            <a:schemeClr val="lt1"/>
-          </a:fontRef>
-        </p:style>
-        <p:txBody>
-          <a:bodyPr rtlCol="0" anchor="ctr"/>
-          <a:lstStyle/>
-          <a:p>
-            <a:pPr algn="ctr"/>
-            <a:endParaRPr lang="en-US">
-              <a:cs typeface="+mn-ea"/>
-            </a:endParaRPr>
-          </a:p>
-        </p:txBody>
-      </p:sp>
-      <p:cxnSp>
-        <p:nvCxnSpPr>
-          <p:cNvPr id="44" name="直接连接符 43">
-            <a:extLst>
-              <a:ext uri="{FF2B5EF4-FFF2-40B4-BE49-F238E27FC236}">
-                <a16:creationId xmlns:a16="http://schemas.microsoft.com/office/drawing/2014/main" id="{580F4B0D-5BB4-45C6-AB64-D08BE9F6014B}"/>
-              </a:ext>
-            </a:extLst>
-          </p:cNvPr>
-          <p:cNvCxnSpPr>
-            <a:cxnSpLocks/>
-          </p:cNvCxnSpPr>
-          <p:nvPr/>
-        </p:nvCxnSpPr>
-        <p:spPr>
-          <a:xfrm flipH="1">
-            <a:off x="2688191" y="1362598"/>
-            <a:ext cx="626739" cy="0"/>
-          </a:xfrm>
-          <a:prstGeom prst="line">
-            <a:avLst/>
-          </a:prstGeom>
-          <a:ln w="19050" cap="flat" cmpd="sng" algn="ctr">
-            <a:solidFill>
+            </a:fillRef>
+            <a:effectRef idx="0">
               <a:schemeClr val="accent1"/>
-            </a:solidFill>
-            <a:prstDash val="dash"/>
-            <a:round/>
-            <a:headEnd type="none" w="med" len="med"/>
-            <a:tailEnd type="none" w="med" len="med"/>
-          </a:ln>
-        </p:spPr>
-        <p:style>
-          <a:lnRef idx="0">
-            <a:scrgbClr r="0" g="0" b="0"/>
-          </a:lnRef>
-          <a:fillRef idx="0">
-            <a:scrgbClr r="0" g="0" b="0"/>
-          </a:fillRef>
-          <a:effectRef idx="0">
-            <a:scrgbClr r="0" g="0" b="0"/>
-          </a:effectRef>
-          <a:fontRef idx="minor">
-            <a:schemeClr val="tx1"/>
-          </a:fontRef>
-        </p:style>
-      </p:cxnSp>
-      <p:sp>
-        <p:nvSpPr>
-          <p:cNvPr id="46" name="椭圆 45">
-            <a:extLst>
-              <a:ext uri="{FF2B5EF4-FFF2-40B4-BE49-F238E27FC236}">
-                <a16:creationId xmlns:a16="http://schemas.microsoft.com/office/drawing/2014/main" id="{DCABCD7B-4EDD-4475-AFA7-40FA01F45B70}"/>
-              </a:ext>
-            </a:extLst>
-          </p:cNvPr>
-          <p:cNvSpPr>
-            <a:spLocks noChangeAspect="1"/>
-          </p:cNvSpPr>
-          <p:nvPr/>
-        </p:nvSpPr>
-        <p:spPr>
-          <a:xfrm rot="5400000">
-            <a:off x="3309991" y="1311381"/>
-            <a:ext cx="88713" cy="88713"/>
-          </a:xfrm>
-          <a:prstGeom prst="ellipse">
-            <a:avLst/>
-          </a:prstGeom>
-          <a:solidFill>
-            <a:srgbClr val="FFC000"/>
-          </a:solidFill>
-          <a:ln w="25400">
-            <a:solidFill>
-              <a:schemeClr val="bg1"/>
-            </a:solidFill>
-          </a:ln>
-        </p:spPr>
-        <p:style>
-          <a:lnRef idx="2">
-            <a:schemeClr val="accent1">
-              <a:shade val="50000"/>
-            </a:schemeClr>
-          </a:lnRef>
-          <a:fillRef idx="1">
-            <a:schemeClr val="accent1"/>
-          </a:fillRef>
-          <a:effectRef idx="0">
-            <a:schemeClr val="accent1"/>
-          </a:effectRef>
-          <a:fontRef idx="minor">
-            <a:schemeClr val="lt1"/>
-          </a:fontRef>
-        </p:style>
-        <p:txBody>
-          <a:bodyPr rtlCol="0" anchor="ctr"/>
-          <a:lstStyle/>
-          <a:p>
-            <a:pPr algn="ctr"/>
-            <a:endParaRPr lang="en-US">
-              <a:cs typeface="+mn-ea"/>
-            </a:endParaRPr>
-          </a:p>
-        </p:txBody>
-      </p:sp>
-      <p:cxnSp>
-        <p:nvCxnSpPr>
-          <p:cNvPr id="84" name="直接连接符 83">
-            <a:extLst>
-              <a:ext uri="{FF2B5EF4-FFF2-40B4-BE49-F238E27FC236}">
-                <a16:creationId xmlns:a16="http://schemas.microsoft.com/office/drawing/2014/main" id="{FF9BF7C0-5F91-4419-9578-99F1C6C6F177}"/>
-              </a:ext>
-            </a:extLst>
-          </p:cNvPr>
-          <p:cNvCxnSpPr>
-            <a:cxnSpLocks/>
-          </p:cNvCxnSpPr>
-          <p:nvPr/>
-        </p:nvCxnSpPr>
-        <p:spPr>
-          <a:xfrm flipV="1">
-            <a:off x="6406279" y="476072"/>
-            <a:ext cx="8371" cy="820569"/>
-          </a:xfrm>
-          <a:prstGeom prst="line">
-            <a:avLst/>
-          </a:prstGeom>
-          <a:ln w="19050">
-            <a:solidFill>
-              <a:schemeClr val="accent1"/>
-            </a:solidFill>
-            <a:prstDash val="dash"/>
-          </a:ln>
-        </p:spPr>
-        <p:style>
-          <a:lnRef idx="1">
-            <a:schemeClr val="accent1"/>
-          </a:lnRef>
-          <a:fillRef idx="0">
-            <a:schemeClr val="accent1"/>
-          </a:fillRef>
-          <a:effectRef idx="0">
-            <a:schemeClr val="accent1"/>
-          </a:effectRef>
-          <a:fontRef idx="minor">
-            <a:schemeClr val="tx1"/>
-          </a:fontRef>
-        </p:style>
-      </p:cxnSp>
-      <p:cxnSp>
-        <p:nvCxnSpPr>
-          <p:cNvPr id="91" name="直接连接符 90">
-            <a:extLst>
-              <a:ext uri="{FF2B5EF4-FFF2-40B4-BE49-F238E27FC236}">
-                <a16:creationId xmlns:a16="http://schemas.microsoft.com/office/drawing/2014/main" id="{00F11234-345F-47BA-B692-575BBB3B0DB8}"/>
-              </a:ext>
-            </a:extLst>
-          </p:cNvPr>
-          <p:cNvCxnSpPr>
-            <a:cxnSpLocks/>
-          </p:cNvCxnSpPr>
-          <p:nvPr/>
-        </p:nvCxnSpPr>
-        <p:spPr>
-          <a:xfrm>
-            <a:off x="7025655" y="1959221"/>
-            <a:ext cx="1389012" cy="10388"/>
-          </a:xfrm>
-          <a:prstGeom prst="line">
-            <a:avLst/>
-          </a:prstGeom>
-          <a:ln w="19050" cap="flat" cmpd="sng" algn="ctr">
-            <a:solidFill>
-              <a:schemeClr val="accent1"/>
-            </a:solidFill>
-            <a:prstDash val="dash"/>
-            <a:round/>
-            <a:headEnd type="none" w="med" len="med"/>
-            <a:tailEnd type="none" w="med" len="med"/>
-          </a:ln>
-        </p:spPr>
-        <p:style>
-          <a:lnRef idx="0">
-            <a:scrgbClr r="0" g="0" b="0"/>
-          </a:lnRef>
-          <a:fillRef idx="0">
-            <a:scrgbClr r="0" g="0" b="0"/>
-          </a:fillRef>
-          <a:effectRef idx="0">
-            <a:scrgbClr r="0" g="0" b="0"/>
-          </a:effectRef>
-          <a:fontRef idx="minor">
-            <a:schemeClr val="tx1"/>
-          </a:fontRef>
-        </p:style>
-      </p:cxnSp>
-      <p:sp>
-        <p:nvSpPr>
-          <p:cNvPr id="47" name="椭圆 46">
-            <a:extLst>
-              <a:ext uri="{FF2B5EF4-FFF2-40B4-BE49-F238E27FC236}">
-                <a16:creationId xmlns:a16="http://schemas.microsoft.com/office/drawing/2014/main" id="{785C7E14-931A-4FF6-B45F-95B858E02D66}"/>
-              </a:ext>
-            </a:extLst>
-          </p:cNvPr>
-          <p:cNvSpPr>
-            <a:spLocks noChangeAspect="1"/>
-          </p:cNvSpPr>
-          <p:nvPr/>
-        </p:nvSpPr>
-        <p:spPr>
-          <a:xfrm>
-            <a:off x="6965635" y="1903591"/>
-            <a:ext cx="99675" cy="99675"/>
-          </a:xfrm>
-          <a:prstGeom prst="ellipse">
-            <a:avLst/>
-          </a:prstGeom>
-          <a:solidFill>
-            <a:srgbClr val="FFC000"/>
-          </a:solidFill>
-          <a:ln w="25400">
-            <a:solidFill>
-              <a:schemeClr val="bg1"/>
-            </a:solidFill>
-          </a:ln>
-        </p:spPr>
-        <p:style>
-          <a:lnRef idx="2">
-            <a:schemeClr val="accent1">
-              <a:shade val="50000"/>
-            </a:schemeClr>
-          </a:lnRef>
-          <a:fillRef idx="1">
-            <a:schemeClr val="accent1"/>
-          </a:fillRef>
-          <a:effectRef idx="0">
-            <a:schemeClr val="accent1"/>
-          </a:effectRef>
-          <a:fontRef idx="minor">
-            <a:schemeClr val="lt1"/>
-          </a:fontRef>
-        </p:style>
-        <p:txBody>
-          <a:bodyPr rtlCol="0" anchor="ctr"/>
-          <a:lstStyle/>
-          <a:p>
-            <a:pPr algn="ctr"/>
-            <a:endParaRPr lang="en-US">
-              <a:cs typeface="+mn-ea"/>
-            </a:endParaRPr>
-          </a:p>
-        </p:txBody>
-      </p:sp>
-      <p:sp>
-        <p:nvSpPr>
-          <p:cNvPr id="49" name="椭圆 48">
-            <a:extLst>
-              <a:ext uri="{FF2B5EF4-FFF2-40B4-BE49-F238E27FC236}">
-                <a16:creationId xmlns:a16="http://schemas.microsoft.com/office/drawing/2014/main" id="{C873AD68-F5C1-4143-958D-A2CDA2F2D695}"/>
-              </a:ext>
-            </a:extLst>
-          </p:cNvPr>
-          <p:cNvSpPr>
-            <a:spLocks noChangeAspect="1"/>
-          </p:cNvSpPr>
-          <p:nvPr/>
-        </p:nvSpPr>
-        <p:spPr>
-          <a:xfrm>
-            <a:off x="6354731" y="1296640"/>
-            <a:ext cx="99675" cy="99675"/>
-          </a:xfrm>
-          <a:prstGeom prst="ellipse">
-            <a:avLst/>
-          </a:prstGeom>
-          <a:solidFill>
-            <a:srgbClr val="FFC000"/>
-          </a:solidFill>
-          <a:ln w="25400">
-            <a:solidFill>
-              <a:schemeClr val="bg1"/>
-            </a:solidFill>
-          </a:ln>
-        </p:spPr>
-        <p:style>
-          <a:lnRef idx="2">
-            <a:schemeClr val="accent1">
-              <a:shade val="50000"/>
-            </a:schemeClr>
-          </a:lnRef>
-          <a:fillRef idx="1">
-            <a:schemeClr val="accent1"/>
-          </a:fillRef>
-          <a:effectRef idx="0">
-            <a:schemeClr val="accent1"/>
-          </a:effectRef>
-          <a:fontRef idx="minor">
-            <a:schemeClr val="lt1"/>
-          </a:fontRef>
-        </p:style>
-        <p:txBody>
-          <a:bodyPr rtlCol="0" anchor="ctr"/>
-          <a:lstStyle/>
-          <a:p>
-            <a:pPr algn="ctr"/>
-            <a:endParaRPr lang="en-US">
-              <a:cs typeface="+mn-ea"/>
-            </a:endParaRPr>
-          </a:p>
-        </p:txBody>
-      </p:sp>
-      <p:sp>
-        <p:nvSpPr>
-          <p:cNvPr id="52" name="椭圆 51">
-            <a:extLst>
-              <a:ext uri="{FF2B5EF4-FFF2-40B4-BE49-F238E27FC236}">
-                <a16:creationId xmlns:a16="http://schemas.microsoft.com/office/drawing/2014/main" id="{54BA1351-1F08-4518-8FEF-DB30F47360DD}"/>
-              </a:ext>
-            </a:extLst>
-          </p:cNvPr>
-          <p:cNvSpPr>
-            <a:spLocks noChangeAspect="1"/>
-          </p:cNvSpPr>
-          <p:nvPr/>
-        </p:nvSpPr>
-        <p:spPr>
-          <a:xfrm>
-            <a:off x="5209862" y="2937713"/>
-            <a:ext cx="99675" cy="99675"/>
-          </a:xfrm>
-          <a:prstGeom prst="ellipse">
-            <a:avLst/>
-          </a:prstGeom>
-          <a:solidFill>
-            <a:srgbClr val="FFC000"/>
-          </a:solidFill>
-          <a:ln w="25400">
-            <a:solidFill>
-              <a:schemeClr val="bg1"/>
-            </a:solidFill>
-          </a:ln>
-        </p:spPr>
-        <p:style>
-          <a:lnRef idx="2">
-            <a:schemeClr val="accent1">
-              <a:shade val="50000"/>
-            </a:schemeClr>
-          </a:lnRef>
-          <a:fillRef idx="1">
-            <a:schemeClr val="accent1"/>
-          </a:fillRef>
-          <a:effectRef idx="0">
-            <a:schemeClr val="accent1"/>
-          </a:effectRef>
-          <a:fontRef idx="minor">
-            <a:schemeClr val="lt1"/>
-          </a:fontRef>
-        </p:style>
-        <p:txBody>
-          <a:bodyPr rtlCol="0" anchor="ctr"/>
-          <a:lstStyle/>
-          <a:p>
-            <a:pPr algn="ctr"/>
-            <a:endParaRPr lang="en-US">
-              <a:cs typeface="+mn-ea"/>
-            </a:endParaRPr>
-          </a:p>
-        </p:txBody>
-      </p:sp>
-      <p:sp>
-        <p:nvSpPr>
-          <p:cNvPr id="54" name="椭圆 53">
-            <a:extLst>
-              <a:ext uri="{FF2B5EF4-FFF2-40B4-BE49-F238E27FC236}">
-                <a16:creationId xmlns:a16="http://schemas.microsoft.com/office/drawing/2014/main" id="{A6650E4C-3573-46B8-A815-AE2E2CB8DBF5}"/>
-              </a:ext>
-            </a:extLst>
-          </p:cNvPr>
-          <p:cNvSpPr>
-            <a:spLocks noChangeAspect="1"/>
-          </p:cNvSpPr>
-          <p:nvPr/>
-        </p:nvSpPr>
-        <p:spPr>
-          <a:xfrm>
-            <a:off x="3244352" y="2472812"/>
-            <a:ext cx="99675" cy="99675"/>
-          </a:xfrm>
-          <a:prstGeom prst="ellipse">
-            <a:avLst/>
-          </a:prstGeom>
-          <a:solidFill>
-            <a:srgbClr val="FFC000"/>
-          </a:solidFill>
-          <a:ln w="25400">
-            <a:solidFill>
-              <a:schemeClr val="bg1"/>
-            </a:solidFill>
-          </a:ln>
-        </p:spPr>
-        <p:style>
-          <a:lnRef idx="2">
-            <a:schemeClr val="accent1">
-              <a:shade val="50000"/>
-            </a:schemeClr>
-          </a:lnRef>
-          <a:fillRef idx="1">
-            <a:schemeClr val="accent1"/>
-          </a:fillRef>
-          <a:effectRef idx="0">
-            <a:schemeClr val="accent1"/>
-          </a:effectRef>
-          <a:fontRef idx="minor">
-            <a:schemeClr val="lt1"/>
-          </a:fontRef>
-        </p:style>
-        <p:txBody>
-          <a:bodyPr rtlCol="0" anchor="ctr"/>
-          <a:lstStyle/>
-          <a:p>
-            <a:pPr algn="ctr"/>
-            <a:endParaRPr lang="en-US">
-              <a:cs typeface="+mn-ea"/>
-            </a:endParaRPr>
-          </a:p>
-        </p:txBody>
-      </p:sp>
-      <p:sp>
-        <p:nvSpPr>
-          <p:cNvPr id="56" name="椭圆 55">
-            <a:extLst>
-              <a:ext uri="{FF2B5EF4-FFF2-40B4-BE49-F238E27FC236}">
-                <a16:creationId xmlns:a16="http://schemas.microsoft.com/office/drawing/2014/main" id="{8ACCA669-17FB-47B4-B942-046F12810037}"/>
-              </a:ext>
-            </a:extLst>
-          </p:cNvPr>
-          <p:cNvSpPr>
-            <a:spLocks noChangeAspect="1"/>
-          </p:cNvSpPr>
-          <p:nvPr/>
-        </p:nvSpPr>
-        <p:spPr>
-          <a:xfrm>
-            <a:off x="6314975" y="2250273"/>
-            <a:ext cx="99675" cy="99675"/>
-          </a:xfrm>
-          <a:prstGeom prst="ellipse">
-            <a:avLst/>
-          </a:prstGeom>
-          <a:solidFill>
-            <a:srgbClr val="FFC000"/>
-          </a:solidFill>
-          <a:ln w="25400">
-            <a:solidFill>
-              <a:schemeClr val="bg1"/>
-            </a:solidFill>
-          </a:ln>
-        </p:spPr>
-        <p:style>
-          <a:lnRef idx="2">
-            <a:schemeClr val="accent1">
-              <a:shade val="50000"/>
-            </a:schemeClr>
-          </a:lnRef>
-          <a:fillRef idx="1">
-            <a:schemeClr val="accent1"/>
-          </a:fillRef>
-          <a:effectRef idx="0">
-            <a:schemeClr val="accent1"/>
-          </a:effectRef>
-          <a:fontRef idx="minor">
-            <a:schemeClr val="lt1"/>
-          </a:fontRef>
-        </p:style>
-        <p:txBody>
-          <a:bodyPr rtlCol="0" anchor="ctr"/>
-          <a:lstStyle/>
-          <a:p>
-            <a:pPr algn="ctr"/>
-            <a:endParaRPr lang="en-US">
-              <a:cs typeface="+mn-ea"/>
-            </a:endParaRPr>
-          </a:p>
-        </p:txBody>
-      </p:sp>
-      <p:sp>
-        <p:nvSpPr>
-          <p:cNvPr id="50" name="椭圆 49">
-            <a:extLst>
-              <a:ext uri="{FF2B5EF4-FFF2-40B4-BE49-F238E27FC236}">
-                <a16:creationId xmlns:a16="http://schemas.microsoft.com/office/drawing/2014/main" id="{C0C554EF-6E27-4B5F-A654-2D2CE4610067}"/>
-              </a:ext>
-            </a:extLst>
-          </p:cNvPr>
-          <p:cNvSpPr>
-            <a:spLocks noChangeAspect="1"/>
-          </p:cNvSpPr>
-          <p:nvPr/>
-        </p:nvSpPr>
-        <p:spPr>
-          <a:xfrm>
-            <a:off x="6965635" y="2248870"/>
-            <a:ext cx="99675" cy="99675"/>
-          </a:xfrm>
-          <a:prstGeom prst="ellipse">
-            <a:avLst/>
-          </a:prstGeom>
-          <a:solidFill>
-            <a:srgbClr val="FFC000"/>
-          </a:solidFill>
-          <a:ln w="25400">
-            <a:solidFill>
-              <a:schemeClr val="bg1"/>
-            </a:solidFill>
-          </a:ln>
-        </p:spPr>
-        <p:style>
-          <a:lnRef idx="2">
-            <a:schemeClr val="accent1">
-              <a:shade val="50000"/>
-            </a:schemeClr>
-          </a:lnRef>
-          <a:fillRef idx="1">
-            <a:schemeClr val="accent1"/>
-          </a:fillRef>
-          <a:effectRef idx="0">
-            <a:schemeClr val="accent1"/>
-          </a:effectRef>
-          <a:fontRef idx="minor">
-            <a:schemeClr val="lt1"/>
-          </a:fontRef>
-        </p:style>
-        <p:txBody>
-          <a:bodyPr rtlCol="0" anchor="ctr"/>
-          <a:lstStyle/>
-          <a:p>
-            <a:pPr algn="ctr"/>
-            <a:endParaRPr lang="en-US">
-              <a:cs typeface="+mn-ea"/>
-            </a:endParaRPr>
-          </a:p>
-        </p:txBody>
-      </p:sp>
-      <p:cxnSp>
-        <p:nvCxnSpPr>
-          <p:cNvPr id="68" name="直接连接符 67">
-            <a:extLst>
-              <a:ext uri="{FF2B5EF4-FFF2-40B4-BE49-F238E27FC236}">
-                <a16:creationId xmlns:a16="http://schemas.microsoft.com/office/drawing/2014/main" id="{44D8FCD0-3454-4236-9E83-718AF4733F1F}"/>
-              </a:ext>
-            </a:extLst>
-          </p:cNvPr>
-          <p:cNvCxnSpPr>
-            <a:cxnSpLocks/>
-          </p:cNvCxnSpPr>
-          <p:nvPr/>
-        </p:nvCxnSpPr>
-        <p:spPr>
-          <a:xfrm flipH="1">
-            <a:off x="2707725" y="3047313"/>
-            <a:ext cx="585392" cy="0"/>
-          </a:xfrm>
-          <a:prstGeom prst="line">
-            <a:avLst/>
-          </a:prstGeom>
-          <a:ln w="19050" cap="flat" cmpd="sng" algn="ctr">
-            <a:solidFill>
-              <a:schemeClr val="accent1"/>
-            </a:solidFill>
-            <a:prstDash val="dash"/>
-            <a:round/>
-            <a:headEnd type="none" w="med" len="med"/>
-            <a:tailEnd type="none" w="med" len="med"/>
-          </a:ln>
-        </p:spPr>
-        <p:style>
-          <a:lnRef idx="0">
-            <a:scrgbClr r="0" g="0" b="0"/>
-          </a:lnRef>
-          <a:fillRef idx="0">
-            <a:scrgbClr r="0" g="0" b="0"/>
-          </a:fillRef>
-          <a:effectRef idx="0">
-            <a:scrgbClr r="0" g="0" b="0"/>
-          </a:effectRef>
-          <a:fontRef idx="minor">
-            <a:schemeClr val="tx1"/>
-          </a:fontRef>
-        </p:style>
-      </p:cxnSp>
-      <p:sp>
-        <p:nvSpPr>
-          <p:cNvPr id="70" name="椭圆 69">
-            <a:extLst>
-              <a:ext uri="{FF2B5EF4-FFF2-40B4-BE49-F238E27FC236}">
-                <a16:creationId xmlns:a16="http://schemas.microsoft.com/office/drawing/2014/main" id="{5EB0CA96-94FA-4867-B2DA-EB045F80AEAD}"/>
-              </a:ext>
-            </a:extLst>
-          </p:cNvPr>
-          <p:cNvSpPr>
-            <a:spLocks noChangeAspect="1"/>
-          </p:cNvSpPr>
-          <p:nvPr/>
-        </p:nvSpPr>
-        <p:spPr>
-          <a:xfrm rot="5400000">
-            <a:off x="3305052" y="2997587"/>
-            <a:ext cx="88713" cy="88713"/>
-          </a:xfrm>
-          <a:prstGeom prst="ellipse">
-            <a:avLst/>
-          </a:prstGeom>
-          <a:solidFill>
-            <a:srgbClr val="FFC000"/>
-          </a:solidFill>
-          <a:ln w="25400">
-            <a:solidFill>
-              <a:schemeClr val="bg1"/>
-            </a:solidFill>
-          </a:ln>
-        </p:spPr>
-        <p:style>
-          <a:lnRef idx="2">
-            <a:schemeClr val="accent1">
-              <a:shade val="50000"/>
-            </a:schemeClr>
-          </a:lnRef>
-          <a:fillRef idx="1">
-            <a:schemeClr val="accent1"/>
-          </a:fillRef>
-          <a:effectRef idx="0">
-            <a:schemeClr val="accent1"/>
-          </a:effectRef>
-          <a:fontRef idx="minor">
-            <a:schemeClr val="lt1"/>
-          </a:fontRef>
-        </p:style>
-        <p:txBody>
-          <a:bodyPr rtlCol="0" anchor="ctr"/>
-          <a:lstStyle/>
-          <a:p>
-            <a:pPr algn="ctr"/>
-            <a:endParaRPr lang="en-US">
-              <a:cs typeface="+mn-ea"/>
-            </a:endParaRPr>
-          </a:p>
-        </p:txBody>
-      </p:sp>
-      <p:sp>
-        <p:nvSpPr>
-          <p:cNvPr id="30" name="文本框 29">
-            <a:extLst>
-              <a:ext uri="{FF2B5EF4-FFF2-40B4-BE49-F238E27FC236}">
-                <a16:creationId xmlns:a16="http://schemas.microsoft.com/office/drawing/2014/main" id="{6F53EAE7-BBE2-440F-96AC-DC2DA9FA7431}"/>
-              </a:ext>
-            </a:extLst>
-          </p:cNvPr>
-          <p:cNvSpPr txBox="1"/>
-          <p:nvPr/>
-        </p:nvSpPr>
-        <p:spPr>
-          <a:xfrm>
-            <a:off x="2351113" y="1073347"/>
-            <a:ext cx="458780" cy="584775"/>
-          </a:xfrm>
-          <a:prstGeom prst="rect">
-            <a:avLst/>
-          </a:prstGeom>
-          <a:noFill/>
-        </p:spPr>
-        <p:txBody>
-          <a:bodyPr wrap="none" rtlCol="0">
-            <a:spAutoFit/>
-          </a:bodyPr>
-          <a:lstStyle/>
-          <a:p>
-            <a:r>
-              <a:rPr lang="en-US" sz="3200" b="1">
-                <a:solidFill>
-                  <a:schemeClr val="accent1"/>
-                </a:solidFill>
-                <a:latin typeface="Arial Black" panose="020B0A04020102020204" pitchFamily="34" charset="0"/>
-                <a:cs typeface="Aharoni" panose="02010803020104030203" pitchFamily="2" charset="-79"/>
-              </a:rPr>
-              <a:t>1</a:t>
-            </a:r>
-          </a:p>
-        </p:txBody>
-      </p:sp>
-      <p:sp>
-        <p:nvSpPr>
-          <p:cNvPr id="85" name="文本框 84">
-            <a:extLst>
-              <a:ext uri="{FF2B5EF4-FFF2-40B4-BE49-F238E27FC236}">
-                <a16:creationId xmlns:a16="http://schemas.microsoft.com/office/drawing/2014/main" id="{290BC499-11AA-4F48-9EE7-4249CEB4FF94}"/>
-              </a:ext>
-            </a:extLst>
-          </p:cNvPr>
-          <p:cNvSpPr txBox="1"/>
-          <p:nvPr/>
-        </p:nvSpPr>
-        <p:spPr>
-          <a:xfrm>
-            <a:off x="2368880" y="2744485"/>
-            <a:ext cx="458780" cy="584775"/>
-          </a:xfrm>
-          <a:prstGeom prst="rect">
-            <a:avLst/>
-          </a:prstGeom>
-          <a:noFill/>
-        </p:spPr>
-        <p:txBody>
-          <a:bodyPr wrap="none" rtlCol="0">
-            <a:spAutoFit/>
-          </a:bodyPr>
-          <a:lstStyle/>
-          <a:p>
-            <a:r>
-              <a:rPr lang="en-US" sz="3200" b="1">
-                <a:solidFill>
-                  <a:schemeClr val="accent1"/>
-                </a:solidFill>
-                <a:latin typeface="Arial Black" panose="020B0A04020102020204" pitchFamily="34" charset="0"/>
-                <a:cs typeface="Aharoni" panose="02010803020104030203" pitchFamily="2" charset="-79"/>
-              </a:rPr>
-              <a:t>2</a:t>
-            </a:r>
-          </a:p>
-        </p:txBody>
-      </p:sp>
-      <p:sp>
-        <p:nvSpPr>
-          <p:cNvPr id="86" name="文本框 85">
-            <a:extLst>
-              <a:ext uri="{FF2B5EF4-FFF2-40B4-BE49-F238E27FC236}">
-                <a16:creationId xmlns:a16="http://schemas.microsoft.com/office/drawing/2014/main" id="{8EA621C5-2544-4EA6-AB3A-C9E8F27521FB}"/>
-              </a:ext>
-            </a:extLst>
-          </p:cNvPr>
-          <p:cNvSpPr txBox="1"/>
-          <p:nvPr/>
-        </p:nvSpPr>
-        <p:spPr>
-          <a:xfrm>
-            <a:off x="2365531" y="2211628"/>
-            <a:ext cx="458780" cy="584775"/>
-          </a:xfrm>
-          <a:prstGeom prst="rect">
-            <a:avLst/>
-          </a:prstGeom>
-          <a:noFill/>
-        </p:spPr>
-        <p:txBody>
-          <a:bodyPr wrap="none" rtlCol="0">
-            <a:spAutoFit/>
-          </a:bodyPr>
-          <a:lstStyle/>
-          <a:p>
-            <a:r>
-              <a:rPr lang="en-US" sz="3200" b="1">
-                <a:solidFill>
-                  <a:schemeClr val="accent1"/>
-                </a:solidFill>
-                <a:latin typeface="Arial Black" panose="020B0A04020102020204" pitchFamily="34" charset="0"/>
-                <a:cs typeface="Aharoni" panose="02010803020104030203" pitchFamily="2" charset="-79"/>
-              </a:rPr>
-              <a:t>0</a:t>
-            </a:r>
-          </a:p>
-        </p:txBody>
-      </p:sp>
-      <p:sp>
-        <p:nvSpPr>
-          <p:cNvPr id="87" name="文本框 86">
-            <a:extLst>
-              <a:ext uri="{FF2B5EF4-FFF2-40B4-BE49-F238E27FC236}">
-                <a16:creationId xmlns:a16="http://schemas.microsoft.com/office/drawing/2014/main" id="{841A8BDA-BFC0-4AA3-8B4F-F4A253EC1FC9}"/>
-              </a:ext>
-            </a:extLst>
-          </p:cNvPr>
-          <p:cNvSpPr txBox="1"/>
-          <p:nvPr/>
-        </p:nvSpPr>
-        <p:spPr>
-          <a:xfrm>
-            <a:off x="5995626" y="240322"/>
-            <a:ext cx="458780" cy="584775"/>
-          </a:xfrm>
-          <a:prstGeom prst="rect">
-            <a:avLst/>
-          </a:prstGeom>
-          <a:noFill/>
-        </p:spPr>
-        <p:txBody>
-          <a:bodyPr wrap="none" rtlCol="0">
-            <a:spAutoFit/>
-          </a:bodyPr>
-          <a:lstStyle/>
-          <a:p>
-            <a:r>
-              <a:rPr lang="en-US" sz="3200" b="1">
-                <a:solidFill>
-                  <a:schemeClr val="accent1"/>
-                </a:solidFill>
-                <a:latin typeface="Arial Black" panose="020B0A04020102020204" pitchFamily="34" charset="0"/>
-                <a:cs typeface="Aharoni" panose="02010803020104030203" pitchFamily="2" charset="-79"/>
-              </a:rPr>
-              <a:t>6</a:t>
-            </a:r>
-          </a:p>
-        </p:txBody>
-      </p:sp>
-      <p:sp>
-        <p:nvSpPr>
-          <p:cNvPr id="89" name="文本框 88">
-            <a:extLst>
-              <a:ext uri="{FF2B5EF4-FFF2-40B4-BE49-F238E27FC236}">
-                <a16:creationId xmlns:a16="http://schemas.microsoft.com/office/drawing/2014/main" id="{08A95771-BC7F-43EF-A05D-4270CE0BACDC}"/>
-              </a:ext>
-            </a:extLst>
-          </p:cNvPr>
-          <p:cNvSpPr txBox="1"/>
-          <p:nvPr/>
-        </p:nvSpPr>
-        <p:spPr>
-          <a:xfrm>
-            <a:off x="5011026" y="3679653"/>
-            <a:ext cx="458780" cy="584775"/>
-          </a:xfrm>
-          <a:prstGeom prst="rect">
-            <a:avLst/>
-          </a:prstGeom>
-          <a:noFill/>
-        </p:spPr>
-        <p:txBody>
-          <a:bodyPr wrap="none" rtlCol="0">
-            <a:spAutoFit/>
-          </a:bodyPr>
-          <a:lstStyle/>
-          <a:p>
-            <a:r>
-              <a:rPr lang="en-US" sz="3200" b="1">
-                <a:solidFill>
-                  <a:schemeClr val="accent1"/>
-                </a:solidFill>
-                <a:latin typeface="Arial Black" panose="020B0A04020102020204" pitchFamily="34" charset="0"/>
-                <a:cs typeface="Aharoni" panose="02010803020104030203" pitchFamily="2" charset="-79"/>
-              </a:rPr>
-              <a:t>4</a:t>
-            </a:r>
-          </a:p>
-        </p:txBody>
-      </p:sp>
-      <p:sp>
-        <p:nvSpPr>
-          <p:cNvPr id="90" name="文本框 89">
-            <a:extLst>
-              <a:ext uri="{FF2B5EF4-FFF2-40B4-BE49-F238E27FC236}">
-                <a16:creationId xmlns:a16="http://schemas.microsoft.com/office/drawing/2014/main" id="{D0A1FD78-D530-4599-B7C6-284D6A402CF3}"/>
-              </a:ext>
-            </a:extLst>
-          </p:cNvPr>
-          <p:cNvSpPr txBox="1"/>
-          <p:nvPr/>
-        </p:nvSpPr>
-        <p:spPr>
-          <a:xfrm>
-            <a:off x="8361073" y="2075746"/>
-            <a:ext cx="458780" cy="584775"/>
-          </a:xfrm>
-          <a:prstGeom prst="rect">
-            <a:avLst/>
-          </a:prstGeom>
-          <a:noFill/>
-        </p:spPr>
-        <p:txBody>
-          <a:bodyPr wrap="none" rtlCol="0">
-            <a:spAutoFit/>
-          </a:bodyPr>
-          <a:lstStyle/>
-          <a:p>
-            <a:r>
-              <a:rPr lang="en-US" sz="3200" b="1">
-                <a:solidFill>
-                  <a:schemeClr val="accent1"/>
-                </a:solidFill>
-                <a:latin typeface="Arial Black" panose="020B0A04020102020204" pitchFamily="34" charset="0"/>
-                <a:cs typeface="Aharoni" panose="02010803020104030203" pitchFamily="2" charset="-79"/>
-              </a:rPr>
-              <a:t>8</a:t>
-            </a:r>
-          </a:p>
-        </p:txBody>
-      </p:sp>
-      <p:sp>
-        <p:nvSpPr>
-          <p:cNvPr id="92" name="文本框 91">
-            <a:extLst>
-              <a:ext uri="{FF2B5EF4-FFF2-40B4-BE49-F238E27FC236}">
-                <a16:creationId xmlns:a16="http://schemas.microsoft.com/office/drawing/2014/main" id="{952847E9-C8D8-4D00-A835-1530D6BF7A3C}"/>
-              </a:ext>
-            </a:extLst>
-          </p:cNvPr>
-          <p:cNvSpPr txBox="1"/>
-          <p:nvPr/>
-        </p:nvSpPr>
-        <p:spPr>
-          <a:xfrm>
-            <a:off x="8376062" y="1711841"/>
-            <a:ext cx="458780" cy="584775"/>
-          </a:xfrm>
-          <a:prstGeom prst="rect">
-            <a:avLst/>
-          </a:prstGeom>
-          <a:noFill/>
-        </p:spPr>
-        <p:txBody>
-          <a:bodyPr wrap="none" rtlCol="0">
-            <a:spAutoFit/>
-          </a:bodyPr>
-          <a:lstStyle/>
-          <a:p>
-            <a:r>
-              <a:rPr lang="en-US" sz="3200" b="1">
-                <a:solidFill>
-                  <a:schemeClr val="accent1"/>
-                </a:solidFill>
-                <a:latin typeface="Arial Black" panose="020B0A04020102020204" pitchFamily="34" charset="0"/>
-                <a:cs typeface="Aharoni" panose="02010803020104030203" pitchFamily="2" charset="-79"/>
-              </a:rPr>
-              <a:t>7</a:t>
-            </a:r>
-          </a:p>
-        </p:txBody>
-      </p:sp>
-      <p:sp>
-        <p:nvSpPr>
-          <p:cNvPr id="93" name="文本框 92">
-            <a:extLst>
-              <a:ext uri="{FF2B5EF4-FFF2-40B4-BE49-F238E27FC236}">
-                <a16:creationId xmlns:a16="http://schemas.microsoft.com/office/drawing/2014/main" id="{745F3EB5-AB27-4D4B-9F5D-A8F2C0829977}"/>
-              </a:ext>
-            </a:extLst>
-          </p:cNvPr>
-          <p:cNvSpPr txBox="1"/>
-          <p:nvPr/>
-        </p:nvSpPr>
-        <p:spPr>
-          <a:xfrm>
-            <a:off x="6135422" y="3685093"/>
-            <a:ext cx="458780" cy="584775"/>
-          </a:xfrm>
-          <a:prstGeom prst="rect">
-            <a:avLst/>
-          </a:prstGeom>
-          <a:noFill/>
-        </p:spPr>
-        <p:txBody>
-          <a:bodyPr wrap="none" rtlCol="0">
-            <a:spAutoFit/>
-          </a:bodyPr>
-          <a:lstStyle/>
-          <a:p>
-            <a:r>
-              <a:rPr lang="en-US" sz="3200" b="1">
-                <a:solidFill>
-                  <a:schemeClr val="accent1"/>
-                </a:solidFill>
-                <a:latin typeface="Arial Black" panose="020B0A04020102020204" pitchFamily="34" charset="0"/>
-                <a:cs typeface="Aharoni" panose="02010803020104030203" pitchFamily="2" charset="-79"/>
-              </a:rPr>
-              <a:t>5</a:t>
-            </a:r>
-          </a:p>
-        </p:txBody>
-      </p:sp>
-      <p:sp>
-        <p:nvSpPr>
-          <p:cNvPr id="94" name="文本框 93">
-            <a:extLst>
-              <a:ext uri="{FF2B5EF4-FFF2-40B4-BE49-F238E27FC236}">
-                <a16:creationId xmlns:a16="http://schemas.microsoft.com/office/drawing/2014/main" id="{D96BE42C-97A5-4770-9D39-E945CB5DAB09}"/>
-              </a:ext>
-            </a:extLst>
-          </p:cNvPr>
-          <p:cNvSpPr txBox="1"/>
-          <p:nvPr/>
-        </p:nvSpPr>
-        <p:spPr>
-          <a:xfrm>
-            <a:off x="6644640" y="3679653"/>
-            <a:ext cx="732893" cy="584775"/>
-          </a:xfrm>
-          <a:prstGeom prst="rect">
-            <a:avLst/>
-          </a:prstGeom>
-          <a:noFill/>
-        </p:spPr>
-        <p:txBody>
-          <a:bodyPr wrap="none" rtlCol="0">
-            <a:spAutoFit/>
-          </a:bodyPr>
-          <a:lstStyle/>
-          <a:p>
-            <a:r>
-              <a:rPr lang="en-US" sz="3200" b="1">
-                <a:solidFill>
-                  <a:schemeClr val="accent1"/>
-                </a:solidFill>
-                <a:latin typeface="Arial Black" panose="020B0A04020102020204" pitchFamily="34" charset="0"/>
-                <a:cs typeface="Aharoni" panose="02010803020104030203" pitchFamily="2" charset="-79"/>
-              </a:rPr>
-              <a:t>10</a:t>
-            </a:r>
-          </a:p>
-        </p:txBody>
-      </p:sp>
-      <p:sp>
-        <p:nvSpPr>
-          <p:cNvPr id="95" name="文本框 94">
-            <a:extLst>
-              <a:ext uri="{FF2B5EF4-FFF2-40B4-BE49-F238E27FC236}">
-                <a16:creationId xmlns:a16="http://schemas.microsoft.com/office/drawing/2014/main" id="{FF20B6F7-0D8C-4F0C-ACD8-23D30672F12A}"/>
-              </a:ext>
-            </a:extLst>
-          </p:cNvPr>
-          <p:cNvSpPr txBox="1"/>
-          <p:nvPr/>
-        </p:nvSpPr>
-        <p:spPr>
-          <a:xfrm>
-            <a:off x="8358139" y="2445876"/>
-            <a:ext cx="458780" cy="584775"/>
-          </a:xfrm>
-          <a:prstGeom prst="rect">
-            <a:avLst/>
-          </a:prstGeom>
-          <a:noFill/>
-        </p:spPr>
-        <p:txBody>
-          <a:bodyPr wrap="none" rtlCol="0">
-            <a:spAutoFit/>
-          </a:bodyPr>
-          <a:lstStyle/>
-          <a:p>
-            <a:r>
-              <a:rPr lang="en-US" sz="3200" b="1">
-                <a:solidFill>
-                  <a:schemeClr val="accent1"/>
-                </a:solidFill>
-                <a:latin typeface="Arial Black" panose="020B0A04020102020204" pitchFamily="34" charset="0"/>
-                <a:cs typeface="Aharoni" panose="02010803020104030203" pitchFamily="2" charset="-79"/>
-              </a:rPr>
-              <a:t>9</a:t>
-            </a:r>
-          </a:p>
-        </p:txBody>
-      </p:sp>
-      <p:sp>
-        <p:nvSpPr>
-          <p:cNvPr id="98" name="文本框 97">
-            <a:extLst>
-              <a:ext uri="{FF2B5EF4-FFF2-40B4-BE49-F238E27FC236}">
-                <a16:creationId xmlns:a16="http://schemas.microsoft.com/office/drawing/2014/main" id="{C0B049EE-25E9-4521-B76F-E5C57E4EA4D8}"/>
-              </a:ext>
-            </a:extLst>
-          </p:cNvPr>
-          <p:cNvSpPr txBox="1"/>
-          <p:nvPr/>
-        </p:nvSpPr>
-        <p:spPr>
-          <a:xfrm>
-            <a:off x="4148439" y="191151"/>
-            <a:ext cx="458780" cy="584775"/>
-          </a:xfrm>
-          <a:prstGeom prst="rect">
-            <a:avLst/>
-          </a:prstGeom>
-          <a:noFill/>
-        </p:spPr>
-        <p:txBody>
-          <a:bodyPr wrap="none" rtlCol="0">
-            <a:spAutoFit/>
-          </a:bodyPr>
-          <a:lstStyle/>
-          <a:p>
-            <a:r>
-              <a:rPr lang="en-US" sz="3200" b="1">
-                <a:solidFill>
-                  <a:schemeClr val="accent1"/>
-                </a:solidFill>
-                <a:latin typeface="Arial Black" panose="020B0A04020102020204" pitchFamily="34" charset="0"/>
-                <a:cs typeface="Aharoni" panose="02010803020104030203" pitchFamily="2" charset="-79"/>
-              </a:rPr>
-              <a:t>3</a:t>
-            </a:r>
-          </a:p>
-        </p:txBody>
-      </p:sp>
-      <p:cxnSp>
-        <p:nvCxnSpPr>
-          <p:cNvPr id="75" name="直接连接符 74">
-            <a:extLst>
-              <a:ext uri="{FF2B5EF4-FFF2-40B4-BE49-F238E27FC236}">
-                <a16:creationId xmlns:a16="http://schemas.microsoft.com/office/drawing/2014/main" id="{36E4C7AA-5858-4489-8914-2288FC4FD413}"/>
-              </a:ext>
-            </a:extLst>
-          </p:cNvPr>
-          <p:cNvCxnSpPr>
-            <a:stCxn id="42" idx="0"/>
-          </p:cNvCxnSpPr>
-          <p:nvPr/>
-        </p:nvCxnSpPr>
-        <p:spPr>
-          <a:xfrm>
-            <a:off x="7057281" y="2654084"/>
-            <a:ext cx="1357386" cy="6437"/>
-          </a:xfrm>
-          <a:prstGeom prst="line">
-            <a:avLst/>
-          </a:prstGeom>
-          <a:ln w="19050">
-            <a:prstDash val="dash"/>
-          </a:ln>
-        </p:spPr>
-        <p:style>
-          <a:lnRef idx="1">
-            <a:schemeClr val="accent1"/>
-          </a:lnRef>
-          <a:fillRef idx="0">
-            <a:schemeClr val="accent1"/>
-          </a:fillRef>
-          <a:effectRef idx="0">
-            <a:schemeClr val="accent1"/>
-          </a:effectRef>
-          <a:fontRef idx="minor">
-            <a:schemeClr val="tx1"/>
-          </a:fontRef>
-        </p:style>
-      </p:cxnSp>
-      <p:sp>
-        <p:nvSpPr>
-          <p:cNvPr id="106" name="文本框 105">
-            <a:extLst>
-              <a:ext uri="{FF2B5EF4-FFF2-40B4-BE49-F238E27FC236}">
-                <a16:creationId xmlns:a16="http://schemas.microsoft.com/office/drawing/2014/main" id="{F1A25725-A776-42F9-B497-4DCB7F1181D9}"/>
-              </a:ext>
-            </a:extLst>
-          </p:cNvPr>
-          <p:cNvSpPr txBox="1"/>
-          <p:nvPr/>
-        </p:nvSpPr>
-        <p:spPr>
-          <a:xfrm>
-            <a:off x="8009615" y="183685"/>
-            <a:ext cx="732893" cy="584775"/>
-          </a:xfrm>
-          <a:prstGeom prst="rect">
-            <a:avLst/>
-          </a:prstGeom>
-          <a:noFill/>
-        </p:spPr>
-        <p:txBody>
-          <a:bodyPr wrap="none" rtlCol="0">
-            <a:spAutoFit/>
-          </a:bodyPr>
-          <a:lstStyle/>
-          <a:p>
-            <a:r>
-              <a:rPr lang="en-US" sz="3200" b="1">
-                <a:solidFill>
-                  <a:schemeClr val="accent1"/>
-                </a:solidFill>
-                <a:latin typeface="Arial Black" panose="020B0A04020102020204" pitchFamily="34" charset="0"/>
-                <a:cs typeface="Aharoni" panose="02010803020104030203" pitchFamily="2" charset="-79"/>
-              </a:rPr>
-              <a:t>11</a:t>
-            </a:r>
-          </a:p>
-        </p:txBody>
-      </p:sp>
-      <p:sp>
-        <p:nvSpPr>
-          <p:cNvPr id="108" name="椭圆 107">
-            <a:extLst>
-              <a:ext uri="{FF2B5EF4-FFF2-40B4-BE49-F238E27FC236}">
-                <a16:creationId xmlns:a16="http://schemas.microsoft.com/office/drawing/2014/main" id="{A00B7527-A960-4094-B4CB-D2B145EBC116}"/>
-              </a:ext>
-            </a:extLst>
-          </p:cNvPr>
-          <p:cNvSpPr>
-            <a:spLocks noChangeAspect="1"/>
-          </p:cNvSpPr>
-          <p:nvPr/>
-        </p:nvSpPr>
-        <p:spPr>
-          <a:xfrm>
-            <a:off x="7686136" y="1355737"/>
-            <a:ext cx="99675" cy="99675"/>
-          </a:xfrm>
-          <a:prstGeom prst="ellipse">
-            <a:avLst/>
-          </a:prstGeom>
-          <a:solidFill>
-            <a:srgbClr val="FFC000"/>
-          </a:solidFill>
-          <a:ln w="25400">
-            <a:solidFill>
-              <a:schemeClr val="bg1"/>
-            </a:solidFill>
-          </a:ln>
-        </p:spPr>
-        <p:style>
-          <a:lnRef idx="2">
-            <a:schemeClr val="accent1">
-              <a:shade val="50000"/>
-            </a:schemeClr>
-          </a:lnRef>
-          <a:fillRef idx="1">
-            <a:schemeClr val="accent1"/>
-          </a:fillRef>
-          <a:effectRef idx="0">
-            <a:schemeClr val="accent1"/>
-          </a:effectRef>
-          <a:fontRef idx="minor">
-            <a:schemeClr val="lt1"/>
-          </a:fontRef>
-        </p:style>
-        <p:txBody>
-          <a:bodyPr rtlCol="0" anchor="ctr"/>
-          <a:lstStyle/>
-          <a:p>
-            <a:pPr algn="ctr"/>
-            <a:endParaRPr lang="en-US">
-              <a:cs typeface="+mn-ea"/>
-            </a:endParaRPr>
-          </a:p>
-        </p:txBody>
-      </p:sp>
-      <p:cxnSp>
-        <p:nvCxnSpPr>
-          <p:cNvPr id="109" name="直接连接符 108">
-            <a:extLst>
-              <a:ext uri="{FF2B5EF4-FFF2-40B4-BE49-F238E27FC236}">
-                <a16:creationId xmlns:a16="http://schemas.microsoft.com/office/drawing/2014/main" id="{BEA61B43-591C-44BE-B0E5-46AD592C4A56}"/>
-              </a:ext>
-            </a:extLst>
-          </p:cNvPr>
-          <p:cNvCxnSpPr>
-            <a:cxnSpLocks/>
-            <a:stCxn id="108" idx="0"/>
-          </p:cNvCxnSpPr>
-          <p:nvPr/>
-        </p:nvCxnSpPr>
-        <p:spPr>
-          <a:xfrm flipV="1">
-            <a:off x="7735974" y="659667"/>
-            <a:ext cx="370906" cy="696070"/>
-          </a:xfrm>
-          <a:prstGeom prst="line">
-            <a:avLst/>
-          </a:prstGeom>
-          <a:ln w="19050" cap="flat" cmpd="sng" algn="ctr">
-            <a:solidFill>
-              <a:schemeClr val="accent1"/>
-            </a:solidFill>
-            <a:prstDash val="dash"/>
-            <a:round/>
-            <a:headEnd type="none" w="med" len="med"/>
-            <a:tailEnd type="none" w="med" len="med"/>
-          </a:ln>
-        </p:spPr>
-        <p:style>
-          <a:lnRef idx="0">
-            <a:scrgbClr r="0" g="0" b="0"/>
-          </a:lnRef>
-          <a:fillRef idx="0">
-            <a:scrgbClr r="0" g="0" b="0"/>
-          </a:fillRef>
-          <a:effectRef idx="0">
-            <a:scrgbClr r="0" g="0" b="0"/>
-          </a:effectRef>
-          <a:fontRef idx="minor">
-            <a:schemeClr val="tx1"/>
-          </a:fontRef>
-        </p:style>
-      </p:cxnSp>
-      <p:cxnSp>
-        <p:nvCxnSpPr>
-          <p:cNvPr id="116" name="直接连接符 115">
-            <a:extLst>
-              <a:ext uri="{FF2B5EF4-FFF2-40B4-BE49-F238E27FC236}">
-                <a16:creationId xmlns:a16="http://schemas.microsoft.com/office/drawing/2014/main" id="{6319A010-60FD-4D0C-94B6-CD39BC977822}"/>
-              </a:ext>
-            </a:extLst>
-          </p:cNvPr>
-          <p:cNvCxnSpPr>
-            <a:cxnSpLocks/>
-          </p:cNvCxnSpPr>
-          <p:nvPr/>
-        </p:nvCxnSpPr>
-        <p:spPr>
-          <a:xfrm flipH="1">
-            <a:off x="8119632" y="659667"/>
-            <a:ext cx="467897" cy="0"/>
-          </a:xfrm>
-          <a:prstGeom prst="line">
-            <a:avLst/>
-          </a:prstGeom>
-          <a:ln w="19050" cap="flat" cmpd="sng" algn="ctr">
-            <a:solidFill>
-              <a:schemeClr val="accent1"/>
-            </a:solidFill>
-            <a:prstDash val="dash"/>
-            <a:round/>
-            <a:headEnd type="none" w="med" len="med"/>
-            <a:tailEnd type="none" w="med" len="med"/>
-          </a:ln>
-        </p:spPr>
-        <p:style>
-          <a:lnRef idx="0">
-            <a:scrgbClr r="0" g="0" b="0"/>
-          </a:lnRef>
-          <a:fillRef idx="0">
-            <a:scrgbClr r="0" g="0" b="0"/>
-          </a:fillRef>
-          <a:effectRef idx="0">
-            <a:scrgbClr r="0" g="0" b="0"/>
-          </a:effectRef>
-          <a:fontRef idx="minor">
-            <a:schemeClr val="tx1"/>
-          </a:fontRef>
-        </p:style>
-      </p:cxnSp>
+            </a:effectRef>
+            <a:fontRef idx="minor">
+              <a:schemeClr val="lt1"/>
+            </a:fontRef>
+          </p:style>
+          <p:txBody>
+            <a:bodyPr rtlCol="0" anchor="ctr"/>
+            <a:lstStyle/>
+            <a:p>
+              <a:pPr algn="ctr"/>
+              <a:endParaRPr lang="en-US">
+                <a:cs typeface="+mn-ea"/>
+              </a:endParaRPr>
+            </a:p>
+          </p:txBody>
+        </p:sp>
+        <p:cxnSp>
+          <p:nvCxnSpPr>
+            <p:cNvPr id="109" name="直接连接符 108">
+              <a:extLst>
+                <a:ext uri="{FF2B5EF4-FFF2-40B4-BE49-F238E27FC236}">
+                  <a16:creationId xmlns:a16="http://schemas.microsoft.com/office/drawing/2014/main" id="{BEA61B43-591C-44BE-B0E5-46AD592C4A56}"/>
+                </a:ext>
+              </a:extLst>
+            </p:cNvPr>
+            <p:cNvCxnSpPr>
+              <a:cxnSpLocks/>
+              <a:stCxn id="108" idx="0"/>
+            </p:cNvCxnSpPr>
+            <p:nvPr/>
+          </p:nvCxnSpPr>
+          <p:spPr>
+            <a:xfrm flipV="1">
+              <a:off x="7735974" y="659667"/>
+              <a:ext cx="370906" cy="696070"/>
+            </a:xfrm>
+            <a:prstGeom prst="line">
+              <a:avLst/>
+            </a:prstGeom>
+            <a:ln w="19050" cap="flat" cmpd="sng" algn="ctr">
+              <a:solidFill>
+                <a:schemeClr val="accent1"/>
+              </a:solidFill>
+              <a:prstDash val="dash"/>
+              <a:round/>
+              <a:headEnd type="none" w="med" len="med"/>
+              <a:tailEnd type="none" w="med" len="med"/>
+            </a:ln>
+          </p:spPr>
+          <p:style>
+            <a:lnRef idx="0">
+              <a:scrgbClr r="0" g="0" b="0"/>
+            </a:lnRef>
+            <a:fillRef idx="0">
+              <a:scrgbClr r="0" g="0" b="0"/>
+            </a:fillRef>
+            <a:effectRef idx="0">
+              <a:scrgbClr r="0" g="0" b="0"/>
+            </a:effectRef>
+            <a:fontRef idx="minor">
+              <a:schemeClr val="tx1"/>
+            </a:fontRef>
+          </p:style>
+        </p:cxnSp>
+        <p:cxnSp>
+          <p:nvCxnSpPr>
+            <p:cNvPr id="116" name="直接连接符 115">
+              <a:extLst>
+                <a:ext uri="{FF2B5EF4-FFF2-40B4-BE49-F238E27FC236}">
+                  <a16:creationId xmlns:a16="http://schemas.microsoft.com/office/drawing/2014/main" id="{6319A010-60FD-4D0C-94B6-CD39BC977822}"/>
+                </a:ext>
+              </a:extLst>
+            </p:cNvPr>
+            <p:cNvCxnSpPr>
+              <a:cxnSpLocks/>
+            </p:cNvCxnSpPr>
+            <p:nvPr/>
+          </p:nvCxnSpPr>
+          <p:spPr>
+            <a:xfrm flipH="1">
+              <a:off x="8119632" y="659667"/>
+              <a:ext cx="467897" cy="0"/>
+            </a:xfrm>
+            <a:prstGeom prst="line">
+              <a:avLst/>
+            </a:prstGeom>
+            <a:ln w="19050" cap="flat" cmpd="sng" algn="ctr">
+              <a:solidFill>
+                <a:schemeClr val="accent1"/>
+              </a:solidFill>
+              <a:prstDash val="dash"/>
+              <a:round/>
+              <a:headEnd type="none" w="med" len="med"/>
+              <a:tailEnd type="none" w="med" len="med"/>
+            </a:ln>
+          </p:spPr>
+          <p:style>
+            <a:lnRef idx="0">
+              <a:scrgbClr r="0" g="0" b="0"/>
+            </a:lnRef>
+            <a:fillRef idx="0">
+              <a:scrgbClr r="0" g="0" b="0"/>
+            </a:fillRef>
+            <a:effectRef idx="0">
+              <a:scrgbClr r="0" g="0" b="0"/>
+            </a:effectRef>
+            <a:fontRef idx="minor">
+              <a:schemeClr val="tx1"/>
+            </a:fontRef>
+          </p:style>
+        </p:cxnSp>
+      </p:grpSp>
       <p:sp>
         <p:nvSpPr>
           <p:cNvPr id="102" name="文本框 101">
@@ -5720,7 +5743,7 @@
         </p:nvSpPr>
         <p:spPr>
           <a:xfrm>
-            <a:off x="1674648" y="4462658"/>
+            <a:off x="1622613" y="4998124"/>
             <a:ext cx="3392660" cy="1754326"/>
           </a:xfrm>
           <a:prstGeom prst="rect">
@@ -5894,7 +5917,7 @@
         </p:nvSpPr>
         <p:spPr>
           <a:xfrm>
-            <a:off x="6506766" y="4462658"/>
+            <a:off x="6454731" y="4998124"/>
             <a:ext cx="3778407" cy="1754326"/>
           </a:xfrm>
           <a:prstGeom prst="rect">
@@ -6082,767 +6105,790 @@
           <a:chExt cx="0" cy="0"/>
         </a:xfrm>
       </p:grpSpPr>
-      <p:pic>
-        <p:nvPicPr>
-          <p:cNvPr id="3" name="图片 2">
+      <p:grpSp>
+        <p:nvGrpSpPr>
+          <p:cNvPr id="2" name="组合 1">
             <a:extLst>
               <a:ext uri="{FF2B5EF4-FFF2-40B4-BE49-F238E27FC236}">
-                <a16:creationId xmlns:a16="http://schemas.microsoft.com/office/drawing/2014/main" id="{CC8068C3-961A-4435-8C2A-5B6DDD624A45}"/>
+                <a16:creationId xmlns:a16="http://schemas.microsoft.com/office/drawing/2014/main" id="{3E9AA980-62F6-4A3F-BE11-111D8880C2FC}"/>
               </a:ext>
             </a:extLst>
           </p:cNvPr>
-          <p:cNvPicPr>
-            <a:picLocks noChangeAspect="1"/>
-          </p:cNvPicPr>
+          <p:cNvGrpSpPr>
+            <a:grpSpLocks noChangeAspect="1"/>
+          </p:cNvGrpSpPr>
           <p:nvPr/>
-        </p:nvPicPr>
-        <p:blipFill>
-          <a:blip r:embed="rId3">
-            <a:extLst>
-              <a:ext uri="{28A0092B-C50C-407E-A947-70E740481C1C}">
-                <a14:useLocalDpi xmlns:a14="http://schemas.microsoft.com/office/drawing/2010/main" val="0"/>
-              </a:ext>
-            </a:extLst>
-          </a:blip>
-          <a:stretch>
-            <a:fillRect/>
-          </a:stretch>
-        </p:blipFill>
-        <p:spPr>
+        </p:nvGrpSpPr>
+        <p:grpSpPr>
           <a:xfrm>
-            <a:off x="2713560" y="305512"/>
-            <a:ext cx="5962728" cy="4472045"/>
+            <a:off x="1815648" y="353137"/>
+            <a:ext cx="7495258" cy="5112867"/>
+            <a:chOff x="2120449" y="305512"/>
+            <a:chExt cx="6555839" cy="4472045"/>
           </a:xfrm>
-          <a:prstGeom prst="rect">
-            <a:avLst/>
-          </a:prstGeom>
-        </p:spPr>
-      </p:pic>
-      <p:cxnSp>
-        <p:nvCxnSpPr>
-          <p:cNvPr id="35" name="直接连接符 34">
-            <a:extLst>
-              <a:ext uri="{FF2B5EF4-FFF2-40B4-BE49-F238E27FC236}">
-                <a16:creationId xmlns:a16="http://schemas.microsoft.com/office/drawing/2014/main" id="{8B0A8158-2D8B-4562-A288-C8018E2471FB}"/>
-              </a:ext>
-            </a:extLst>
-          </p:cNvPr>
-          <p:cNvCxnSpPr>
-            <a:cxnSpLocks/>
-            <a:endCxn id="54" idx="2"/>
-          </p:cNvCxnSpPr>
-          <p:nvPr/>
-        </p:nvCxnSpPr>
-        <p:spPr>
-          <a:xfrm>
-            <a:off x="2571750" y="3154022"/>
-            <a:ext cx="672602" cy="0"/>
-          </a:xfrm>
-          <a:prstGeom prst="line">
-            <a:avLst/>
-          </a:prstGeom>
-          <a:ln w="19050" cap="flat" cmpd="sng" algn="ctr">
+        </p:grpSpPr>
+        <p:pic>
+          <p:nvPicPr>
+            <p:cNvPr id="3" name="图片 2">
+              <a:extLst>
+                <a:ext uri="{FF2B5EF4-FFF2-40B4-BE49-F238E27FC236}">
+                  <a16:creationId xmlns:a16="http://schemas.microsoft.com/office/drawing/2014/main" id="{CC8068C3-961A-4435-8C2A-5B6DDD624A45}"/>
+                </a:ext>
+              </a:extLst>
+            </p:cNvPr>
+            <p:cNvPicPr>
+              <a:picLocks noChangeAspect="1"/>
+            </p:cNvPicPr>
+            <p:nvPr/>
+          </p:nvPicPr>
+          <p:blipFill>
+            <a:blip r:embed="rId3">
+              <a:extLst>
+                <a:ext uri="{28A0092B-C50C-407E-A947-70E740481C1C}">
+                  <a14:useLocalDpi xmlns:a14="http://schemas.microsoft.com/office/drawing/2010/main" val="0"/>
+                </a:ext>
+              </a:extLst>
+            </a:blip>
+            <a:stretch>
+              <a:fillRect/>
+            </a:stretch>
+          </p:blipFill>
+          <p:spPr>
+            <a:xfrm>
+              <a:off x="2713560" y="305512"/>
+              <a:ext cx="5962728" cy="4472045"/>
+            </a:xfrm>
+            <a:prstGeom prst="rect">
+              <a:avLst/>
+            </a:prstGeom>
+          </p:spPr>
+        </p:pic>
+        <p:cxnSp>
+          <p:nvCxnSpPr>
+            <p:cNvPr id="35" name="直接连接符 34">
+              <a:extLst>
+                <a:ext uri="{FF2B5EF4-FFF2-40B4-BE49-F238E27FC236}">
+                  <a16:creationId xmlns:a16="http://schemas.microsoft.com/office/drawing/2014/main" id="{8B0A8158-2D8B-4562-A288-C8018E2471FB}"/>
+                </a:ext>
+              </a:extLst>
+            </p:cNvPr>
+            <p:cNvCxnSpPr>
+              <a:cxnSpLocks/>
+              <a:endCxn id="54" idx="2"/>
+            </p:cNvCxnSpPr>
+            <p:nvPr/>
+          </p:nvCxnSpPr>
+          <p:spPr>
+            <a:xfrm>
+              <a:off x="2571750" y="3154022"/>
+              <a:ext cx="672602" cy="0"/>
+            </a:xfrm>
+            <a:prstGeom prst="line">
+              <a:avLst/>
+            </a:prstGeom>
+            <a:ln w="19050" cap="flat" cmpd="sng" algn="ctr">
+              <a:solidFill>
+                <a:schemeClr val="accent1"/>
+              </a:solidFill>
+              <a:prstDash val="dash"/>
+              <a:round/>
+              <a:headEnd type="none" w="med" len="med"/>
+              <a:tailEnd type="none" w="med" len="med"/>
+            </a:ln>
+          </p:spPr>
+          <p:style>
+            <a:lnRef idx="0">
+              <a:scrgbClr r="0" g="0" b="0"/>
+            </a:lnRef>
+            <a:fillRef idx="0">
+              <a:scrgbClr r="0" g="0" b="0"/>
+            </a:fillRef>
+            <a:effectRef idx="0">
+              <a:scrgbClr r="0" g="0" b="0"/>
+            </a:effectRef>
+            <a:fontRef idx="minor">
+              <a:schemeClr val="tx1"/>
+            </a:fontRef>
+          </p:style>
+        </p:cxnSp>
+        <p:cxnSp>
+          <p:nvCxnSpPr>
+            <p:cNvPr id="74" name="直接连接符 73">
+              <a:extLst>
+                <a:ext uri="{FF2B5EF4-FFF2-40B4-BE49-F238E27FC236}">
+                  <a16:creationId xmlns:a16="http://schemas.microsoft.com/office/drawing/2014/main" id="{DF493CA5-D42C-44C9-B08E-675AB419F2DC}"/>
+                </a:ext>
+              </a:extLst>
+            </p:cNvPr>
+            <p:cNvCxnSpPr>
+              <a:cxnSpLocks/>
+            </p:cNvCxnSpPr>
+            <p:nvPr/>
+          </p:nvCxnSpPr>
+          <p:spPr>
+            <a:xfrm flipH="1" flipV="1">
+              <a:off x="6569414" y="3958039"/>
+              <a:ext cx="5040" cy="563161"/>
+            </a:xfrm>
+            <a:prstGeom prst="line">
+              <a:avLst/>
+            </a:prstGeom>
+            <a:ln w="19050">
+              <a:solidFill>
+                <a:schemeClr val="accent1"/>
+              </a:solidFill>
+              <a:prstDash val="dash"/>
+            </a:ln>
+          </p:spPr>
+          <p:style>
+            <a:lnRef idx="1">
+              <a:schemeClr val="accent1"/>
+            </a:lnRef>
+            <a:fillRef idx="0">
+              <a:schemeClr val="accent1"/>
+            </a:fillRef>
+            <a:effectRef idx="0">
+              <a:schemeClr val="accent1"/>
+            </a:effectRef>
+            <a:fontRef idx="minor">
+              <a:schemeClr val="tx1"/>
+            </a:fontRef>
+          </p:style>
+        </p:cxnSp>
+        <p:cxnSp>
+          <p:nvCxnSpPr>
+            <p:cNvPr id="16" name="直接连接符 15">
+              <a:extLst>
+                <a:ext uri="{FF2B5EF4-FFF2-40B4-BE49-F238E27FC236}">
+                  <a16:creationId xmlns:a16="http://schemas.microsoft.com/office/drawing/2014/main" id="{17CC63B1-5726-45F1-9AB7-723CCAD72AB7}"/>
+                </a:ext>
+              </a:extLst>
+            </p:cNvPr>
+            <p:cNvCxnSpPr>
+              <a:cxnSpLocks/>
+            </p:cNvCxnSpPr>
+            <p:nvPr/>
+          </p:nvCxnSpPr>
+          <p:spPr>
+            <a:xfrm flipV="1">
+              <a:off x="4896752" y="3427705"/>
+              <a:ext cx="0" cy="729351"/>
+            </a:xfrm>
+            <a:prstGeom prst="line">
+              <a:avLst/>
+            </a:prstGeom>
+            <a:ln w="19050" cap="flat" cmpd="sng" algn="ctr">
+              <a:solidFill>
+                <a:schemeClr val="accent1"/>
+              </a:solidFill>
+              <a:prstDash val="dash"/>
+              <a:round/>
+              <a:headEnd type="none" w="med" len="med"/>
+              <a:tailEnd type="none" w="med" len="med"/>
+            </a:ln>
+          </p:spPr>
+          <p:style>
+            <a:lnRef idx="0">
+              <a:scrgbClr r="0" g="0" b="0"/>
+            </a:lnRef>
+            <a:fillRef idx="0">
+              <a:scrgbClr r="0" g="0" b="0"/>
+            </a:fillRef>
+            <a:effectRef idx="0">
+              <a:scrgbClr r="0" g="0" b="0"/>
+            </a:effectRef>
+            <a:fontRef idx="minor">
+              <a:schemeClr val="tx1"/>
+            </a:fontRef>
+          </p:style>
+        </p:cxnSp>
+        <p:cxnSp>
+          <p:nvCxnSpPr>
+            <p:cNvPr id="44" name="直接连接符 43">
+              <a:extLst>
+                <a:ext uri="{FF2B5EF4-FFF2-40B4-BE49-F238E27FC236}">
+                  <a16:creationId xmlns:a16="http://schemas.microsoft.com/office/drawing/2014/main" id="{580F4B0D-5BB4-45C6-AB64-D08BE9F6014B}"/>
+                </a:ext>
+              </a:extLst>
+            </p:cNvPr>
+            <p:cNvCxnSpPr>
+              <a:cxnSpLocks/>
+            </p:cNvCxnSpPr>
+            <p:nvPr/>
+          </p:nvCxnSpPr>
+          <p:spPr>
+            <a:xfrm flipH="1">
+              <a:off x="2571750" y="1993970"/>
+              <a:ext cx="743181" cy="0"/>
+            </a:xfrm>
+            <a:prstGeom prst="line">
+              <a:avLst/>
+            </a:prstGeom>
+            <a:ln w="19050" cap="flat" cmpd="sng" algn="ctr">
+              <a:solidFill>
+                <a:schemeClr val="accent1"/>
+              </a:solidFill>
+              <a:prstDash val="dash"/>
+              <a:round/>
+              <a:headEnd type="none" w="med" len="med"/>
+              <a:tailEnd type="none" w="med" len="med"/>
+            </a:ln>
+          </p:spPr>
+          <p:style>
+            <a:lnRef idx="0">
+              <a:scrgbClr r="0" g="0" b="0"/>
+            </a:lnRef>
+            <a:fillRef idx="0">
+              <a:scrgbClr r="0" g="0" b="0"/>
+            </a:fillRef>
+            <a:effectRef idx="0">
+              <a:scrgbClr r="0" g="0" b="0"/>
+            </a:effectRef>
+            <a:fontRef idx="minor">
+              <a:schemeClr val="tx1"/>
+            </a:fontRef>
+          </p:style>
+        </p:cxnSp>
+        <p:sp>
+          <p:nvSpPr>
+            <p:cNvPr id="46" name="椭圆 45">
+              <a:extLst>
+                <a:ext uri="{FF2B5EF4-FFF2-40B4-BE49-F238E27FC236}">
+                  <a16:creationId xmlns:a16="http://schemas.microsoft.com/office/drawing/2014/main" id="{DCABCD7B-4EDD-4475-AFA7-40FA01F45B70}"/>
+                </a:ext>
+              </a:extLst>
+            </p:cNvPr>
+            <p:cNvSpPr>
+              <a:spLocks noChangeAspect="1"/>
+            </p:cNvSpPr>
+            <p:nvPr/>
+          </p:nvSpPr>
+          <p:spPr>
+            <a:xfrm rot="5400000">
+              <a:off x="3309991" y="1942753"/>
+              <a:ext cx="88713" cy="88713"/>
+            </a:xfrm>
+            <a:prstGeom prst="ellipse">
+              <a:avLst/>
+            </a:prstGeom>
             <a:solidFill>
+              <a:srgbClr val="FFC000"/>
+            </a:solidFill>
+            <a:ln w="25400">
+              <a:solidFill>
+                <a:schemeClr val="bg1"/>
+              </a:solidFill>
+            </a:ln>
+          </p:spPr>
+          <p:style>
+            <a:lnRef idx="2">
+              <a:schemeClr val="accent1">
+                <a:shade val="50000"/>
+              </a:schemeClr>
+            </a:lnRef>
+            <a:fillRef idx="1">
               <a:schemeClr val="accent1"/>
+            </a:fillRef>
+            <a:effectRef idx="0">
+              <a:schemeClr val="accent1"/>
+            </a:effectRef>
+            <a:fontRef idx="minor">
+              <a:schemeClr val="lt1"/>
+            </a:fontRef>
+          </p:style>
+          <p:txBody>
+            <a:bodyPr rtlCol="0" anchor="ctr"/>
+            <a:lstStyle/>
+            <a:p>
+              <a:pPr algn="ctr"/>
+              <a:endParaRPr lang="en-US">
+                <a:cs typeface="+mn-ea"/>
+              </a:endParaRPr>
+            </a:p>
+          </p:txBody>
+        </p:sp>
+        <p:cxnSp>
+          <p:nvCxnSpPr>
+            <p:cNvPr id="84" name="直接连接符 83">
+              <a:extLst>
+                <a:ext uri="{FF2B5EF4-FFF2-40B4-BE49-F238E27FC236}">
+                  <a16:creationId xmlns:a16="http://schemas.microsoft.com/office/drawing/2014/main" id="{FF9BF7C0-5F91-4419-9578-99F1C6C6F177}"/>
+                </a:ext>
+              </a:extLst>
+            </p:cNvPr>
+            <p:cNvCxnSpPr>
+              <a:cxnSpLocks/>
+            </p:cNvCxnSpPr>
+            <p:nvPr/>
+          </p:nvCxnSpPr>
+          <p:spPr>
+            <a:xfrm flipV="1">
+              <a:off x="6586431" y="517236"/>
+              <a:ext cx="8371" cy="690136"/>
+            </a:xfrm>
+            <a:prstGeom prst="line">
+              <a:avLst/>
+            </a:prstGeom>
+            <a:ln w="19050">
+              <a:solidFill>
+                <a:schemeClr val="accent1"/>
+              </a:solidFill>
+              <a:prstDash val="dash"/>
+            </a:ln>
+          </p:spPr>
+          <p:style>
+            <a:lnRef idx="1">
+              <a:schemeClr val="accent1"/>
+            </a:lnRef>
+            <a:fillRef idx="0">
+              <a:schemeClr val="accent1"/>
+            </a:fillRef>
+            <a:effectRef idx="0">
+              <a:schemeClr val="accent1"/>
+            </a:effectRef>
+            <a:fontRef idx="minor">
+              <a:schemeClr val="tx1"/>
+            </a:fontRef>
+          </p:style>
+        </p:cxnSp>
+        <p:sp>
+          <p:nvSpPr>
+            <p:cNvPr id="49" name="椭圆 48">
+              <a:extLst>
+                <a:ext uri="{FF2B5EF4-FFF2-40B4-BE49-F238E27FC236}">
+                  <a16:creationId xmlns:a16="http://schemas.microsoft.com/office/drawing/2014/main" id="{C873AD68-F5C1-4143-958D-A2CDA2F2D695}"/>
+                </a:ext>
+              </a:extLst>
+            </p:cNvPr>
+            <p:cNvSpPr>
+              <a:spLocks noChangeAspect="1"/>
+            </p:cNvSpPr>
+            <p:nvPr/>
+          </p:nvSpPr>
+          <p:spPr>
+            <a:xfrm>
+              <a:off x="6544965" y="1107444"/>
+              <a:ext cx="99675" cy="99675"/>
+            </a:xfrm>
+            <a:prstGeom prst="ellipse">
+              <a:avLst/>
+            </a:prstGeom>
+            <a:solidFill>
+              <a:srgbClr val="FFC000"/>
             </a:solidFill>
-            <a:prstDash val="dash"/>
-            <a:round/>
-            <a:headEnd type="none" w="med" len="med"/>
-            <a:tailEnd type="none" w="med" len="med"/>
-          </a:ln>
-        </p:spPr>
-        <p:style>
-          <a:lnRef idx="0">
-            <a:scrgbClr r="0" g="0" b="0"/>
-          </a:lnRef>
-          <a:fillRef idx="0">
-            <a:scrgbClr r="0" g="0" b="0"/>
-          </a:fillRef>
-          <a:effectRef idx="0">
-            <a:scrgbClr r="0" g="0" b="0"/>
-          </a:effectRef>
-          <a:fontRef idx="minor">
-            <a:schemeClr val="tx1"/>
-          </a:fontRef>
-        </p:style>
-      </p:cxnSp>
-      <p:cxnSp>
-        <p:nvCxnSpPr>
-          <p:cNvPr id="74" name="直接连接符 73">
-            <a:extLst>
-              <a:ext uri="{FF2B5EF4-FFF2-40B4-BE49-F238E27FC236}">
-                <a16:creationId xmlns:a16="http://schemas.microsoft.com/office/drawing/2014/main" id="{DF493CA5-D42C-44C9-B08E-675AB419F2DC}"/>
-              </a:ext>
-            </a:extLst>
-          </p:cNvPr>
-          <p:cNvCxnSpPr>
-            <a:cxnSpLocks/>
-          </p:cNvCxnSpPr>
-          <p:nvPr/>
-        </p:nvCxnSpPr>
-        <p:spPr>
-          <a:xfrm flipH="1" flipV="1">
-            <a:off x="6569414" y="3958039"/>
-            <a:ext cx="5040" cy="563161"/>
-          </a:xfrm>
-          <a:prstGeom prst="line">
-            <a:avLst/>
-          </a:prstGeom>
-          <a:ln w="19050">
+            <a:ln w="25400">
+              <a:solidFill>
+                <a:schemeClr val="bg1"/>
+              </a:solidFill>
+            </a:ln>
+          </p:spPr>
+          <p:style>
+            <a:lnRef idx="2">
+              <a:schemeClr val="accent1">
+                <a:shade val="50000"/>
+              </a:schemeClr>
+            </a:lnRef>
+            <a:fillRef idx="1">
+              <a:schemeClr val="accent1"/>
+            </a:fillRef>
+            <a:effectRef idx="0">
+              <a:schemeClr val="accent1"/>
+            </a:effectRef>
+            <a:fontRef idx="minor">
+              <a:schemeClr val="lt1"/>
+            </a:fontRef>
+          </p:style>
+          <p:txBody>
+            <a:bodyPr rtlCol="0" anchor="ctr"/>
+            <a:lstStyle/>
+            <a:p>
+              <a:pPr algn="ctr"/>
+              <a:endParaRPr lang="en-US">
+                <a:cs typeface="+mn-ea"/>
+              </a:endParaRPr>
+            </a:p>
+          </p:txBody>
+        </p:sp>
+        <p:sp>
+          <p:nvSpPr>
+            <p:cNvPr id="52" name="椭圆 51">
+              <a:extLst>
+                <a:ext uri="{FF2B5EF4-FFF2-40B4-BE49-F238E27FC236}">
+                  <a16:creationId xmlns:a16="http://schemas.microsoft.com/office/drawing/2014/main" id="{54BA1351-1F08-4518-8FEF-DB30F47360DD}"/>
+                </a:ext>
+              </a:extLst>
+            </p:cNvPr>
+            <p:cNvSpPr>
+              <a:spLocks noChangeAspect="1"/>
+            </p:cNvSpPr>
+            <p:nvPr/>
+          </p:nvSpPr>
+          <p:spPr>
+            <a:xfrm>
+              <a:off x="4847625" y="3334767"/>
+              <a:ext cx="99675" cy="99675"/>
+            </a:xfrm>
+            <a:prstGeom prst="ellipse">
+              <a:avLst/>
+            </a:prstGeom>
             <a:solidFill>
+              <a:srgbClr val="FFC000"/>
+            </a:solidFill>
+            <a:ln w="25400">
+              <a:solidFill>
+                <a:schemeClr val="bg1"/>
+              </a:solidFill>
+            </a:ln>
+          </p:spPr>
+          <p:style>
+            <a:lnRef idx="2">
+              <a:schemeClr val="accent1">
+                <a:shade val="50000"/>
+              </a:schemeClr>
+            </a:lnRef>
+            <a:fillRef idx="1">
               <a:schemeClr val="accent1"/>
+            </a:fillRef>
+            <a:effectRef idx="0">
+              <a:schemeClr val="accent1"/>
+            </a:effectRef>
+            <a:fontRef idx="minor">
+              <a:schemeClr val="lt1"/>
+            </a:fontRef>
+          </p:style>
+          <p:txBody>
+            <a:bodyPr rtlCol="0" anchor="ctr"/>
+            <a:lstStyle/>
+            <a:p>
+              <a:pPr algn="ctr"/>
+              <a:endParaRPr lang="en-US">
+                <a:cs typeface="+mn-ea"/>
+              </a:endParaRPr>
+            </a:p>
+          </p:txBody>
+        </p:sp>
+        <p:sp>
+          <p:nvSpPr>
+            <p:cNvPr id="54" name="椭圆 53">
+              <a:extLst>
+                <a:ext uri="{FF2B5EF4-FFF2-40B4-BE49-F238E27FC236}">
+                  <a16:creationId xmlns:a16="http://schemas.microsoft.com/office/drawing/2014/main" id="{A6650E4C-3573-46B8-A815-AE2E2CB8DBF5}"/>
+                </a:ext>
+              </a:extLst>
+            </p:cNvPr>
+            <p:cNvSpPr>
+              <a:spLocks noChangeAspect="1"/>
+            </p:cNvSpPr>
+            <p:nvPr/>
+          </p:nvSpPr>
+          <p:spPr>
+            <a:xfrm>
+              <a:off x="3244352" y="3104184"/>
+              <a:ext cx="99675" cy="99675"/>
+            </a:xfrm>
+            <a:prstGeom prst="ellipse">
+              <a:avLst/>
+            </a:prstGeom>
+            <a:solidFill>
+              <a:srgbClr val="FFC000"/>
             </a:solidFill>
-            <a:prstDash val="dash"/>
-          </a:ln>
-        </p:spPr>
-        <p:style>
-          <a:lnRef idx="1">
-            <a:schemeClr val="accent1"/>
-          </a:lnRef>
-          <a:fillRef idx="0">
-            <a:schemeClr val="accent1"/>
-          </a:fillRef>
-          <a:effectRef idx="0">
-            <a:schemeClr val="accent1"/>
-          </a:effectRef>
-          <a:fontRef idx="minor">
-            <a:schemeClr val="tx1"/>
-          </a:fontRef>
-        </p:style>
-      </p:cxnSp>
-      <p:cxnSp>
-        <p:nvCxnSpPr>
-          <p:cNvPr id="16" name="直接连接符 15">
-            <a:extLst>
-              <a:ext uri="{FF2B5EF4-FFF2-40B4-BE49-F238E27FC236}">
-                <a16:creationId xmlns:a16="http://schemas.microsoft.com/office/drawing/2014/main" id="{17CC63B1-5726-45F1-9AB7-723CCAD72AB7}"/>
-              </a:ext>
-            </a:extLst>
-          </p:cNvPr>
-          <p:cNvCxnSpPr>
-            <a:cxnSpLocks/>
-          </p:cNvCxnSpPr>
-          <p:nvPr/>
-        </p:nvCxnSpPr>
-        <p:spPr>
-          <a:xfrm flipV="1">
-            <a:off x="4896752" y="3427705"/>
-            <a:ext cx="0" cy="729351"/>
-          </a:xfrm>
-          <a:prstGeom prst="line">
-            <a:avLst/>
-          </a:prstGeom>
-          <a:ln w="19050" cap="flat" cmpd="sng" algn="ctr">
+            <a:ln w="25400">
+              <a:solidFill>
+                <a:schemeClr val="bg1"/>
+              </a:solidFill>
+            </a:ln>
+          </p:spPr>
+          <p:style>
+            <a:lnRef idx="2">
+              <a:schemeClr val="accent1">
+                <a:shade val="50000"/>
+              </a:schemeClr>
+            </a:lnRef>
+            <a:fillRef idx="1">
+              <a:schemeClr val="accent1"/>
+            </a:fillRef>
+            <a:effectRef idx="0">
+              <a:schemeClr val="accent1"/>
+            </a:effectRef>
+            <a:fontRef idx="minor">
+              <a:schemeClr val="lt1"/>
+            </a:fontRef>
+          </p:style>
+          <p:txBody>
+            <a:bodyPr rtlCol="0" anchor="ctr"/>
+            <a:lstStyle/>
+            <a:p>
+              <a:pPr algn="ctr"/>
+              <a:endParaRPr lang="en-US">
+                <a:cs typeface="+mn-ea"/>
+              </a:endParaRPr>
+            </a:p>
+          </p:txBody>
+        </p:sp>
+        <p:sp>
+          <p:nvSpPr>
+            <p:cNvPr id="56" name="椭圆 55">
+              <a:extLst>
+                <a:ext uri="{FF2B5EF4-FFF2-40B4-BE49-F238E27FC236}">
+                  <a16:creationId xmlns:a16="http://schemas.microsoft.com/office/drawing/2014/main" id="{8ACCA669-17FB-47B4-B942-046F12810037}"/>
+                </a:ext>
+              </a:extLst>
+            </p:cNvPr>
+            <p:cNvSpPr>
+              <a:spLocks noChangeAspect="1"/>
+            </p:cNvSpPr>
+            <p:nvPr/>
+          </p:nvSpPr>
+          <p:spPr>
+            <a:xfrm>
+              <a:off x="6524617" y="3860957"/>
+              <a:ext cx="99675" cy="99675"/>
+            </a:xfrm>
+            <a:prstGeom prst="ellipse">
+              <a:avLst/>
+            </a:prstGeom>
             <a:solidFill>
+              <a:srgbClr val="FFC000"/>
+            </a:solidFill>
+            <a:ln w="25400">
+              <a:solidFill>
+                <a:schemeClr val="bg1"/>
+              </a:solidFill>
+            </a:ln>
+          </p:spPr>
+          <p:style>
+            <a:lnRef idx="2">
+              <a:schemeClr val="accent1">
+                <a:shade val="50000"/>
+              </a:schemeClr>
+            </a:lnRef>
+            <a:fillRef idx="1">
               <a:schemeClr val="accent1"/>
-            </a:solidFill>
-            <a:prstDash val="dash"/>
-            <a:round/>
-            <a:headEnd type="none" w="med" len="med"/>
-            <a:tailEnd type="none" w="med" len="med"/>
-          </a:ln>
-        </p:spPr>
-        <p:style>
-          <a:lnRef idx="0">
-            <a:scrgbClr r="0" g="0" b="0"/>
-          </a:lnRef>
-          <a:fillRef idx="0">
-            <a:scrgbClr r="0" g="0" b="0"/>
-          </a:fillRef>
-          <a:effectRef idx="0">
-            <a:scrgbClr r="0" g="0" b="0"/>
-          </a:effectRef>
-          <a:fontRef idx="minor">
-            <a:schemeClr val="tx1"/>
-          </a:fontRef>
-        </p:style>
-      </p:cxnSp>
-      <p:cxnSp>
-        <p:nvCxnSpPr>
-          <p:cNvPr id="44" name="直接连接符 43">
-            <a:extLst>
-              <a:ext uri="{FF2B5EF4-FFF2-40B4-BE49-F238E27FC236}">
-                <a16:creationId xmlns:a16="http://schemas.microsoft.com/office/drawing/2014/main" id="{580F4B0D-5BB4-45C6-AB64-D08BE9F6014B}"/>
-              </a:ext>
-            </a:extLst>
-          </p:cNvPr>
-          <p:cNvCxnSpPr>
-            <a:cxnSpLocks/>
-          </p:cNvCxnSpPr>
-          <p:nvPr/>
-        </p:nvCxnSpPr>
-        <p:spPr>
-          <a:xfrm flipH="1">
-            <a:off x="2571750" y="1993970"/>
-            <a:ext cx="743181" cy="0"/>
-          </a:xfrm>
-          <a:prstGeom prst="line">
-            <a:avLst/>
-          </a:prstGeom>
-          <a:ln w="19050" cap="flat" cmpd="sng" algn="ctr">
-            <a:solidFill>
+            </a:fillRef>
+            <a:effectRef idx="0">
               <a:schemeClr val="accent1"/>
-            </a:solidFill>
-            <a:prstDash val="dash"/>
-            <a:round/>
-            <a:headEnd type="none" w="med" len="med"/>
-            <a:tailEnd type="none" w="med" len="med"/>
-          </a:ln>
-        </p:spPr>
-        <p:style>
-          <a:lnRef idx="0">
-            <a:scrgbClr r="0" g="0" b="0"/>
-          </a:lnRef>
-          <a:fillRef idx="0">
-            <a:scrgbClr r="0" g="0" b="0"/>
-          </a:fillRef>
-          <a:effectRef idx="0">
-            <a:scrgbClr r="0" g="0" b="0"/>
-          </a:effectRef>
-          <a:fontRef idx="minor">
-            <a:schemeClr val="tx1"/>
-          </a:fontRef>
-        </p:style>
-      </p:cxnSp>
-      <p:sp>
-        <p:nvSpPr>
-          <p:cNvPr id="46" name="椭圆 45">
-            <a:extLst>
-              <a:ext uri="{FF2B5EF4-FFF2-40B4-BE49-F238E27FC236}">
-                <a16:creationId xmlns:a16="http://schemas.microsoft.com/office/drawing/2014/main" id="{DCABCD7B-4EDD-4475-AFA7-40FA01F45B70}"/>
-              </a:ext>
-            </a:extLst>
-          </p:cNvPr>
-          <p:cNvSpPr>
-            <a:spLocks noChangeAspect="1"/>
-          </p:cNvSpPr>
-          <p:nvPr/>
-        </p:nvSpPr>
-        <p:spPr>
-          <a:xfrm rot="5400000">
-            <a:off x="3309991" y="1942753"/>
-            <a:ext cx="88713" cy="88713"/>
-          </a:xfrm>
-          <a:prstGeom prst="ellipse">
-            <a:avLst/>
-          </a:prstGeom>
-          <a:solidFill>
-            <a:srgbClr val="FFC000"/>
-          </a:solidFill>
-          <a:ln w="25400">
-            <a:solidFill>
-              <a:schemeClr val="bg1"/>
-            </a:solidFill>
-          </a:ln>
-        </p:spPr>
-        <p:style>
-          <a:lnRef idx="2">
-            <a:schemeClr val="accent1">
-              <a:shade val="50000"/>
-            </a:schemeClr>
-          </a:lnRef>
-          <a:fillRef idx="1">
-            <a:schemeClr val="accent1"/>
-          </a:fillRef>
-          <a:effectRef idx="0">
-            <a:schemeClr val="accent1"/>
-          </a:effectRef>
-          <a:fontRef idx="minor">
-            <a:schemeClr val="lt1"/>
-          </a:fontRef>
-        </p:style>
-        <p:txBody>
-          <a:bodyPr rtlCol="0" anchor="ctr"/>
-          <a:lstStyle/>
-          <a:p>
-            <a:pPr algn="ctr"/>
-            <a:endParaRPr lang="en-US">
-              <a:cs typeface="+mn-ea"/>
-            </a:endParaRPr>
-          </a:p>
-        </p:txBody>
-      </p:sp>
-      <p:cxnSp>
-        <p:nvCxnSpPr>
-          <p:cNvPr id="84" name="直接连接符 83">
-            <a:extLst>
-              <a:ext uri="{FF2B5EF4-FFF2-40B4-BE49-F238E27FC236}">
-                <a16:creationId xmlns:a16="http://schemas.microsoft.com/office/drawing/2014/main" id="{FF9BF7C0-5F91-4419-9578-99F1C6C6F177}"/>
-              </a:ext>
-            </a:extLst>
-          </p:cNvPr>
-          <p:cNvCxnSpPr>
-            <a:cxnSpLocks/>
-          </p:cNvCxnSpPr>
-          <p:nvPr/>
-        </p:nvCxnSpPr>
-        <p:spPr>
-          <a:xfrm flipV="1">
-            <a:off x="6586431" y="517236"/>
-            <a:ext cx="8371" cy="690136"/>
-          </a:xfrm>
-          <a:prstGeom prst="line">
-            <a:avLst/>
-          </a:prstGeom>
-          <a:ln w="19050">
-            <a:solidFill>
-              <a:schemeClr val="accent1"/>
-            </a:solidFill>
-            <a:prstDash val="dash"/>
-          </a:ln>
-        </p:spPr>
-        <p:style>
-          <a:lnRef idx="1">
-            <a:schemeClr val="accent1"/>
-          </a:lnRef>
-          <a:fillRef idx="0">
-            <a:schemeClr val="accent1"/>
-          </a:fillRef>
-          <a:effectRef idx="0">
-            <a:schemeClr val="accent1"/>
-          </a:effectRef>
-          <a:fontRef idx="minor">
-            <a:schemeClr val="tx1"/>
-          </a:fontRef>
-        </p:style>
-      </p:cxnSp>
-      <p:sp>
-        <p:nvSpPr>
-          <p:cNvPr id="49" name="椭圆 48">
-            <a:extLst>
-              <a:ext uri="{FF2B5EF4-FFF2-40B4-BE49-F238E27FC236}">
-                <a16:creationId xmlns:a16="http://schemas.microsoft.com/office/drawing/2014/main" id="{C873AD68-F5C1-4143-958D-A2CDA2F2D695}"/>
-              </a:ext>
-            </a:extLst>
-          </p:cNvPr>
-          <p:cNvSpPr>
-            <a:spLocks noChangeAspect="1"/>
-          </p:cNvSpPr>
-          <p:nvPr/>
-        </p:nvSpPr>
-        <p:spPr>
-          <a:xfrm>
-            <a:off x="6544965" y="1107444"/>
-            <a:ext cx="99675" cy="99675"/>
-          </a:xfrm>
-          <a:prstGeom prst="ellipse">
-            <a:avLst/>
-          </a:prstGeom>
-          <a:solidFill>
-            <a:srgbClr val="FFC000"/>
-          </a:solidFill>
-          <a:ln w="25400">
-            <a:solidFill>
-              <a:schemeClr val="bg1"/>
-            </a:solidFill>
-          </a:ln>
-        </p:spPr>
-        <p:style>
-          <a:lnRef idx="2">
-            <a:schemeClr val="accent1">
-              <a:shade val="50000"/>
-            </a:schemeClr>
-          </a:lnRef>
-          <a:fillRef idx="1">
-            <a:schemeClr val="accent1"/>
-          </a:fillRef>
-          <a:effectRef idx="0">
-            <a:schemeClr val="accent1"/>
-          </a:effectRef>
-          <a:fontRef idx="minor">
-            <a:schemeClr val="lt1"/>
-          </a:fontRef>
-        </p:style>
-        <p:txBody>
-          <a:bodyPr rtlCol="0" anchor="ctr"/>
-          <a:lstStyle/>
-          <a:p>
-            <a:pPr algn="ctr"/>
-            <a:endParaRPr lang="en-US">
-              <a:cs typeface="+mn-ea"/>
-            </a:endParaRPr>
-          </a:p>
-        </p:txBody>
-      </p:sp>
-      <p:sp>
-        <p:nvSpPr>
-          <p:cNvPr id="52" name="椭圆 51">
-            <a:extLst>
-              <a:ext uri="{FF2B5EF4-FFF2-40B4-BE49-F238E27FC236}">
-                <a16:creationId xmlns:a16="http://schemas.microsoft.com/office/drawing/2014/main" id="{54BA1351-1F08-4518-8FEF-DB30F47360DD}"/>
-              </a:ext>
-            </a:extLst>
-          </p:cNvPr>
-          <p:cNvSpPr>
-            <a:spLocks noChangeAspect="1"/>
-          </p:cNvSpPr>
-          <p:nvPr/>
-        </p:nvSpPr>
-        <p:spPr>
-          <a:xfrm>
-            <a:off x="4847625" y="3334767"/>
-            <a:ext cx="99675" cy="99675"/>
-          </a:xfrm>
-          <a:prstGeom prst="ellipse">
-            <a:avLst/>
-          </a:prstGeom>
-          <a:solidFill>
-            <a:srgbClr val="FFC000"/>
-          </a:solidFill>
-          <a:ln w="25400">
-            <a:solidFill>
-              <a:schemeClr val="bg1"/>
-            </a:solidFill>
-          </a:ln>
-        </p:spPr>
-        <p:style>
-          <a:lnRef idx="2">
-            <a:schemeClr val="accent1">
-              <a:shade val="50000"/>
-            </a:schemeClr>
-          </a:lnRef>
-          <a:fillRef idx="1">
-            <a:schemeClr val="accent1"/>
-          </a:fillRef>
-          <a:effectRef idx="0">
-            <a:schemeClr val="accent1"/>
-          </a:effectRef>
-          <a:fontRef idx="minor">
-            <a:schemeClr val="lt1"/>
-          </a:fontRef>
-        </p:style>
-        <p:txBody>
-          <a:bodyPr rtlCol="0" anchor="ctr"/>
-          <a:lstStyle/>
-          <a:p>
-            <a:pPr algn="ctr"/>
-            <a:endParaRPr lang="en-US">
-              <a:cs typeface="+mn-ea"/>
-            </a:endParaRPr>
-          </a:p>
-        </p:txBody>
-      </p:sp>
-      <p:sp>
-        <p:nvSpPr>
-          <p:cNvPr id="54" name="椭圆 53">
-            <a:extLst>
-              <a:ext uri="{FF2B5EF4-FFF2-40B4-BE49-F238E27FC236}">
-                <a16:creationId xmlns:a16="http://schemas.microsoft.com/office/drawing/2014/main" id="{A6650E4C-3573-46B8-A815-AE2E2CB8DBF5}"/>
-              </a:ext>
-            </a:extLst>
-          </p:cNvPr>
-          <p:cNvSpPr>
-            <a:spLocks noChangeAspect="1"/>
-          </p:cNvSpPr>
-          <p:nvPr/>
-        </p:nvSpPr>
-        <p:spPr>
-          <a:xfrm>
-            <a:off x="3244352" y="3104184"/>
-            <a:ext cx="99675" cy="99675"/>
-          </a:xfrm>
-          <a:prstGeom prst="ellipse">
-            <a:avLst/>
-          </a:prstGeom>
-          <a:solidFill>
-            <a:srgbClr val="FFC000"/>
-          </a:solidFill>
-          <a:ln w="25400">
-            <a:solidFill>
-              <a:schemeClr val="bg1"/>
-            </a:solidFill>
-          </a:ln>
-        </p:spPr>
-        <p:style>
-          <a:lnRef idx="2">
-            <a:schemeClr val="accent1">
-              <a:shade val="50000"/>
-            </a:schemeClr>
-          </a:lnRef>
-          <a:fillRef idx="1">
-            <a:schemeClr val="accent1"/>
-          </a:fillRef>
-          <a:effectRef idx="0">
-            <a:schemeClr val="accent1"/>
-          </a:effectRef>
-          <a:fontRef idx="minor">
-            <a:schemeClr val="lt1"/>
-          </a:fontRef>
-        </p:style>
-        <p:txBody>
-          <a:bodyPr rtlCol="0" anchor="ctr"/>
-          <a:lstStyle/>
-          <a:p>
-            <a:pPr algn="ctr"/>
-            <a:endParaRPr lang="en-US">
-              <a:cs typeface="+mn-ea"/>
-            </a:endParaRPr>
-          </a:p>
-        </p:txBody>
-      </p:sp>
-      <p:sp>
-        <p:nvSpPr>
-          <p:cNvPr id="56" name="椭圆 55">
-            <a:extLst>
-              <a:ext uri="{FF2B5EF4-FFF2-40B4-BE49-F238E27FC236}">
-                <a16:creationId xmlns:a16="http://schemas.microsoft.com/office/drawing/2014/main" id="{8ACCA669-17FB-47B4-B942-046F12810037}"/>
-              </a:ext>
-            </a:extLst>
-          </p:cNvPr>
-          <p:cNvSpPr>
-            <a:spLocks noChangeAspect="1"/>
-          </p:cNvSpPr>
-          <p:nvPr/>
-        </p:nvSpPr>
-        <p:spPr>
-          <a:xfrm>
-            <a:off x="6524617" y="3860957"/>
-            <a:ext cx="99675" cy="99675"/>
-          </a:xfrm>
-          <a:prstGeom prst="ellipse">
-            <a:avLst/>
-          </a:prstGeom>
-          <a:solidFill>
-            <a:srgbClr val="FFC000"/>
-          </a:solidFill>
-          <a:ln w="25400">
-            <a:solidFill>
-              <a:schemeClr val="bg1"/>
-            </a:solidFill>
-          </a:ln>
-        </p:spPr>
-        <p:style>
-          <a:lnRef idx="2">
-            <a:schemeClr val="accent1">
-              <a:shade val="50000"/>
-            </a:schemeClr>
-          </a:lnRef>
-          <a:fillRef idx="1">
-            <a:schemeClr val="accent1"/>
-          </a:fillRef>
-          <a:effectRef idx="0">
-            <a:schemeClr val="accent1"/>
-          </a:effectRef>
-          <a:fontRef idx="minor">
-            <a:schemeClr val="lt1"/>
-          </a:fontRef>
-        </p:style>
-        <p:txBody>
-          <a:bodyPr rtlCol="0" anchor="ctr"/>
-          <a:lstStyle/>
-          <a:p>
-            <a:pPr algn="ctr"/>
-            <a:endParaRPr lang="en-US">
-              <a:cs typeface="+mn-ea"/>
-            </a:endParaRPr>
-          </a:p>
-        </p:txBody>
-      </p:sp>
-      <p:sp>
-        <p:nvSpPr>
-          <p:cNvPr id="30" name="文本框 29">
-            <a:extLst>
-              <a:ext uri="{FF2B5EF4-FFF2-40B4-BE49-F238E27FC236}">
-                <a16:creationId xmlns:a16="http://schemas.microsoft.com/office/drawing/2014/main" id="{6F53EAE7-BBE2-440F-96AC-DC2DA9FA7431}"/>
-              </a:ext>
-            </a:extLst>
-          </p:cNvPr>
-          <p:cNvSpPr txBox="1"/>
-          <p:nvPr/>
-        </p:nvSpPr>
-        <p:spPr>
-          <a:xfrm>
-            <a:off x="2121530" y="1506923"/>
-            <a:ext cx="732893" cy="584775"/>
-          </a:xfrm>
-          <a:prstGeom prst="rect">
-            <a:avLst/>
-          </a:prstGeom>
-          <a:noFill/>
-        </p:spPr>
-        <p:txBody>
-          <a:bodyPr wrap="none" rtlCol="0">
-            <a:spAutoFit/>
-          </a:bodyPr>
-          <a:lstStyle/>
-          <a:p>
-            <a:r>
-              <a:rPr lang="en-US" sz="3200" b="1">
-                <a:solidFill>
-                  <a:schemeClr val="accent1"/>
-                </a:solidFill>
-                <a:latin typeface="Arial Black" panose="020B0A04020102020204" pitchFamily="34" charset="0"/>
-                <a:cs typeface="Aharoni" panose="02010803020104030203" pitchFamily="2" charset="-79"/>
-              </a:rPr>
-              <a:t>13</a:t>
-            </a:r>
-          </a:p>
-        </p:txBody>
-      </p:sp>
-      <p:sp>
-        <p:nvSpPr>
-          <p:cNvPr id="86" name="文本框 85">
-            <a:extLst>
-              <a:ext uri="{FF2B5EF4-FFF2-40B4-BE49-F238E27FC236}">
-                <a16:creationId xmlns:a16="http://schemas.microsoft.com/office/drawing/2014/main" id="{8EA621C5-2544-4EA6-AB3A-C9E8F27521FB}"/>
-              </a:ext>
-            </a:extLst>
-          </p:cNvPr>
-          <p:cNvSpPr txBox="1"/>
-          <p:nvPr/>
-        </p:nvSpPr>
-        <p:spPr>
-          <a:xfrm>
-            <a:off x="2120449" y="3101728"/>
-            <a:ext cx="732893" cy="584775"/>
-          </a:xfrm>
-          <a:prstGeom prst="rect">
-            <a:avLst/>
-          </a:prstGeom>
-          <a:noFill/>
-        </p:spPr>
-        <p:txBody>
-          <a:bodyPr wrap="none" rtlCol="0">
-            <a:spAutoFit/>
-          </a:bodyPr>
-          <a:lstStyle/>
-          <a:p>
-            <a:r>
-              <a:rPr lang="en-US" sz="3200" b="1">
-                <a:solidFill>
-                  <a:schemeClr val="accent1"/>
-                </a:solidFill>
-                <a:latin typeface="Arial Black" panose="020B0A04020102020204" pitchFamily="34" charset="0"/>
-                <a:cs typeface="Aharoni" panose="02010803020104030203" pitchFamily="2" charset="-79"/>
-              </a:rPr>
-              <a:t>14</a:t>
-            </a:r>
-          </a:p>
-        </p:txBody>
-      </p:sp>
-      <p:sp>
-        <p:nvSpPr>
-          <p:cNvPr id="87" name="文本框 86">
-            <a:extLst>
-              <a:ext uri="{FF2B5EF4-FFF2-40B4-BE49-F238E27FC236}">
-                <a16:creationId xmlns:a16="http://schemas.microsoft.com/office/drawing/2014/main" id="{841A8BDA-BFC0-4AA3-8B4F-F4A253EC1FC9}"/>
-              </a:ext>
-            </a:extLst>
-          </p:cNvPr>
-          <p:cNvSpPr txBox="1"/>
-          <p:nvPr/>
-        </p:nvSpPr>
-        <p:spPr>
-          <a:xfrm>
-            <a:off x="5890496" y="406594"/>
-            <a:ext cx="732893" cy="584775"/>
-          </a:xfrm>
-          <a:prstGeom prst="rect">
-            <a:avLst/>
-          </a:prstGeom>
-          <a:noFill/>
-        </p:spPr>
-        <p:txBody>
-          <a:bodyPr wrap="none" rtlCol="0">
-            <a:spAutoFit/>
-          </a:bodyPr>
-          <a:lstStyle/>
-          <a:p>
-            <a:r>
-              <a:rPr lang="en-US" sz="3200" b="1">
-                <a:solidFill>
-                  <a:schemeClr val="accent1"/>
-                </a:solidFill>
-                <a:latin typeface="Arial Black" panose="020B0A04020102020204" pitchFamily="34" charset="0"/>
-                <a:cs typeface="Aharoni" panose="02010803020104030203" pitchFamily="2" charset="-79"/>
-              </a:rPr>
-              <a:t>12</a:t>
-            </a:r>
-          </a:p>
-        </p:txBody>
-      </p:sp>
-      <p:sp>
-        <p:nvSpPr>
-          <p:cNvPr id="89" name="文本框 88">
-            <a:extLst>
-              <a:ext uri="{FF2B5EF4-FFF2-40B4-BE49-F238E27FC236}">
-                <a16:creationId xmlns:a16="http://schemas.microsoft.com/office/drawing/2014/main" id="{08A95771-BC7F-43EF-A05D-4270CE0BACDC}"/>
-              </a:ext>
-            </a:extLst>
-          </p:cNvPr>
-          <p:cNvSpPr txBox="1"/>
-          <p:nvPr/>
-        </p:nvSpPr>
-        <p:spPr>
-          <a:xfrm>
-            <a:off x="4648789" y="4076707"/>
-            <a:ext cx="732893" cy="584775"/>
-          </a:xfrm>
-          <a:prstGeom prst="rect">
-            <a:avLst/>
-          </a:prstGeom>
-          <a:noFill/>
-        </p:spPr>
-        <p:txBody>
-          <a:bodyPr wrap="none" rtlCol="0">
-            <a:spAutoFit/>
-          </a:bodyPr>
-          <a:lstStyle/>
-          <a:p>
-            <a:r>
-              <a:rPr lang="en-US" sz="3200" b="1">
-                <a:solidFill>
-                  <a:schemeClr val="accent1"/>
-                </a:solidFill>
-                <a:latin typeface="Arial Black" panose="020B0A04020102020204" pitchFamily="34" charset="0"/>
-                <a:cs typeface="Aharoni" panose="02010803020104030203" pitchFamily="2" charset="-79"/>
-              </a:rPr>
-              <a:t>15</a:t>
-            </a:r>
-          </a:p>
-        </p:txBody>
-      </p:sp>
-      <p:sp>
-        <p:nvSpPr>
-          <p:cNvPr id="93" name="文本框 92">
-            <a:extLst>
-              <a:ext uri="{FF2B5EF4-FFF2-40B4-BE49-F238E27FC236}">
-                <a16:creationId xmlns:a16="http://schemas.microsoft.com/office/drawing/2014/main" id="{745F3EB5-AB27-4D4B-9F5D-A8F2C0829977}"/>
-              </a:ext>
-            </a:extLst>
-          </p:cNvPr>
-          <p:cNvSpPr txBox="1"/>
-          <p:nvPr/>
-        </p:nvSpPr>
-        <p:spPr>
-          <a:xfrm>
-            <a:off x="6538556" y="4076707"/>
-            <a:ext cx="732893" cy="584775"/>
-          </a:xfrm>
-          <a:prstGeom prst="rect">
-            <a:avLst/>
-          </a:prstGeom>
-          <a:noFill/>
-        </p:spPr>
-        <p:txBody>
-          <a:bodyPr wrap="none" rtlCol="0">
-            <a:spAutoFit/>
-          </a:bodyPr>
-          <a:lstStyle/>
-          <a:p>
-            <a:r>
-              <a:rPr lang="en-US" sz="3200" b="1">
-                <a:solidFill>
-                  <a:schemeClr val="accent1"/>
-                </a:solidFill>
-                <a:latin typeface="Arial Black" panose="020B0A04020102020204" pitchFamily="34" charset="0"/>
-                <a:cs typeface="Aharoni" panose="02010803020104030203" pitchFamily="2" charset="-79"/>
-              </a:rPr>
-              <a:t>12</a:t>
-            </a:r>
-          </a:p>
-        </p:txBody>
-      </p:sp>
+            </a:effectRef>
+            <a:fontRef idx="minor">
+              <a:schemeClr val="lt1"/>
+            </a:fontRef>
+          </p:style>
+          <p:txBody>
+            <a:bodyPr rtlCol="0" anchor="ctr"/>
+            <a:lstStyle/>
+            <a:p>
+              <a:pPr algn="ctr"/>
+              <a:endParaRPr lang="en-US">
+                <a:cs typeface="+mn-ea"/>
+              </a:endParaRPr>
+            </a:p>
+          </p:txBody>
+        </p:sp>
+        <p:sp>
+          <p:nvSpPr>
+            <p:cNvPr id="30" name="文本框 29">
+              <a:extLst>
+                <a:ext uri="{FF2B5EF4-FFF2-40B4-BE49-F238E27FC236}">
+                  <a16:creationId xmlns:a16="http://schemas.microsoft.com/office/drawing/2014/main" id="{6F53EAE7-BBE2-440F-96AC-DC2DA9FA7431}"/>
+                </a:ext>
+              </a:extLst>
+            </p:cNvPr>
+            <p:cNvSpPr txBox="1"/>
+            <p:nvPr/>
+          </p:nvSpPr>
+          <p:spPr>
+            <a:xfrm>
+              <a:off x="2121530" y="1506923"/>
+              <a:ext cx="732893" cy="584775"/>
+            </a:xfrm>
+            <a:prstGeom prst="rect">
+              <a:avLst/>
+            </a:prstGeom>
+            <a:noFill/>
+          </p:spPr>
+          <p:txBody>
+            <a:bodyPr wrap="none" rtlCol="0">
+              <a:spAutoFit/>
+            </a:bodyPr>
+            <a:lstStyle/>
+            <a:p>
+              <a:r>
+                <a:rPr lang="en-US" sz="3200" b="1">
+                  <a:solidFill>
+                    <a:schemeClr val="accent1"/>
+                  </a:solidFill>
+                  <a:latin typeface="Arial Black" panose="020B0A04020102020204" pitchFamily="34" charset="0"/>
+                  <a:cs typeface="Aharoni" panose="02010803020104030203" pitchFamily="2" charset="-79"/>
+                </a:rPr>
+                <a:t>13</a:t>
+              </a:r>
+            </a:p>
+          </p:txBody>
+        </p:sp>
+        <p:sp>
+          <p:nvSpPr>
+            <p:cNvPr id="86" name="文本框 85">
+              <a:extLst>
+                <a:ext uri="{FF2B5EF4-FFF2-40B4-BE49-F238E27FC236}">
+                  <a16:creationId xmlns:a16="http://schemas.microsoft.com/office/drawing/2014/main" id="{8EA621C5-2544-4EA6-AB3A-C9E8F27521FB}"/>
+                </a:ext>
+              </a:extLst>
+            </p:cNvPr>
+            <p:cNvSpPr txBox="1"/>
+            <p:nvPr/>
+          </p:nvSpPr>
+          <p:spPr>
+            <a:xfrm>
+              <a:off x="2120449" y="3101728"/>
+              <a:ext cx="732893" cy="584775"/>
+            </a:xfrm>
+            <a:prstGeom prst="rect">
+              <a:avLst/>
+            </a:prstGeom>
+            <a:noFill/>
+          </p:spPr>
+          <p:txBody>
+            <a:bodyPr wrap="none" rtlCol="0">
+              <a:spAutoFit/>
+            </a:bodyPr>
+            <a:lstStyle/>
+            <a:p>
+              <a:r>
+                <a:rPr lang="en-US" sz="3200" b="1">
+                  <a:solidFill>
+                    <a:schemeClr val="accent1"/>
+                  </a:solidFill>
+                  <a:latin typeface="Arial Black" panose="020B0A04020102020204" pitchFamily="34" charset="0"/>
+                  <a:cs typeface="Aharoni" panose="02010803020104030203" pitchFamily="2" charset="-79"/>
+                </a:rPr>
+                <a:t>14</a:t>
+              </a:r>
+            </a:p>
+          </p:txBody>
+        </p:sp>
+        <p:sp>
+          <p:nvSpPr>
+            <p:cNvPr id="87" name="文本框 86">
+              <a:extLst>
+                <a:ext uri="{FF2B5EF4-FFF2-40B4-BE49-F238E27FC236}">
+                  <a16:creationId xmlns:a16="http://schemas.microsoft.com/office/drawing/2014/main" id="{841A8BDA-BFC0-4AA3-8B4F-F4A253EC1FC9}"/>
+                </a:ext>
+              </a:extLst>
+            </p:cNvPr>
+            <p:cNvSpPr txBox="1"/>
+            <p:nvPr/>
+          </p:nvSpPr>
+          <p:spPr>
+            <a:xfrm>
+              <a:off x="5890496" y="406594"/>
+              <a:ext cx="732893" cy="584775"/>
+            </a:xfrm>
+            <a:prstGeom prst="rect">
+              <a:avLst/>
+            </a:prstGeom>
+            <a:noFill/>
+          </p:spPr>
+          <p:txBody>
+            <a:bodyPr wrap="none" rtlCol="0">
+              <a:spAutoFit/>
+            </a:bodyPr>
+            <a:lstStyle/>
+            <a:p>
+              <a:r>
+                <a:rPr lang="en-US" sz="3200" b="1">
+                  <a:solidFill>
+                    <a:schemeClr val="accent1"/>
+                  </a:solidFill>
+                  <a:latin typeface="Arial Black" panose="020B0A04020102020204" pitchFamily="34" charset="0"/>
+                  <a:cs typeface="Aharoni" panose="02010803020104030203" pitchFamily="2" charset="-79"/>
+                </a:rPr>
+                <a:t>12</a:t>
+              </a:r>
+            </a:p>
+          </p:txBody>
+        </p:sp>
+        <p:sp>
+          <p:nvSpPr>
+            <p:cNvPr id="89" name="文本框 88">
+              <a:extLst>
+                <a:ext uri="{FF2B5EF4-FFF2-40B4-BE49-F238E27FC236}">
+                  <a16:creationId xmlns:a16="http://schemas.microsoft.com/office/drawing/2014/main" id="{08A95771-BC7F-43EF-A05D-4270CE0BACDC}"/>
+                </a:ext>
+              </a:extLst>
+            </p:cNvPr>
+            <p:cNvSpPr txBox="1"/>
+            <p:nvPr/>
+          </p:nvSpPr>
+          <p:spPr>
+            <a:xfrm>
+              <a:off x="4648789" y="4076707"/>
+              <a:ext cx="732893" cy="584775"/>
+            </a:xfrm>
+            <a:prstGeom prst="rect">
+              <a:avLst/>
+            </a:prstGeom>
+            <a:noFill/>
+          </p:spPr>
+          <p:txBody>
+            <a:bodyPr wrap="none" rtlCol="0">
+              <a:spAutoFit/>
+            </a:bodyPr>
+            <a:lstStyle/>
+            <a:p>
+              <a:r>
+                <a:rPr lang="en-US" sz="3200" b="1">
+                  <a:solidFill>
+                    <a:schemeClr val="accent1"/>
+                  </a:solidFill>
+                  <a:latin typeface="Arial Black" panose="020B0A04020102020204" pitchFamily="34" charset="0"/>
+                  <a:cs typeface="Aharoni" panose="02010803020104030203" pitchFamily="2" charset="-79"/>
+                </a:rPr>
+                <a:t>15</a:t>
+              </a:r>
+            </a:p>
+          </p:txBody>
+        </p:sp>
+        <p:sp>
+          <p:nvSpPr>
+            <p:cNvPr id="93" name="文本框 92">
+              <a:extLst>
+                <a:ext uri="{FF2B5EF4-FFF2-40B4-BE49-F238E27FC236}">
+                  <a16:creationId xmlns:a16="http://schemas.microsoft.com/office/drawing/2014/main" id="{745F3EB5-AB27-4D4B-9F5D-A8F2C0829977}"/>
+                </a:ext>
+              </a:extLst>
+            </p:cNvPr>
+            <p:cNvSpPr txBox="1"/>
+            <p:nvPr/>
+          </p:nvSpPr>
+          <p:spPr>
+            <a:xfrm>
+              <a:off x="6538556" y="4076707"/>
+              <a:ext cx="732893" cy="584775"/>
+            </a:xfrm>
+            <a:prstGeom prst="rect">
+              <a:avLst/>
+            </a:prstGeom>
+            <a:noFill/>
+          </p:spPr>
+          <p:txBody>
+            <a:bodyPr wrap="none" rtlCol="0">
+              <a:spAutoFit/>
+            </a:bodyPr>
+            <a:lstStyle/>
+            <a:p>
+              <a:r>
+                <a:rPr lang="en-US" sz="3200" b="1">
+                  <a:solidFill>
+                    <a:schemeClr val="accent1"/>
+                  </a:solidFill>
+                  <a:latin typeface="Arial Black" panose="020B0A04020102020204" pitchFamily="34" charset="0"/>
+                  <a:cs typeface="Aharoni" panose="02010803020104030203" pitchFamily="2" charset="-79"/>
+                </a:rPr>
+                <a:t>12</a:t>
+              </a:r>
+            </a:p>
+          </p:txBody>
+        </p:sp>
+      </p:grpSp>
       <p:sp>
         <p:nvSpPr>
           <p:cNvPr id="102" name="文本框 101">
@@ -6857,7 +6903,7 @@
         </p:nvSpPr>
         <p:spPr>
           <a:xfrm>
-            <a:off x="4253028" y="4887698"/>
+            <a:off x="3815861" y="5402800"/>
             <a:ext cx="4007828" cy="1200329"/>
           </a:xfrm>
           <a:prstGeom prst="rect">
